--- a/ai_systems.pptx
+++ b/ai_systems.pptx
@@ -5,29 +5,24 @@
     <p:sldMasterId id="2147483648" r:id="rId1"/>
   </p:sldMasterIdLst>
   <p:notesMasterIdLst>
-    <p:notesMasterId r:id="rId22"/>
+    <p:notesMasterId r:id="rId17"/>
   </p:notesMasterIdLst>
   <p:sldIdLst>
-    <p:sldId id="257" r:id="rId2"/>
-    <p:sldId id="318" r:id="rId3"/>
-    <p:sldId id="316" r:id="rId4"/>
-    <p:sldId id="281" r:id="rId5"/>
-    <p:sldId id="317" r:id="rId6"/>
-    <p:sldId id="304" r:id="rId7"/>
-    <p:sldId id="296" r:id="rId8"/>
-    <p:sldId id="297" r:id="rId9"/>
-    <p:sldId id="285" r:id="rId10"/>
-    <p:sldId id="298" r:id="rId11"/>
-    <p:sldId id="274" r:id="rId12"/>
-    <p:sldId id="271" r:id="rId13"/>
-    <p:sldId id="299" r:id="rId14"/>
-    <p:sldId id="267" r:id="rId15"/>
-    <p:sldId id="269" r:id="rId16"/>
-    <p:sldId id="272" r:id="rId17"/>
-    <p:sldId id="286" r:id="rId18"/>
-    <p:sldId id="287" r:id="rId19"/>
-    <p:sldId id="262" r:id="rId20"/>
-    <p:sldId id="306" r:id="rId21"/>
+    <p:sldId id="322" r:id="rId2"/>
+    <p:sldId id="297" r:id="rId3"/>
+    <p:sldId id="285" r:id="rId4"/>
+    <p:sldId id="298" r:id="rId5"/>
+    <p:sldId id="274" r:id="rId6"/>
+    <p:sldId id="271" r:id="rId7"/>
+    <p:sldId id="299" r:id="rId8"/>
+    <p:sldId id="267" r:id="rId9"/>
+    <p:sldId id="269" r:id="rId10"/>
+    <p:sldId id="272" r:id="rId11"/>
+    <p:sldId id="286" r:id="rId12"/>
+    <p:sldId id="287" r:id="rId13"/>
+    <p:sldId id="323" r:id="rId14"/>
+    <p:sldId id="316" r:id="rId15"/>
+    <p:sldId id="317" r:id="rId16"/>
   </p:sldIdLst>
   <p:sldSz cx="12192000" cy="6858000"/>
   <p:notesSz cx="6858000" cy="9144000"/>
@@ -227,7 +222,7 @@
           <a:p>
             <a:fld id="{FD93C9B2-20F6-4DB1-B471-224337D0AC79}" type="datetimeFigureOut">
               <a:rPr lang="en-US" smtClean="0"/>
-              <a:t>8/8/2021</a:t>
+              <a:t>11/21/2021</a:t>
             </a:fld>
             <a:endParaRPr lang="en-US"/>
           </a:p>
@@ -538,14 +533,6 @@
           <a:bodyPr/>
           <a:lstStyle/>
           <a:p>
-            <a:r>
-              <a:rPr lang="en-US" dirty="0">
-                <a:latin typeface="Palatino Linotype" panose="02040502050505030304" pitchFamily="18" charset="0"/>
-              </a:rPr>
-              <a:t>Hello and welcome to: “Frontiers of AI: AI Systems”</a:t>
-            </a:r>
-          </a:p>
-          <a:p>
             <a:endParaRPr lang="en-US" dirty="0">
               <a:latin typeface="Palatino Linotype" panose="02040502050505030304" pitchFamily="18" charset="0"/>
             </a:endParaRPr>
@@ -638,15 +625,16 @@
           <a:lstStyle/>
           <a:p>
             <a:r>
-              <a:rPr lang="en-US" sz="1200" b="0" i="0" u="none" strike="noStrike" kern="1200" baseline="0" dirty="0">
+              <a:rPr lang="en-US" sz="1200" b="0" i="0" kern="1200" dirty="0">
                 <a:solidFill>
                   <a:schemeClr val="tx1"/>
                 </a:solidFill>
+                <a:effectLst/>
                 <a:latin typeface="+mn-lt"/>
                 <a:ea typeface="+mn-ea"/>
                 <a:cs typeface="+mn-cs"/>
               </a:rPr>
-              <a:t>… consider a spam filter.  </a:t>
+              <a:t>Semi-supervised learning</a:t>
             </a:r>
             <a:r>
               <a:rPr lang="en-US" sz="1200" b="0" i="1" u="none" strike="noStrike" kern="1200" baseline="0" dirty="0">
@@ -657,7 +645,7 @@
                 <a:ea typeface="+mn-ea"/>
                 <a:cs typeface="+mn-cs"/>
               </a:rPr>
-              <a:t>Classification </a:t>
+              <a:t> </a:t>
             </a:r>
             <a:r>
               <a:rPr lang="en-US" sz="1200" b="0" i="0" u="none" strike="noStrike" kern="1200" baseline="0" dirty="0">
@@ -668,39 +656,62 @@
                 <a:ea typeface="+mn-ea"/>
                 <a:cs typeface="+mn-cs"/>
               </a:rPr>
-              <a:t>is a typical supervised learning task, and a spam filter is a good example of this.  It is first trained with many example emails along with their </a:t>
-            </a:r>
-            <a:r>
-              <a:rPr lang="en-US" sz="1200" b="0" i="1" u="none" strike="noStrike" kern="1200" baseline="0" dirty="0">
-                <a:solidFill>
-                  <a:schemeClr val="tx1"/>
-                </a:solidFill>
-                <a:latin typeface="+mn-lt"/>
-                <a:ea typeface="+mn-ea"/>
-                <a:cs typeface="+mn-cs"/>
-              </a:rPr>
-              <a:t>class </a:t>
-            </a:r>
-            <a:r>
-              <a:rPr lang="en-US" sz="1200" b="0" i="0" u="none" strike="noStrike" kern="1200" baseline="0" dirty="0">
-                <a:solidFill>
-                  <a:schemeClr val="tx1"/>
-                </a:solidFill>
-                <a:latin typeface="+mn-lt"/>
-                <a:ea typeface="+mn-ea"/>
-                <a:cs typeface="+mn-cs"/>
-              </a:rPr>
-              <a:t>(spam or ham), and it must learn how to classify new emails.</a:t>
-            </a:r>
-            <a:endParaRPr lang="en-US" sz="1200" b="0" i="0" kern="1200" dirty="0">
+              <a:t>is a mixture of the previous two learning types, which means it is fed a combination of labeled and unlabeled inputs.  In this image, we see two classes with labeled examples indicated by the green triangles and light-yellow boxes.  The proximity of the unlabeled examples to their labeled counterparts allows the algorithm to divide the data set into two groups, thereby inferring group membership of any new data points.</a:t>
+            </a:r>
+          </a:p>
+          <a:p>
+            <a:endParaRPr lang="en-US" sz="1200" b="0" i="0" u="none" strike="noStrike" kern="1200" baseline="0" dirty="0">
               <a:solidFill>
                 <a:schemeClr val="tx1"/>
               </a:solidFill>
-              <a:effectLst/>
               <a:latin typeface="+mn-lt"/>
               <a:ea typeface="+mn-ea"/>
               <a:cs typeface="+mn-cs"/>
             </a:endParaRPr>
+          </a:p>
+          <a:p>
+            <a:r>
+              <a:rPr lang="en-US" sz="1200" b="0" i="0" u="none" strike="noStrike" kern="1200" baseline="0" dirty="0">
+                <a:solidFill>
+                  <a:schemeClr val="tx1"/>
+                </a:solidFill>
+                <a:latin typeface="+mn-lt"/>
+                <a:ea typeface="+mn-ea"/>
+                <a:cs typeface="+mn-cs"/>
+              </a:rPr>
+              <a:t>Often, you will not have the resources to label every item in a dataset.  And so semi-supervised learning provides a middle way forward, between supervised and unsupervised learning.  Here you only need to label a sub-set of instances while still gaining all of the advantages of a trained model.</a:t>
+            </a:r>
+          </a:p>
+          <a:p>
+            <a:pPr marL="0" marR="0" lvl="0" indent="0" algn="l" defTabSz="914400" rtl="0" eaLnBrk="1" fontAlgn="auto" latinLnBrk="0" hangingPunct="1">
+              <a:lnSpc>
+                <a:spcPct val="100000"/>
+              </a:lnSpc>
+              <a:spcBef>
+                <a:spcPts val="0"/>
+              </a:spcBef>
+              <a:spcAft>
+                <a:spcPts val="0"/>
+              </a:spcAft>
+              <a:buClrTx/>
+              <a:buSzTx/>
+              <a:buFontTx/>
+              <a:buNone/>
+              <a:tabLst/>
+              <a:defRPr/>
+            </a:pPr>
+            <a:r>
+              <a:rPr lang="en-US" sz="1200" b="0" i="0" kern="1200" dirty="0">
+                <a:solidFill>
+                  <a:schemeClr val="tx1"/>
+                </a:solidFill>
+                <a:effectLst/>
+                <a:latin typeface="+mn-lt"/>
+                <a:ea typeface="+mn-ea"/>
+                <a:cs typeface="+mn-cs"/>
+              </a:rPr>
+              <a:t> </a:t>
+            </a:r>
           </a:p>
         </p:txBody>
       </p:sp>
@@ -730,7 +741,7 @@
     </p:spTree>
     <p:extLst>
       <p:ext uri="{BB962C8B-B14F-4D97-AF65-F5344CB8AC3E}">
-        <p14:creationId xmlns:p14="http://schemas.microsoft.com/office/powerpoint/2010/main" val="2257672445"/>
+        <p14:creationId xmlns:p14="http://schemas.microsoft.com/office/powerpoint/2010/main" val="3414843891"/>
       </p:ext>
     </p:extLst>
   </p:cSld>
@@ -785,7 +796,7 @@
           <a:lstStyle/>
           <a:p>
             <a:r>
-              <a:rPr lang="en-US" sz="1200" b="0" i="0" u="none" strike="noStrike" kern="1200" baseline="0" dirty="0">
+              <a:rPr lang="en-US" sz="1200" b="0" i="1" u="none" strike="noStrike" kern="1200" baseline="0" dirty="0">
                 <a:solidFill>
                   <a:schemeClr val="tx1"/>
                 </a:solidFill>
@@ -793,10 +804,10 @@
                 <a:ea typeface="+mn-ea"/>
                 <a:cs typeface="+mn-cs"/>
               </a:rPr>
-              <a:t>Another typical supervised learning task is to predict a </a:t>
-            </a:r>
-            <a:r>
-              <a:rPr lang="en-US" sz="1200" b="0" i="1" u="none" strike="noStrike" kern="1200" baseline="0" dirty="0">
+              <a:t>Reinforcement Learning </a:t>
+            </a:r>
+            <a:r>
+              <a:rPr lang="en-US" sz="1200" b="0" i="0" u="none" strike="noStrike" kern="1200" baseline="0" dirty="0">
                 <a:solidFill>
                   <a:schemeClr val="tx1"/>
                 </a:solidFill>
@@ -804,10 +815,10 @@
                 <a:ea typeface="+mn-ea"/>
                 <a:cs typeface="+mn-cs"/>
               </a:rPr>
-              <a:t>target </a:t>
-            </a:r>
-            <a:r>
-              <a:rPr lang="en-US" sz="1200" b="0" i="0" u="none" strike="noStrike" kern="1200" baseline="0" dirty="0">
+              <a:t>is a very different beast. The learning system, called an </a:t>
+            </a:r>
+            <a:r>
+              <a:rPr lang="en-US" sz="1200" b="0" i="1" u="none" strike="noStrike" kern="1200" baseline="0" dirty="0">
                 <a:solidFill>
                   <a:schemeClr val="tx1"/>
                 </a:solidFill>
@@ -815,10 +826,10 @@
                 <a:ea typeface="+mn-ea"/>
                 <a:cs typeface="+mn-cs"/>
               </a:rPr>
-              <a:t>numeric value, such as the price of a car, given a set of </a:t>
-            </a:r>
-            <a:r>
-              <a:rPr lang="en-US" sz="1200" b="0" i="1" u="none" strike="noStrike" kern="1200" baseline="0" dirty="0">
+              <a:t>agent </a:t>
+            </a:r>
+            <a:r>
+              <a:rPr lang="en-US" sz="1200" b="0" i="0" u="none" strike="noStrike" kern="1200" baseline="0" dirty="0">
                 <a:solidFill>
                   <a:schemeClr val="tx1"/>
                 </a:solidFill>
@@ -826,10 +837,10 @@
                 <a:ea typeface="+mn-ea"/>
                 <a:cs typeface="+mn-cs"/>
               </a:rPr>
-              <a:t>features </a:t>
-            </a:r>
-            <a:r>
-              <a:rPr lang="en-US" sz="1200" b="0" i="0" u="none" strike="noStrike" kern="1200" baseline="0" dirty="0">
+              <a:t>in this context, observes the environment, selects and performs actions, and is then </a:t>
+            </a:r>
+            <a:r>
+              <a:rPr lang="en-US" sz="1200" b="0" i="1" u="none" strike="noStrike" kern="1200" baseline="0" dirty="0">
                 <a:solidFill>
                   <a:schemeClr val="tx1"/>
                 </a:solidFill>
@@ -837,10 +848,10 @@
                 <a:ea typeface="+mn-ea"/>
                 <a:cs typeface="+mn-cs"/>
               </a:rPr>
-              <a:t>(mileage, age, brand, etc.) called </a:t>
-            </a:r>
-            <a:r>
-              <a:rPr lang="en-US" sz="1200" b="0" i="1" u="none" strike="noStrike" kern="1200" baseline="0" dirty="0">
+              <a:t>rewarded</a:t>
+            </a:r>
+            <a:r>
+              <a:rPr lang="en-US" sz="1200" b="0" i="0" u="none" strike="noStrike" kern="1200" baseline="0" dirty="0">
                 <a:solidFill>
                   <a:schemeClr val="tx1"/>
                 </a:solidFill>
@@ -848,10 +859,10 @@
                 <a:ea typeface="+mn-ea"/>
                 <a:cs typeface="+mn-cs"/>
               </a:rPr>
-              <a:t>predictors</a:t>
-            </a:r>
-            <a:r>
-              <a:rPr lang="en-US" sz="1200" b="0" i="0" u="none" strike="noStrike" kern="1200" baseline="0" dirty="0">
+              <a:t> or </a:t>
+            </a:r>
+            <a:r>
+              <a:rPr lang="en-US" sz="1200" b="0" i="1" u="none" strike="noStrike" kern="1200" baseline="0" dirty="0">
                 <a:solidFill>
                   <a:schemeClr val="tx1"/>
                 </a:solidFill>
@@ -859,10 +870,10 @@
                 <a:ea typeface="+mn-ea"/>
                 <a:cs typeface="+mn-cs"/>
               </a:rPr>
-              <a:t>. This sort of task is called </a:t>
-            </a:r>
-            <a:r>
-              <a:rPr lang="en-US" sz="1200" b="0" i="1" u="none" strike="noStrike" kern="1200" baseline="0" dirty="0">
+              <a:t>penalized</a:t>
+            </a:r>
+            <a:r>
+              <a:rPr lang="en-US" sz="1200" b="0" i="0" u="none" strike="noStrike" kern="1200" baseline="0" dirty="0">
                 <a:solidFill>
                   <a:schemeClr val="tx1"/>
                 </a:solidFill>
@@ -870,10 +881,10 @@
                 <a:ea typeface="+mn-ea"/>
                 <a:cs typeface="+mn-cs"/>
               </a:rPr>
-              <a:t>regression</a:t>
-            </a:r>
-            <a:r>
-              <a:rPr lang="en-US" sz="1200" b="0" i="0" u="none" strike="noStrike" kern="1200" baseline="0" dirty="0">
+              <a:t> for each action.  On its own, the agent must discover the best strategy, called a </a:t>
+            </a:r>
+            <a:r>
+              <a:rPr lang="en-US" sz="1200" b="0" i="1" u="none" strike="noStrike" kern="1200" baseline="0" dirty="0">
                 <a:solidFill>
                   <a:schemeClr val="tx1"/>
                 </a:solidFill>
@@ -881,21 +892,8 @@
                 <a:ea typeface="+mn-ea"/>
                 <a:cs typeface="+mn-cs"/>
               </a:rPr>
-              <a:t>.  To train the system, you need to give it many examples of cars, including both their predictors and their labels (i.e., their prices).</a:t>
-            </a:r>
-          </a:p>
-          <a:p>
-            <a:endParaRPr lang="en-US" sz="1200" b="0" i="0" u="none" strike="noStrike" kern="1200" baseline="0" dirty="0">
-              <a:solidFill>
-                <a:schemeClr val="tx1"/>
-              </a:solidFill>
-              <a:effectLst/>
-              <a:latin typeface="+mn-lt"/>
-              <a:ea typeface="+mn-ea"/>
-              <a:cs typeface="+mn-cs"/>
-            </a:endParaRPr>
-          </a:p>
-          <a:p>
+              <a:t>policy,</a:t>
+            </a:r>
             <a:r>
               <a:rPr lang="en-US" sz="1200" b="0" i="0" u="none" strike="noStrike" kern="1200" baseline="0" dirty="0">
                 <a:solidFill>
@@ -905,7 +903,7 @@
                 <a:ea typeface="+mn-ea"/>
                 <a:cs typeface="+mn-cs"/>
               </a:rPr>
-              <a:t>In Machine Learning an </a:t>
+              <a:t> to get the most reward over time.  A </a:t>
             </a:r>
             <a:r>
               <a:rPr lang="en-US" sz="1200" b="0" i="1" u="none" strike="noStrike" kern="1200" baseline="0" dirty="0">
@@ -916,7 +914,7 @@
                 <a:ea typeface="+mn-ea"/>
                 <a:cs typeface="+mn-cs"/>
               </a:rPr>
-              <a:t>attribute </a:t>
+              <a:t>policy</a:t>
             </a:r>
             <a:r>
               <a:rPr lang="en-US" sz="1200" b="0" i="0" u="none" strike="noStrike" kern="1200" baseline="0" dirty="0">
@@ -927,73 +925,7 @@
                 <a:ea typeface="+mn-ea"/>
                 <a:cs typeface="+mn-cs"/>
               </a:rPr>
-              <a:t>is a data type (e.g., “mileage”), while a </a:t>
-            </a:r>
-            <a:r>
-              <a:rPr lang="en-US" sz="1200" b="0" i="1" u="none" strike="noStrike" kern="1200" baseline="0" dirty="0">
-                <a:solidFill>
-                  <a:schemeClr val="tx1"/>
-                </a:solidFill>
-                <a:latin typeface="+mn-lt"/>
-                <a:ea typeface="+mn-ea"/>
-                <a:cs typeface="+mn-cs"/>
-              </a:rPr>
-              <a:t>feature </a:t>
-            </a:r>
-            <a:r>
-              <a:rPr lang="en-US" sz="1200" b="0" i="0" u="none" strike="noStrike" kern="1200" baseline="0" dirty="0">
-                <a:solidFill>
-                  <a:schemeClr val="tx1"/>
-                </a:solidFill>
-                <a:latin typeface="+mn-lt"/>
-                <a:ea typeface="+mn-ea"/>
-                <a:cs typeface="+mn-cs"/>
-              </a:rPr>
-              <a:t>has several meanings, depending on the context, but generally means an attribute plus its value (e.g., “mileage = 15,000”). Many people use the words </a:t>
-            </a:r>
-            <a:r>
-              <a:rPr lang="en-US" sz="1200" b="0" i="1" u="none" strike="noStrike" kern="1200" baseline="0" dirty="0">
-                <a:solidFill>
-                  <a:schemeClr val="tx1"/>
-                </a:solidFill>
-                <a:latin typeface="+mn-lt"/>
-                <a:ea typeface="+mn-ea"/>
-                <a:cs typeface="+mn-cs"/>
-              </a:rPr>
-              <a:t>attribute </a:t>
-            </a:r>
-            <a:r>
-              <a:rPr lang="en-US" sz="1200" b="0" i="0" u="none" strike="noStrike" kern="1200" baseline="0" dirty="0">
-                <a:solidFill>
-                  <a:schemeClr val="tx1"/>
-                </a:solidFill>
-                <a:latin typeface="+mn-lt"/>
-                <a:ea typeface="+mn-ea"/>
-                <a:cs typeface="+mn-cs"/>
-              </a:rPr>
-              <a:t>and </a:t>
-            </a:r>
-            <a:r>
-              <a:rPr lang="en-US" sz="1200" b="0" i="1" u="none" strike="noStrike" kern="1200" baseline="0" dirty="0">
-                <a:solidFill>
-                  <a:schemeClr val="tx1"/>
-                </a:solidFill>
-                <a:latin typeface="+mn-lt"/>
-                <a:ea typeface="+mn-ea"/>
-                <a:cs typeface="+mn-cs"/>
-              </a:rPr>
-              <a:t>feature </a:t>
-            </a:r>
-            <a:r>
-              <a:rPr lang="en-US" sz="1200" b="0" i="0" u="none" strike="noStrike" kern="1200" baseline="0" dirty="0">
-                <a:solidFill>
-                  <a:schemeClr val="tx1"/>
-                </a:solidFill>
-                <a:latin typeface="+mn-lt"/>
-                <a:ea typeface="+mn-ea"/>
-                <a:cs typeface="+mn-cs"/>
-              </a:rPr>
-              <a:t>interchangeably.  Feature is used predominantly in the AI literature.</a:t>
+              <a:t> defines what action the agent should choose when it is in a particular situation.</a:t>
             </a:r>
           </a:p>
           <a:p>
@@ -1016,8 +948,9 @@
                 <a:ea typeface="+mn-ea"/>
                 <a:cs typeface="+mn-cs"/>
               </a:rPr>
-              <a:t>Some other examples of supervised learning algorithms include:</a:t>
-            </a:r>
+              <a:t>For example, many robots implement Reinforcement Learning algorithms to learn how to walk. DeepMind’s AlphaGo program is also a good example of Reinforcement Learning: it made the headlines in May 2017 when it beat the world champion at the game of Go. It learned its winning policy by analyzing millions of games, and then playing many games against itself.</a:t>
+            </a:r>
+            <a:endParaRPr lang="en-US" dirty="0"/>
           </a:p>
           <a:p>
             <a:endParaRPr lang="en-US" sz="1200" b="0" i="0" u="none" strike="noStrike" kern="1200" baseline="0" dirty="0">
@@ -1030,80 +963,35 @@
             </a:endParaRPr>
           </a:p>
           <a:p>
-            <a:r>
-              <a:rPr lang="en-US" sz="1200" b="0" i="0" u="none" strike="noStrike" kern="1200" baseline="0" dirty="0">
+            <a:pPr marL="0" marR="0" lvl="0" indent="0" algn="l" defTabSz="914400" rtl="0" eaLnBrk="1" fontAlgn="auto" latinLnBrk="0" hangingPunct="1">
+              <a:lnSpc>
+                <a:spcPct val="100000"/>
+              </a:lnSpc>
+              <a:spcBef>
+                <a:spcPts val="0"/>
+              </a:spcBef>
+              <a:spcAft>
+                <a:spcPts val="0"/>
+              </a:spcAft>
+              <a:buClrTx/>
+              <a:buSzTx/>
+              <a:buFontTx/>
+              <a:buNone/>
+              <a:tabLst/>
+              <a:defRPr/>
+            </a:pPr>
+            <a:r>
+              <a:rPr lang="en-US" sz="1200" b="0" i="0" kern="1200" dirty="0">
                 <a:solidFill>
                   <a:schemeClr val="tx1"/>
                 </a:solidFill>
+                <a:effectLst/>
                 <a:latin typeface="+mn-lt"/>
                 <a:ea typeface="+mn-ea"/>
                 <a:cs typeface="+mn-cs"/>
               </a:rPr>
-              <a:t>• Linear Regression</a:t>
-            </a:r>
-          </a:p>
-          <a:p>
-            <a:r>
-              <a:rPr lang="en-US" sz="1200" b="0" i="0" u="none" strike="noStrike" kern="1200" baseline="0" dirty="0">
-                <a:solidFill>
-                  <a:schemeClr val="tx1"/>
-                </a:solidFill>
-                <a:latin typeface="+mn-lt"/>
-                <a:ea typeface="+mn-ea"/>
-                <a:cs typeface="+mn-cs"/>
-              </a:rPr>
-              <a:t>• Logistic Regression</a:t>
-            </a:r>
-          </a:p>
-          <a:p>
-            <a:r>
-              <a:rPr lang="en-US" sz="1200" b="0" i="0" u="none" strike="noStrike" kern="1200" baseline="0" dirty="0">
-                <a:solidFill>
-                  <a:schemeClr val="tx1"/>
-                </a:solidFill>
-                <a:latin typeface="+mn-lt"/>
-                <a:ea typeface="+mn-ea"/>
-                <a:cs typeface="+mn-cs"/>
-              </a:rPr>
-              <a:t>• Support Vector Machines (SVMs)</a:t>
-            </a:r>
-          </a:p>
-          <a:p>
-            <a:r>
-              <a:rPr lang="en-US" sz="1200" b="0" i="0" u="none" strike="noStrike" kern="1200" baseline="0" dirty="0">
-                <a:solidFill>
-                  <a:schemeClr val="tx1"/>
-                </a:solidFill>
-                <a:latin typeface="+mn-lt"/>
-                <a:ea typeface="+mn-ea"/>
-                <a:cs typeface="+mn-cs"/>
-              </a:rPr>
-              <a:t>• Decision Trees and Random Forests</a:t>
-            </a:r>
-          </a:p>
-          <a:p>
-            <a:r>
-              <a:rPr lang="en-US" sz="1200" b="0" i="0" u="none" strike="noStrike" kern="1200" baseline="0" dirty="0">
-                <a:solidFill>
-                  <a:schemeClr val="tx1"/>
-                </a:solidFill>
-                <a:latin typeface="+mn-lt"/>
-                <a:ea typeface="+mn-ea"/>
-                <a:cs typeface="+mn-cs"/>
-              </a:rPr>
-              <a:t>• Neural networks</a:t>
-            </a:r>
-          </a:p>
-          <a:p>
-            <a:endParaRPr lang="en-US" sz="1200" b="0" i="0" u="none" strike="noStrike" kern="1200" baseline="0" dirty="0">
-              <a:solidFill>
-                <a:schemeClr val="tx1"/>
-              </a:solidFill>
-              <a:effectLst/>
-              <a:latin typeface="+mn-lt"/>
-              <a:ea typeface="+mn-ea"/>
-              <a:cs typeface="+mn-cs"/>
-            </a:endParaRPr>
+              <a:t> </a:t>
+            </a:r>
           </a:p>
         </p:txBody>
       </p:sp>
@@ -1133,7 +1021,7 @@
     </p:spTree>
     <p:extLst>
       <p:ext uri="{BB962C8B-B14F-4D97-AF65-F5344CB8AC3E}">
-        <p14:creationId xmlns:p14="http://schemas.microsoft.com/office/powerpoint/2010/main" val="3239051252"/>
+        <p14:creationId xmlns:p14="http://schemas.microsoft.com/office/powerpoint/2010/main" val="3813904577"/>
       </p:ext>
     </p:extLst>
   </p:cSld>
@@ -1187,6 +1075,19 @@
           <a:bodyPr/>
           <a:lstStyle/>
           <a:p>
+            <a:r>
+              <a:rPr lang="en-US" sz="1200" b="0" i="0" u="none" strike="noStrike" kern="1200" baseline="0" dirty="0">
+                <a:solidFill>
+                  <a:schemeClr val="tx1"/>
+                </a:solidFill>
+                <a:latin typeface="+mn-lt"/>
+                <a:ea typeface="+mn-ea"/>
+                <a:cs typeface="+mn-cs"/>
+              </a:rPr>
+              <a:t>… and finally, this image summarizes some of the primary ways in which AI is being used today.   I present these applications because background knowledge is key to helping you imagine AI possibilities in your domain.  And it’s the reason why I asked Jim Cusick to provide additional bibliographic support.  Of course, the challenge is to take an application in another area and then modify it, so it works in yours.  I believe this is where a lot of innovation is going to happen in the near future.  </a:t>
+            </a:r>
+          </a:p>
+          <a:p>
             <a:pPr marL="0" marR="0" lvl="0" indent="0" algn="l" defTabSz="914400" rtl="0" eaLnBrk="1" fontAlgn="auto" latinLnBrk="0" hangingPunct="1">
               <a:lnSpc>
                 <a:spcPct val="100000"/>
@@ -1214,7 +1115,589 @@
                 <a:ea typeface="+mn-ea"/>
                 <a:cs typeface="+mn-cs"/>
               </a:rPr>
-              <a:t>The second kind of learning is unsupervised learning. Unsupervised learning is an algorithm which discovers hidden patterns in a dataset that is not labelled (annotated).  In other words, the algorithm is presented with a set of inputs but no correct answers or desired outputs – it must discover the structure and patterns in the data on its own.  Consider, for example, the following dataset.</a:t>
+              <a:t> </a:t>
+            </a:r>
+          </a:p>
+        </p:txBody>
+      </p:sp>
+      <p:sp>
+        <p:nvSpPr>
+          <p:cNvPr id="4" name="Slide Number Placeholder 3"/>
+          <p:cNvSpPr>
+            <a:spLocks noGrp="1"/>
+          </p:cNvSpPr>
+          <p:nvPr>
+            <p:ph type="sldNum" sz="quarter" idx="5"/>
+          </p:nvPr>
+        </p:nvSpPr>
+        <p:spPr/>
+        <p:txBody>
+          <a:bodyPr/>
+          <a:lstStyle/>
+          <a:p>
+            <a:fld id="{3148858F-F1DB-4027-9C85-CCA6849540DD}" type="slidenum">
+              <a:rPr lang="en-US" smtClean="0"/>
+              <a:t>12</a:t>
+            </a:fld>
+            <a:endParaRPr lang="en-US"/>
+          </a:p>
+        </p:txBody>
+      </p:sp>
+    </p:spTree>
+    <p:extLst>
+      <p:ext uri="{BB962C8B-B14F-4D97-AF65-F5344CB8AC3E}">
+        <p14:creationId xmlns:p14="http://schemas.microsoft.com/office/powerpoint/2010/main" val="2041406944"/>
+      </p:ext>
+    </p:extLst>
+  </p:cSld>
+  <p:clrMapOvr>
+    <a:masterClrMapping/>
+  </p:clrMapOvr>
+</p:notes>
+</file>
+
+<file path=ppt/notesSlides/notesSlide13.xml><?xml version="1.0" encoding="utf-8"?>
+<p:notes xmlns:a="http://schemas.openxmlformats.org/drawingml/2006/main" xmlns:r="http://schemas.openxmlformats.org/officeDocument/2006/relationships" xmlns:p="http://schemas.openxmlformats.org/presentationml/2006/main">
+  <p:cSld>
+    <p:spTree>
+      <p:nvGrpSpPr>
+        <p:cNvPr id="1" name=""/>
+        <p:cNvGrpSpPr/>
+        <p:nvPr/>
+      </p:nvGrpSpPr>
+      <p:grpSpPr>
+        <a:xfrm>
+          <a:off x="0" y="0"/>
+          <a:ext cx="0" cy="0"/>
+          <a:chOff x="0" y="0"/>
+          <a:chExt cx="0" cy="0"/>
+        </a:xfrm>
+      </p:grpSpPr>
+      <p:sp>
+        <p:nvSpPr>
+          <p:cNvPr id="2" name="Slide Image Placeholder 1"/>
+          <p:cNvSpPr>
+            <a:spLocks noGrp="1" noRot="1" noChangeAspect="1"/>
+          </p:cNvSpPr>
+          <p:nvPr>
+            <p:ph type="sldImg"/>
+          </p:nvPr>
+        </p:nvSpPr>
+        <p:spPr/>
+      </p:sp>
+      <p:sp>
+        <p:nvSpPr>
+          <p:cNvPr id="3" name="Notes Placeholder 2"/>
+          <p:cNvSpPr>
+            <a:spLocks noGrp="1"/>
+          </p:cNvSpPr>
+          <p:nvPr>
+            <p:ph type="body" idx="1"/>
+          </p:nvPr>
+        </p:nvSpPr>
+        <p:spPr/>
+        <p:txBody>
+          <a:bodyPr/>
+          <a:lstStyle/>
+          <a:p>
+            <a:endParaRPr lang="en-US" dirty="0"/>
+          </a:p>
+        </p:txBody>
+      </p:sp>
+      <p:sp>
+        <p:nvSpPr>
+          <p:cNvPr id="4" name="Slide Number Placeholder 3"/>
+          <p:cNvSpPr>
+            <a:spLocks noGrp="1"/>
+          </p:cNvSpPr>
+          <p:nvPr>
+            <p:ph type="sldNum" sz="quarter" idx="5"/>
+          </p:nvPr>
+        </p:nvSpPr>
+        <p:spPr/>
+        <p:txBody>
+          <a:bodyPr/>
+          <a:lstStyle/>
+          <a:p>
+            <a:fld id="{3148858F-F1DB-4027-9C85-CCA6849540DD}" type="slidenum">
+              <a:rPr lang="en-US" smtClean="0"/>
+              <a:t>13</a:t>
+            </a:fld>
+            <a:endParaRPr lang="en-US"/>
+          </a:p>
+        </p:txBody>
+      </p:sp>
+    </p:spTree>
+    <p:extLst>
+      <p:ext uri="{BB962C8B-B14F-4D97-AF65-F5344CB8AC3E}">
+        <p14:creationId xmlns:p14="http://schemas.microsoft.com/office/powerpoint/2010/main" val="1180791832"/>
+      </p:ext>
+    </p:extLst>
+  </p:cSld>
+  <p:clrMapOvr>
+    <a:masterClrMapping/>
+  </p:clrMapOvr>
+</p:notes>
+</file>
+
+<file path=ppt/notesSlides/notesSlide14.xml><?xml version="1.0" encoding="utf-8"?>
+<p:notes xmlns:a="http://schemas.openxmlformats.org/drawingml/2006/main" xmlns:r="http://schemas.openxmlformats.org/officeDocument/2006/relationships" xmlns:p="http://schemas.openxmlformats.org/presentationml/2006/main">
+  <p:cSld>
+    <p:spTree>
+      <p:nvGrpSpPr>
+        <p:cNvPr id="1" name=""/>
+        <p:cNvGrpSpPr/>
+        <p:nvPr/>
+      </p:nvGrpSpPr>
+      <p:grpSpPr>
+        <a:xfrm>
+          <a:off x="0" y="0"/>
+          <a:ext cx="0" cy="0"/>
+          <a:chOff x="0" y="0"/>
+          <a:chExt cx="0" cy="0"/>
+        </a:xfrm>
+      </p:grpSpPr>
+      <p:sp>
+        <p:nvSpPr>
+          <p:cNvPr id="2" name="Slide Image Placeholder 1"/>
+          <p:cNvSpPr>
+            <a:spLocks noGrp="1" noRot="1" noChangeAspect="1"/>
+          </p:cNvSpPr>
+          <p:nvPr>
+            <p:ph type="sldImg"/>
+          </p:nvPr>
+        </p:nvSpPr>
+        <p:spPr/>
+      </p:sp>
+      <p:sp>
+        <p:nvSpPr>
+          <p:cNvPr id="3" name="Notes Placeholder 2"/>
+          <p:cNvSpPr>
+            <a:spLocks noGrp="1"/>
+          </p:cNvSpPr>
+          <p:nvPr>
+            <p:ph type="body" idx="1"/>
+          </p:nvPr>
+        </p:nvSpPr>
+        <p:spPr/>
+        <p:txBody>
+          <a:bodyPr/>
+          <a:lstStyle/>
+          <a:p>
+            <a:r>
+              <a:rPr lang="en-US" sz="1200" b="0" i="0" kern="1200" dirty="0">
+                <a:solidFill>
+                  <a:schemeClr val="tx1"/>
+                </a:solidFill>
+                <a:effectLst/>
+                <a:latin typeface="+mn-lt"/>
+                <a:ea typeface="+mn-ea"/>
+                <a:cs typeface="+mn-cs"/>
+              </a:rPr>
+              <a:t>In the past, AI has experienced multiple “winters.”  The early 1980s and 1990s were two such periods where funding dried up and interest waned.  Whether the individual who created this graphic intended it or not, the period under the garbage can is one of those slumps.  The problem is one of over-promising and under-delivering.  But here are some key points to keep in mind</a:t>
+            </a:r>
+          </a:p>
+          <a:p>
+            <a:endParaRPr lang="en-US" sz="1200" b="0" i="0" kern="1200" dirty="0">
+              <a:solidFill>
+                <a:schemeClr val="tx1"/>
+              </a:solidFill>
+              <a:effectLst/>
+              <a:latin typeface="+mn-lt"/>
+              <a:ea typeface="+mn-ea"/>
+              <a:cs typeface="+mn-cs"/>
+            </a:endParaRPr>
+          </a:p>
+          <a:p>
+            <a:pPr marL="0" marR="0" lvl="0" indent="0" algn="l" hangingPunct="0">
+              <a:lnSpc>
+                <a:spcPct val="100000"/>
+              </a:lnSpc>
+              <a:spcBef>
+                <a:spcPts val="0"/>
+              </a:spcBef>
+              <a:spcAft>
+                <a:spcPts val="1440"/>
+              </a:spcAft>
+              <a:buSzPct val="45000"/>
+              <a:buFont typeface="StarSymbol"/>
+              <a:buChar char="●"/>
+              <a:tabLst/>
+            </a:pPr>
+            <a:r>
+              <a:rPr lang="en-US" sz="1200" b="0" i="0" u="none" strike="noStrike" kern="1200" cap="none" dirty="0">
+                <a:ln>
+                  <a:noFill/>
+                </a:ln>
+                <a:latin typeface="Arial" pitchFamily="34"/>
+                <a:ea typeface="Arial" pitchFamily="34"/>
+                <a:cs typeface="Arial" pitchFamily="34"/>
+              </a:rPr>
+              <a:t> AI researchers have been making steady progress since the 1950s.</a:t>
+            </a:r>
+          </a:p>
+          <a:p>
+            <a:pPr marL="0" marR="0" lvl="0" indent="0" algn="l" hangingPunct="0">
+              <a:lnSpc>
+                <a:spcPct val="100000"/>
+              </a:lnSpc>
+              <a:spcBef>
+                <a:spcPts val="0"/>
+              </a:spcBef>
+              <a:spcAft>
+                <a:spcPts val="1440"/>
+              </a:spcAft>
+              <a:buSzPct val="45000"/>
+              <a:buFont typeface="StarSymbol"/>
+              <a:buChar char="●"/>
+              <a:tabLst/>
+            </a:pPr>
+            <a:r>
+              <a:rPr lang="en-US" sz="1200" b="0" i="0" u="none" strike="noStrike" kern="1200" cap="none" dirty="0">
+                <a:ln>
+                  <a:noFill/>
+                </a:ln>
+                <a:latin typeface="Arial" pitchFamily="34"/>
+                <a:ea typeface="Arial" pitchFamily="34"/>
+                <a:cs typeface="Arial" pitchFamily="34"/>
+              </a:rPr>
+              <a:t> AI is seductive.</a:t>
+            </a:r>
+          </a:p>
+          <a:p>
+            <a:pPr marL="0" marR="0" lvl="0" indent="0" algn="l" hangingPunct="0">
+              <a:lnSpc>
+                <a:spcPct val="100000"/>
+              </a:lnSpc>
+              <a:spcBef>
+                <a:spcPts val="0"/>
+              </a:spcBef>
+              <a:spcAft>
+                <a:spcPts val="1440"/>
+              </a:spcAft>
+              <a:buSzPct val="45000"/>
+              <a:buFont typeface="StarSymbol"/>
+              <a:buChar char="●"/>
+              <a:tabLst/>
+            </a:pPr>
+            <a:r>
+              <a:rPr lang="en-US" sz="1200" b="0" i="0" u="none" strike="noStrike" kern="1200" cap="none" dirty="0">
+                <a:ln>
+                  <a:noFill/>
+                </a:ln>
+                <a:latin typeface="Arial" pitchFamily="34"/>
+                <a:ea typeface="Arial" pitchFamily="34"/>
+                <a:cs typeface="Arial" pitchFamily="34"/>
+              </a:rPr>
+              <a:t> AI winters were mostly about over-hyped commercial and government interest and expectations.</a:t>
+            </a:r>
+          </a:p>
+          <a:p>
+            <a:pPr marL="0" marR="0" lvl="0" indent="0" algn="l" hangingPunct="0">
+              <a:lnSpc>
+                <a:spcPct val="100000"/>
+              </a:lnSpc>
+              <a:spcBef>
+                <a:spcPts val="0"/>
+              </a:spcBef>
+              <a:spcAft>
+                <a:spcPts val="1440"/>
+              </a:spcAft>
+              <a:buSzPct val="45000"/>
+              <a:buFont typeface="StarSymbol"/>
+              <a:buChar char="●"/>
+              <a:tabLst/>
+            </a:pPr>
+            <a:r>
+              <a:rPr lang="en-US" sz="1200" b="0" i="0" u="none" strike="noStrike" kern="1200" cap="none" dirty="0">
+                <a:ln>
+                  <a:noFill/>
+                </a:ln>
+                <a:latin typeface="Arial" pitchFamily="34"/>
+                <a:ea typeface="Arial" pitchFamily="34"/>
+                <a:cs typeface="Arial" pitchFamily="34"/>
+              </a:rPr>
+              <a:t> AI winters weren't really about failures of AI. AI technologies, including many “failures” are relevant and widely useful today.</a:t>
+            </a:r>
+          </a:p>
+          <a:p>
+            <a:pPr marL="0" marR="0" lvl="0" indent="0" algn="l" hangingPunct="0">
+              <a:lnSpc>
+                <a:spcPct val="100000"/>
+              </a:lnSpc>
+              <a:spcBef>
+                <a:spcPts val="0"/>
+              </a:spcBef>
+              <a:spcAft>
+                <a:spcPts val="1440"/>
+              </a:spcAft>
+              <a:buSzPct val="45000"/>
+              <a:buFont typeface="StarSymbol"/>
+              <a:buChar char="●"/>
+              <a:tabLst/>
+            </a:pPr>
+            <a:endParaRPr lang="en-US" sz="1200" b="0" i="0" u="none" strike="noStrike" kern="1200" cap="none" dirty="0">
+              <a:ln>
+                <a:noFill/>
+              </a:ln>
+              <a:latin typeface="Arial" pitchFamily="34"/>
+              <a:ea typeface="Arial" pitchFamily="34"/>
+              <a:cs typeface="Arial" pitchFamily="34"/>
+            </a:endParaRPr>
+          </a:p>
+          <a:p>
+            <a:pPr marL="0" marR="0" lvl="0" indent="0" algn="l" hangingPunct="0">
+              <a:lnSpc>
+                <a:spcPct val="100000"/>
+              </a:lnSpc>
+              <a:spcBef>
+                <a:spcPts val="0"/>
+              </a:spcBef>
+              <a:spcAft>
+                <a:spcPts val="1440"/>
+              </a:spcAft>
+              <a:buSzPct val="45000"/>
+              <a:buFont typeface="StarSymbol"/>
+              <a:buChar char="●"/>
+              <a:tabLst/>
+            </a:pPr>
+            <a:endParaRPr lang="en-US" sz="1200" b="0" i="0" u="none" strike="noStrike" kern="1200" cap="none" dirty="0">
+              <a:ln>
+                <a:noFill/>
+              </a:ln>
+              <a:latin typeface="Arial" pitchFamily="34"/>
+              <a:ea typeface="Arial" pitchFamily="34"/>
+              <a:cs typeface="Arial" pitchFamily="34"/>
+            </a:endParaRPr>
+          </a:p>
+          <a:p>
+            <a:pPr marL="0" marR="0" lvl="0" indent="0" algn="l" hangingPunct="0">
+              <a:lnSpc>
+                <a:spcPct val="100000"/>
+              </a:lnSpc>
+              <a:spcBef>
+                <a:spcPts val="0"/>
+              </a:spcBef>
+              <a:spcAft>
+                <a:spcPts val="1440"/>
+              </a:spcAft>
+              <a:buSzPct val="45000"/>
+              <a:buFont typeface="StarSymbol"/>
+              <a:buNone/>
+              <a:tabLst/>
+            </a:pPr>
+            <a:r>
+              <a:rPr lang="en-US" sz="1200" b="0" i="0" u="none" strike="noStrike" kern="1200" cap="none" dirty="0">
+                <a:ln>
+                  <a:noFill/>
+                </a:ln>
+                <a:latin typeface="Arial" pitchFamily="34"/>
+                <a:ea typeface="Arial" pitchFamily="34"/>
+                <a:cs typeface="Arial" pitchFamily="34"/>
+              </a:rPr>
+              <a:t>https://www.mdpi.com/2079-9292/10/4/514/htm</a:t>
+            </a:r>
+          </a:p>
+          <a:p>
+            <a:endParaRPr lang="en-US" dirty="0"/>
+          </a:p>
+        </p:txBody>
+      </p:sp>
+      <p:sp>
+        <p:nvSpPr>
+          <p:cNvPr id="4" name="Slide Number Placeholder 3"/>
+          <p:cNvSpPr>
+            <a:spLocks noGrp="1"/>
+          </p:cNvSpPr>
+          <p:nvPr>
+            <p:ph type="sldNum" sz="quarter" idx="5"/>
+          </p:nvPr>
+        </p:nvSpPr>
+        <p:spPr/>
+        <p:txBody>
+          <a:bodyPr/>
+          <a:lstStyle/>
+          <a:p>
+            <a:fld id="{3148858F-F1DB-4027-9C85-CCA6849540DD}" type="slidenum">
+              <a:rPr lang="en-US" smtClean="0"/>
+              <a:t>14</a:t>
+            </a:fld>
+            <a:endParaRPr lang="en-US"/>
+          </a:p>
+        </p:txBody>
+      </p:sp>
+    </p:spTree>
+    <p:extLst>
+      <p:ext uri="{BB962C8B-B14F-4D97-AF65-F5344CB8AC3E}">
+        <p14:creationId xmlns:p14="http://schemas.microsoft.com/office/powerpoint/2010/main" val="1181104308"/>
+      </p:ext>
+    </p:extLst>
+  </p:cSld>
+  <p:clrMapOvr>
+    <a:masterClrMapping/>
+  </p:clrMapOvr>
+</p:notes>
+</file>
+
+<file path=ppt/notesSlides/notesSlide15.xml><?xml version="1.0" encoding="utf-8"?>
+<p:notes xmlns:a="http://schemas.openxmlformats.org/drawingml/2006/main" xmlns:r="http://schemas.openxmlformats.org/officeDocument/2006/relationships" xmlns:p="http://schemas.openxmlformats.org/presentationml/2006/main">
+  <p:cSld>
+    <p:spTree>
+      <p:nvGrpSpPr>
+        <p:cNvPr id="1" name=""/>
+        <p:cNvGrpSpPr/>
+        <p:nvPr/>
+      </p:nvGrpSpPr>
+      <p:grpSpPr>
+        <a:xfrm>
+          <a:off x="0" y="0"/>
+          <a:ext cx="0" cy="0"/>
+          <a:chOff x="0" y="0"/>
+          <a:chExt cx="0" cy="0"/>
+        </a:xfrm>
+      </p:grpSpPr>
+      <p:sp>
+        <p:nvSpPr>
+          <p:cNvPr id="2" name="Slide Image Placeholder 1"/>
+          <p:cNvSpPr>
+            <a:spLocks noGrp="1" noRot="1" noChangeAspect="1"/>
+          </p:cNvSpPr>
+          <p:nvPr>
+            <p:ph type="sldImg"/>
+          </p:nvPr>
+        </p:nvSpPr>
+        <p:spPr/>
+      </p:sp>
+      <p:sp>
+        <p:nvSpPr>
+          <p:cNvPr id="3" name="Notes Placeholder 2"/>
+          <p:cNvSpPr>
+            <a:spLocks noGrp="1"/>
+          </p:cNvSpPr>
+          <p:nvPr>
+            <p:ph type="body" idx="1"/>
+          </p:nvPr>
+        </p:nvSpPr>
+        <p:spPr/>
+        <p:txBody>
+          <a:bodyPr/>
+          <a:lstStyle/>
+          <a:p>
+            <a:r>
+              <a:rPr lang="en-US" dirty="0"/>
+              <a:t>Here are the steps one usually takes in a typical machine learning project.  Note that the entire process is completely dependent on “Lots” of data.  This truth can be stated simply as, “No data. No machine learning.”</a:t>
+            </a:r>
+          </a:p>
+        </p:txBody>
+      </p:sp>
+      <p:sp>
+        <p:nvSpPr>
+          <p:cNvPr id="4" name="Slide Number Placeholder 3"/>
+          <p:cNvSpPr>
+            <a:spLocks noGrp="1"/>
+          </p:cNvSpPr>
+          <p:nvPr>
+            <p:ph type="sldNum" sz="quarter" idx="5"/>
+          </p:nvPr>
+        </p:nvSpPr>
+        <p:spPr/>
+        <p:txBody>
+          <a:bodyPr/>
+          <a:lstStyle/>
+          <a:p>
+            <a:fld id="{3148858F-F1DB-4027-9C85-CCA6849540DD}" type="slidenum">
+              <a:rPr lang="en-US" smtClean="0"/>
+              <a:t>15</a:t>
+            </a:fld>
+            <a:endParaRPr lang="en-US"/>
+          </a:p>
+        </p:txBody>
+      </p:sp>
+    </p:spTree>
+    <p:extLst>
+      <p:ext uri="{BB962C8B-B14F-4D97-AF65-F5344CB8AC3E}">
+        <p14:creationId xmlns:p14="http://schemas.microsoft.com/office/powerpoint/2010/main" val="1313138859"/>
+      </p:ext>
+    </p:extLst>
+  </p:cSld>
+  <p:clrMapOvr>
+    <a:masterClrMapping/>
+  </p:clrMapOvr>
+</p:notes>
+</file>
+
+<file path=ppt/notesSlides/notesSlide2.xml><?xml version="1.0" encoding="utf-8"?>
+<p:notes xmlns:a="http://schemas.openxmlformats.org/drawingml/2006/main" xmlns:r="http://schemas.openxmlformats.org/officeDocument/2006/relationships" xmlns:p="http://schemas.openxmlformats.org/presentationml/2006/main">
+  <p:cSld>
+    <p:spTree>
+      <p:nvGrpSpPr>
+        <p:cNvPr id="1" name=""/>
+        <p:cNvGrpSpPr/>
+        <p:nvPr/>
+      </p:nvGrpSpPr>
+      <p:grpSpPr>
+        <a:xfrm>
+          <a:off x="0" y="0"/>
+          <a:ext cx="0" cy="0"/>
+          <a:chOff x="0" y="0"/>
+          <a:chExt cx="0" cy="0"/>
+        </a:xfrm>
+      </p:grpSpPr>
+      <p:sp>
+        <p:nvSpPr>
+          <p:cNvPr id="2" name="Slide Image Placeholder 1"/>
+          <p:cNvSpPr>
+            <a:spLocks noGrp="1" noRot="1" noChangeAspect="1"/>
+          </p:cNvSpPr>
+          <p:nvPr>
+            <p:ph type="sldImg"/>
+          </p:nvPr>
+        </p:nvSpPr>
+        <p:spPr/>
+      </p:sp>
+      <p:sp>
+        <p:nvSpPr>
+          <p:cNvPr id="3" name="Notes Placeholder 2"/>
+          <p:cNvSpPr>
+            <a:spLocks noGrp="1"/>
+          </p:cNvSpPr>
+          <p:nvPr>
+            <p:ph type="body" idx="1"/>
+          </p:nvPr>
+        </p:nvSpPr>
+        <p:spPr/>
+        <p:txBody>
+          <a:bodyPr/>
+          <a:lstStyle/>
+          <a:p>
+            <a:pPr marL="0" marR="0" lvl="0" indent="0" algn="l" defTabSz="914400" rtl="0" eaLnBrk="1" fontAlgn="auto" latinLnBrk="0" hangingPunct="1">
+              <a:lnSpc>
+                <a:spcPct val="100000"/>
+              </a:lnSpc>
+              <a:spcBef>
+                <a:spcPts val="0"/>
+              </a:spcBef>
+              <a:spcAft>
+                <a:spcPts val="0"/>
+              </a:spcAft>
+              <a:buClrTx/>
+              <a:buSzTx/>
+              <a:buFontTx/>
+              <a:buNone/>
+              <a:tabLst/>
+              <a:defRPr/>
+            </a:pPr>
+            <a:r>
+              <a:rPr lang="en-US" sz="1200" b="0" i="0" kern="1200" dirty="0">
+                <a:solidFill>
+                  <a:schemeClr val="tx1"/>
+                </a:solidFill>
+                <a:effectLst/>
+                <a:latin typeface="+mn-lt"/>
+                <a:ea typeface="+mn-ea"/>
+                <a:cs typeface="+mn-cs"/>
+              </a:rPr>
+              <a:t>Now that you’ve trained a model using Google’s Teachable Machine, I want to introduce you to the different kinds of A.I. learning systems.  There are three principal types of machine learning systems (supervised, unsupervised, and reinforcement).  Additionally, semi-supervised learning systems are hybrids, being partially supervised.</a:t>
             </a:r>
           </a:p>
           <a:p>
@@ -1273,478 +1756,133 @@
                 <a:ea typeface="+mn-ea"/>
                 <a:cs typeface="+mn-cs"/>
               </a:rPr>
-              <a:t>  </a:t>
-            </a:r>
-          </a:p>
-        </p:txBody>
-      </p:sp>
-      <p:sp>
-        <p:nvSpPr>
-          <p:cNvPr id="4" name="Slide Number Placeholder 3"/>
-          <p:cNvSpPr>
-            <a:spLocks noGrp="1"/>
-          </p:cNvSpPr>
-          <p:nvPr>
-            <p:ph type="sldNum" sz="quarter" idx="5"/>
-          </p:nvPr>
-        </p:nvSpPr>
-        <p:spPr/>
-        <p:txBody>
-          <a:bodyPr/>
-          <a:lstStyle/>
-          <a:p>
-            <a:fld id="{3148858F-F1DB-4027-9C85-CCA6849540DD}" type="slidenum">
-              <a:rPr lang="en-US" smtClean="0"/>
-              <a:t>12</a:t>
-            </a:fld>
-            <a:endParaRPr lang="en-US"/>
-          </a:p>
-        </p:txBody>
-      </p:sp>
-    </p:spTree>
-    <p:extLst>
-      <p:ext uri="{BB962C8B-B14F-4D97-AF65-F5344CB8AC3E}">
-        <p14:creationId xmlns:p14="http://schemas.microsoft.com/office/powerpoint/2010/main" val="1563469195"/>
-      </p:ext>
-    </p:extLst>
-  </p:cSld>
-  <p:clrMapOvr>
-    <a:masterClrMapping/>
-  </p:clrMapOvr>
-</p:notes>
-</file>
-
-<file path=ppt/notesSlides/notesSlide13.xml><?xml version="1.0" encoding="utf-8"?>
-<p:notes xmlns:a="http://schemas.openxmlformats.org/drawingml/2006/main" xmlns:r="http://schemas.openxmlformats.org/officeDocument/2006/relationships" xmlns:p="http://schemas.openxmlformats.org/presentationml/2006/main">
-  <p:cSld>
-    <p:spTree>
-      <p:nvGrpSpPr>
-        <p:cNvPr id="1" name=""/>
-        <p:cNvGrpSpPr/>
-        <p:nvPr/>
-      </p:nvGrpSpPr>
-      <p:grpSpPr>
-        <a:xfrm>
-          <a:off x="0" y="0"/>
-          <a:ext cx="0" cy="0"/>
-          <a:chOff x="0" y="0"/>
-          <a:chExt cx="0" cy="0"/>
-        </a:xfrm>
-      </p:grpSpPr>
-      <p:sp>
-        <p:nvSpPr>
-          <p:cNvPr id="2" name="Slide Image Placeholder 1"/>
-          <p:cNvSpPr>
-            <a:spLocks noGrp="1" noRot="1" noChangeAspect="1"/>
-          </p:cNvSpPr>
-          <p:nvPr>
-            <p:ph type="sldImg"/>
-          </p:nvPr>
-        </p:nvSpPr>
-        <p:spPr/>
-      </p:sp>
-      <p:sp>
-        <p:nvSpPr>
-          <p:cNvPr id="3" name="Notes Placeholder 2"/>
-          <p:cNvSpPr>
-            <a:spLocks noGrp="1"/>
-          </p:cNvSpPr>
-          <p:nvPr>
-            <p:ph type="body" idx="1"/>
-          </p:nvPr>
-        </p:nvSpPr>
-        <p:spPr/>
-        <p:txBody>
-          <a:bodyPr/>
-          <a:lstStyle/>
-          <a:p>
-            <a:r>
-              <a:rPr lang="en-US" sz="1200" b="0" i="0" u="none" strike="noStrike" kern="1200" baseline="0" dirty="0">
-                <a:solidFill>
-                  <a:schemeClr val="tx1"/>
-                </a:solidFill>
-                <a:latin typeface="+mn-lt"/>
-                <a:ea typeface="+mn-ea"/>
-                <a:cs typeface="+mn-cs"/>
-              </a:rPr>
-              <a:t>Here we see an unlabeled training dataset of visitors to a popular blog.  In this case, we might want to run a </a:t>
-            </a:r>
-            <a:r>
-              <a:rPr lang="en-US" sz="1200" b="0" i="1" u="none" strike="noStrike" kern="1200" baseline="0" dirty="0">
-                <a:solidFill>
-                  <a:schemeClr val="tx1"/>
-                </a:solidFill>
-                <a:latin typeface="+mn-lt"/>
-                <a:ea typeface="+mn-ea"/>
-                <a:cs typeface="+mn-cs"/>
-              </a:rPr>
-              <a:t>clustering</a:t>
-            </a:r>
-            <a:r>
-              <a:rPr lang="en-US" sz="1200" b="0" i="0" u="none" strike="noStrike" kern="1200" baseline="0" dirty="0">
-                <a:solidFill>
-                  <a:schemeClr val="tx1"/>
-                </a:solidFill>
-                <a:latin typeface="+mn-lt"/>
-                <a:ea typeface="+mn-ea"/>
-                <a:cs typeface="+mn-cs"/>
-              </a:rPr>
-              <a:t> algorithm to try and detect groups of similar visitors.  Through visual inspection, we can quickly identify at least four groups.  But will the AI algorithm be able to mimic this capability?</a:t>
-            </a:r>
-          </a:p>
-          <a:p>
-            <a:endParaRPr lang="en-US" sz="1200" b="0" i="0" u="none" strike="noStrike" kern="1200" baseline="0" dirty="0">
-              <a:solidFill>
-                <a:schemeClr val="tx1"/>
-              </a:solidFill>
-              <a:latin typeface="+mn-lt"/>
-              <a:ea typeface="+mn-ea"/>
-              <a:cs typeface="+mn-cs"/>
+              <a:t>Additionally, some authors add semi-supervised learning systems to this list, and we will briefly introduce those kinds of systems later in this presentation.</a:t>
+            </a:r>
+          </a:p>
+          <a:p>
+            <a:pPr marL="0" indent="0">
+              <a:buNone/>
+            </a:pPr>
+            <a:endParaRPr lang="en-US" sz="1200" dirty="0">
+              <a:latin typeface="Palatino Linotype" panose="02040502050505030304" pitchFamily="18" charset="0"/>
             </a:endParaRPr>
           </a:p>
           <a:p>
-            <a:endParaRPr lang="en-US" sz="1200" b="0" i="0" u="none" strike="noStrike" kern="1200" baseline="0" dirty="0">
-              <a:solidFill>
-                <a:schemeClr val="tx1"/>
-              </a:solidFill>
-              <a:effectLst/>
-              <a:latin typeface="+mn-lt"/>
-              <a:ea typeface="+mn-ea"/>
-              <a:cs typeface="+mn-cs"/>
+            <a:pPr marL="0" indent="0">
+              <a:buNone/>
+            </a:pPr>
+            <a:endParaRPr lang="en-US" sz="1200" dirty="0">
+              <a:latin typeface="Palatino Linotype" panose="02040502050505030304" pitchFamily="18" charset="0"/>
             </a:endParaRPr>
           </a:p>
-        </p:txBody>
-      </p:sp>
-      <p:sp>
-        <p:nvSpPr>
-          <p:cNvPr id="4" name="Slide Number Placeholder 3"/>
-          <p:cNvSpPr>
-            <a:spLocks noGrp="1"/>
-          </p:cNvSpPr>
-          <p:nvPr>
-            <p:ph type="sldNum" sz="quarter" idx="5"/>
-          </p:nvPr>
-        </p:nvSpPr>
-        <p:spPr/>
-        <p:txBody>
-          <a:bodyPr/>
-          <a:lstStyle/>
-          <a:p>
-            <a:fld id="{3148858F-F1DB-4027-9C85-CCA6849540DD}" type="slidenum">
-              <a:rPr lang="en-US" smtClean="0"/>
-              <a:t>13</a:t>
-            </a:fld>
-            <a:endParaRPr lang="en-US"/>
-          </a:p>
-        </p:txBody>
-      </p:sp>
-    </p:spTree>
-    <p:extLst>
-      <p:ext uri="{BB962C8B-B14F-4D97-AF65-F5344CB8AC3E}">
-        <p14:creationId xmlns:p14="http://schemas.microsoft.com/office/powerpoint/2010/main" val="1625541369"/>
-      </p:ext>
-    </p:extLst>
-  </p:cSld>
-  <p:clrMapOvr>
-    <a:masterClrMapping/>
-  </p:clrMapOvr>
-</p:notes>
-</file>
-
-<file path=ppt/notesSlides/notesSlide14.xml><?xml version="1.0" encoding="utf-8"?>
-<p:notes xmlns:a="http://schemas.openxmlformats.org/drawingml/2006/main" xmlns:r="http://schemas.openxmlformats.org/officeDocument/2006/relationships" xmlns:p="http://schemas.openxmlformats.org/presentationml/2006/main">
-  <p:cSld>
-    <p:spTree>
-      <p:nvGrpSpPr>
-        <p:cNvPr id="1" name=""/>
-        <p:cNvGrpSpPr/>
-        <p:nvPr/>
-      </p:nvGrpSpPr>
-      <p:grpSpPr>
-        <a:xfrm>
-          <a:off x="0" y="0"/>
-          <a:ext cx="0" cy="0"/>
-          <a:chOff x="0" y="0"/>
-          <a:chExt cx="0" cy="0"/>
-        </a:xfrm>
-      </p:grpSpPr>
-      <p:sp>
-        <p:nvSpPr>
-          <p:cNvPr id="2" name="Slide Image Placeholder 1"/>
-          <p:cNvSpPr>
-            <a:spLocks noGrp="1" noRot="1" noChangeAspect="1"/>
-          </p:cNvSpPr>
-          <p:nvPr>
-            <p:ph type="sldImg"/>
-          </p:nvPr>
-        </p:nvSpPr>
-        <p:spPr/>
-      </p:sp>
-      <p:sp>
-        <p:nvSpPr>
-          <p:cNvPr id="3" name="Notes Placeholder 2"/>
-          <p:cNvSpPr>
-            <a:spLocks noGrp="1"/>
-          </p:cNvSpPr>
-          <p:nvPr>
-            <p:ph type="body" idx="1"/>
-          </p:nvPr>
-        </p:nvSpPr>
-        <p:spPr/>
-        <p:txBody>
-          <a:bodyPr/>
-          <a:lstStyle/>
-          <a:p>
-            <a:r>
-              <a:rPr lang="en-US" sz="1200" b="0" i="0" u="none" strike="noStrike" kern="1200" baseline="0" dirty="0">
-                <a:solidFill>
-                  <a:schemeClr val="tx1"/>
-                </a:solidFill>
-                <a:latin typeface="+mn-lt"/>
-                <a:ea typeface="+mn-ea"/>
-                <a:cs typeface="+mn-cs"/>
-              </a:rPr>
-              <a:t>… it appears that a </a:t>
-            </a:r>
-            <a:r>
-              <a:rPr lang="en-US" sz="1200" b="0" i="1" u="none" strike="noStrike" kern="1200" baseline="0" dirty="0">
-                <a:solidFill>
-                  <a:schemeClr val="tx1"/>
-                </a:solidFill>
-                <a:latin typeface="+mn-lt"/>
-                <a:ea typeface="+mn-ea"/>
-                <a:cs typeface="+mn-cs"/>
-              </a:rPr>
-              <a:t>clustering</a:t>
-            </a:r>
-            <a:r>
-              <a:rPr lang="en-US" sz="1200" b="0" i="0" u="none" strike="noStrike" kern="1200" baseline="0" dirty="0">
-                <a:solidFill>
-                  <a:schemeClr val="tx1"/>
-                </a:solidFill>
-                <a:latin typeface="+mn-lt"/>
-                <a:ea typeface="+mn-ea"/>
-                <a:cs typeface="+mn-cs"/>
-              </a:rPr>
-              <a:t> algorithm has in fact detected those four groups, separated by the dashed lines. At no point did we tell the algorithm which group a visitor belongs to: it finds those connections without our help.  For example, it might find that 40% of the blog’s visitors are males who love comic books and generally read the blog in the evening, while 20% are young sci-fi lovers who visit during the weekend.  Let’s consider another example…</a:t>
-            </a:r>
-          </a:p>
-          <a:p>
-            <a:endParaRPr lang="en-US" sz="1200" b="0" i="0" u="none" strike="noStrike" kern="1200" baseline="0" dirty="0">
-              <a:solidFill>
-                <a:schemeClr val="tx1"/>
-              </a:solidFill>
-              <a:latin typeface="+mn-lt"/>
-              <a:ea typeface="+mn-ea"/>
-              <a:cs typeface="+mn-cs"/>
-            </a:endParaRPr>
-          </a:p>
-        </p:txBody>
-      </p:sp>
-      <p:sp>
-        <p:nvSpPr>
-          <p:cNvPr id="4" name="Slide Number Placeholder 3"/>
-          <p:cNvSpPr>
-            <a:spLocks noGrp="1"/>
-          </p:cNvSpPr>
-          <p:nvPr>
-            <p:ph type="sldNum" sz="quarter" idx="5"/>
-          </p:nvPr>
-        </p:nvSpPr>
-        <p:spPr/>
-        <p:txBody>
-          <a:bodyPr/>
-          <a:lstStyle/>
-          <a:p>
-            <a:fld id="{3148858F-F1DB-4027-9C85-CCA6849540DD}" type="slidenum">
-              <a:rPr lang="en-US" smtClean="0"/>
-              <a:t>14</a:t>
-            </a:fld>
-            <a:endParaRPr lang="en-US"/>
-          </a:p>
-        </p:txBody>
-      </p:sp>
-    </p:spTree>
-    <p:extLst>
-      <p:ext uri="{BB962C8B-B14F-4D97-AF65-F5344CB8AC3E}">
-        <p14:creationId xmlns:p14="http://schemas.microsoft.com/office/powerpoint/2010/main" val="2823922892"/>
-      </p:ext>
-    </p:extLst>
-  </p:cSld>
-  <p:clrMapOvr>
-    <a:masterClrMapping/>
-  </p:clrMapOvr>
-</p:notes>
-</file>
-
-<file path=ppt/notesSlides/notesSlide15.xml><?xml version="1.0" encoding="utf-8"?>
-<p:notes xmlns:a="http://schemas.openxmlformats.org/drawingml/2006/main" xmlns:r="http://schemas.openxmlformats.org/officeDocument/2006/relationships" xmlns:p="http://schemas.openxmlformats.org/presentationml/2006/main">
-  <p:cSld>
-    <p:spTree>
-      <p:nvGrpSpPr>
-        <p:cNvPr id="1" name=""/>
-        <p:cNvGrpSpPr/>
-        <p:nvPr/>
-      </p:nvGrpSpPr>
-      <p:grpSpPr>
-        <a:xfrm>
-          <a:off x="0" y="0"/>
-          <a:ext cx="0" cy="0"/>
-          <a:chOff x="0" y="0"/>
-          <a:chExt cx="0" cy="0"/>
-        </a:xfrm>
-      </p:grpSpPr>
-      <p:sp>
-        <p:nvSpPr>
-          <p:cNvPr id="2" name="Slide Image Placeholder 1"/>
-          <p:cNvSpPr>
-            <a:spLocks noGrp="1" noRot="1" noChangeAspect="1"/>
-          </p:cNvSpPr>
-          <p:nvPr>
-            <p:ph type="sldImg"/>
-          </p:nvPr>
-        </p:nvSpPr>
-        <p:spPr/>
-      </p:sp>
-      <p:sp>
-        <p:nvSpPr>
-          <p:cNvPr id="3" name="Notes Placeholder 2"/>
-          <p:cNvSpPr>
-            <a:spLocks noGrp="1"/>
-          </p:cNvSpPr>
-          <p:nvPr>
-            <p:ph type="body" idx="1"/>
-          </p:nvPr>
-        </p:nvSpPr>
-        <p:spPr/>
-        <p:txBody>
-          <a:bodyPr/>
-          <a:lstStyle/>
-          <a:p>
-            <a:r>
-              <a:rPr lang="en-US" sz="1200" b="0" i="1" u="none" strike="noStrike" kern="1200" baseline="0" dirty="0">
-                <a:solidFill>
-                  <a:schemeClr val="tx1"/>
-                </a:solidFill>
-                <a:latin typeface="+mn-lt"/>
-                <a:ea typeface="+mn-ea"/>
-                <a:cs typeface="+mn-cs"/>
-              </a:rPr>
-              <a:t>Visualization </a:t>
-            </a:r>
-            <a:r>
-              <a:rPr lang="en-US" sz="1200" b="0" i="0" u="none" strike="noStrike" kern="1200" baseline="0" dirty="0">
-                <a:solidFill>
-                  <a:schemeClr val="tx1"/>
-                </a:solidFill>
-                <a:latin typeface="+mn-lt"/>
-                <a:ea typeface="+mn-ea"/>
-                <a:cs typeface="+mn-cs"/>
-              </a:rPr>
-              <a:t>algorithms are also good examples of unsupervised learning algorithms: you feed them a lot of complex and unlabeled data, and they output a 2D or 3D representation of your data that can easily be plotted.  These algorithms try to preserve as much structure as they can so you can understand how the data is organized.</a:t>
-            </a:r>
-          </a:p>
-          <a:p>
-            <a:endParaRPr lang="en-US" sz="1200" b="0" i="0" u="none" strike="noStrike" kern="1200" baseline="0" dirty="0">
-              <a:solidFill>
-                <a:schemeClr val="tx1"/>
-              </a:solidFill>
-              <a:latin typeface="+mn-lt"/>
-              <a:ea typeface="+mn-ea"/>
-              <a:cs typeface="+mn-cs"/>
-            </a:endParaRPr>
-          </a:p>
-          <a:p>
-            <a:pPr marL="0" marR="0" lvl="0" indent="0" algn="l" defTabSz="914400" rtl="0" eaLnBrk="1" fontAlgn="auto" latinLnBrk="0" hangingPunct="1">
-              <a:lnSpc>
-                <a:spcPct val="100000"/>
-              </a:lnSpc>
-              <a:spcBef>
-                <a:spcPts val="0"/>
-              </a:spcBef>
-              <a:spcAft>
-                <a:spcPts val="0"/>
-              </a:spcAft>
-              <a:buClrTx/>
-              <a:buSzTx/>
-              <a:buFontTx/>
-              <a:buNone/>
-              <a:tabLst/>
-              <a:defRPr/>
+          <a:p>
+            <a:pPr marL="228600" indent="-228600">
+              <a:buAutoNum type="arabicPeriod"/>
             </a:pPr>
             <a:r>
-              <a:rPr lang="en-US" sz="1200" b="0" i="0" u="none" strike="noStrike" kern="1200" baseline="0" dirty="0">
-                <a:solidFill>
-                  <a:schemeClr val="tx1"/>
-                </a:solidFill>
-                <a:latin typeface="+mn-lt"/>
-                <a:ea typeface="+mn-ea"/>
-                <a:cs typeface="+mn-cs"/>
-              </a:rPr>
-              <a:t>Some other examples of unsupervised learning algorithms include:</a:t>
-            </a:r>
-          </a:p>
-          <a:p>
-            <a:endParaRPr lang="en-US" sz="1200" b="0" i="0" u="none" strike="noStrike" kern="1200" baseline="0" dirty="0">
-              <a:solidFill>
-                <a:schemeClr val="tx1"/>
-              </a:solidFill>
-              <a:latin typeface="+mn-lt"/>
-              <a:ea typeface="+mn-ea"/>
-              <a:cs typeface="+mn-cs"/>
-            </a:endParaRPr>
-          </a:p>
-          <a:p>
-            <a:r>
-              <a:rPr lang="en-US" sz="1200" b="0" i="0" u="none" strike="noStrike" kern="1200" baseline="0" dirty="0">
-                <a:solidFill>
-                  <a:schemeClr val="tx1"/>
-                </a:solidFill>
-                <a:latin typeface="+mn-lt"/>
-                <a:ea typeface="+mn-ea"/>
-                <a:cs typeface="+mn-cs"/>
-              </a:rPr>
-              <a:t>• Clustering</a:t>
-            </a:r>
-          </a:p>
-          <a:p>
-            <a:r>
-              <a:rPr lang="en-US" sz="1200" b="0" i="0" u="none" strike="noStrike" kern="1200" baseline="0" dirty="0">
-                <a:solidFill>
-                  <a:schemeClr val="tx1"/>
-                </a:solidFill>
-                <a:latin typeface="+mn-lt"/>
-                <a:ea typeface="+mn-ea"/>
-                <a:cs typeface="+mn-cs"/>
-              </a:rPr>
-              <a:t>• Anomaly detection and novelty detection</a:t>
-            </a:r>
-          </a:p>
-          <a:p>
-            <a:r>
-              <a:rPr lang="en-US" sz="1200" b="0" i="0" u="none" strike="noStrike" kern="1200" baseline="0" dirty="0">
-                <a:solidFill>
-                  <a:schemeClr val="tx1"/>
-                </a:solidFill>
-                <a:latin typeface="+mn-lt"/>
-                <a:ea typeface="+mn-ea"/>
-                <a:cs typeface="+mn-cs"/>
-              </a:rPr>
-              <a:t>• Visualization and dimensionality reduction</a:t>
-            </a:r>
-          </a:p>
-          <a:p>
-            <a:r>
-              <a:rPr lang="en-US" sz="1200" b="0" i="0" u="none" strike="noStrike" kern="1200" baseline="0" dirty="0">
-                <a:solidFill>
-                  <a:schemeClr val="tx1"/>
-                </a:solidFill>
-                <a:latin typeface="+mn-lt"/>
-                <a:ea typeface="+mn-ea"/>
-                <a:cs typeface="+mn-cs"/>
-              </a:rPr>
-              <a:t>• Association rule learning</a:t>
-            </a:r>
+              <a:rPr lang="en-US" sz="1200" dirty="0">
+                <a:latin typeface="Palatino Linotype" panose="02040502050505030304" pitchFamily="18" charset="0"/>
+              </a:rPr>
+              <a:t>Supervised Learning is </a:t>
+            </a:r>
+            <a:r>
+              <a:rPr lang="en-US" sz="1200" dirty="0">
+                <a:solidFill>
+                  <a:srgbClr val="80BE63"/>
+                </a:solidFill>
+                <a:latin typeface="Palatino Linotype" panose="02040502050505030304" pitchFamily="18" charset="0"/>
+              </a:rPr>
+              <a:t>Task Driven</a:t>
+            </a:r>
+            <a:r>
+              <a:rPr lang="en-US" sz="1200" dirty="0">
+                <a:solidFill>
+                  <a:srgbClr val="0021A5"/>
+                </a:solidFill>
+                <a:latin typeface="Palatino Linotype" panose="02040502050505030304" pitchFamily="18" charset="0"/>
+              </a:rPr>
+              <a:t> </a:t>
+            </a:r>
+            <a:r>
+              <a:rPr lang="en-US" sz="1200" dirty="0">
+                <a:latin typeface="Palatino Linotype" panose="02040502050505030304" pitchFamily="18" charset="0"/>
+              </a:rPr>
+              <a:t>(Predict next value)</a:t>
+            </a:r>
+          </a:p>
+          <a:p>
+            <a:pPr marL="228600" indent="-228600">
+              <a:buAutoNum type="arabicPeriod"/>
+            </a:pPr>
+            <a:r>
+              <a:rPr lang="en-US" sz="1200" dirty="0">
+                <a:latin typeface="Palatino Linotype" panose="02040502050505030304" pitchFamily="18" charset="0"/>
+              </a:rPr>
+              <a:t>Unsupervised Learning is </a:t>
+            </a:r>
+            <a:r>
+              <a:rPr lang="en-US" sz="1200" dirty="0">
+                <a:solidFill>
+                  <a:srgbClr val="80BE63"/>
+                </a:solidFill>
+                <a:latin typeface="Palatino Linotype" panose="02040502050505030304" pitchFamily="18" charset="0"/>
+              </a:rPr>
+              <a:t>Data Driven</a:t>
+            </a:r>
+            <a:r>
+              <a:rPr lang="en-US" sz="1200" dirty="0">
+                <a:solidFill>
+                  <a:srgbClr val="0021A5"/>
+                </a:solidFill>
+                <a:latin typeface="Palatino Linotype" panose="02040502050505030304" pitchFamily="18" charset="0"/>
+              </a:rPr>
+              <a:t> </a:t>
+            </a:r>
+            <a:r>
+              <a:rPr lang="en-US" sz="1200" dirty="0">
+                <a:latin typeface="Palatino Linotype" panose="02040502050505030304" pitchFamily="18" charset="0"/>
+              </a:rPr>
+              <a:t>(Identify Clusters)</a:t>
+            </a:r>
+          </a:p>
+          <a:p>
+            <a:pPr marL="228600" indent="-228600">
+              <a:buAutoNum type="arabicPeriod"/>
+            </a:pPr>
+            <a:r>
+              <a:rPr lang="en-US" sz="1200" dirty="0">
+                <a:latin typeface="Palatino Linotype" panose="02040502050505030304" pitchFamily="18" charset="0"/>
+              </a:rPr>
+              <a:t>Reinforcement Learning is </a:t>
+            </a:r>
+            <a:r>
+              <a:rPr lang="en-US" sz="1200" dirty="0">
+                <a:solidFill>
+                  <a:srgbClr val="80BE63"/>
+                </a:solidFill>
+                <a:latin typeface="Palatino Linotype" panose="02040502050505030304" pitchFamily="18" charset="0"/>
+              </a:rPr>
+              <a:t>Experience Driven </a:t>
+            </a:r>
+            <a:r>
+              <a:rPr lang="en-US" sz="1200" dirty="0">
+                <a:latin typeface="Palatino Linotype" panose="02040502050505030304" pitchFamily="18" charset="0"/>
+              </a:rPr>
+              <a:t>(Learn from Mistakes)</a:t>
+            </a:r>
+          </a:p>
+          <a:p>
+            <a:pPr marL="228600" indent="-228600">
+              <a:buAutoNum type="arabicPeriod"/>
+            </a:pPr>
+            <a:r>
+              <a:rPr lang="en-US" sz="1200" dirty="0">
+                <a:latin typeface="Palatino Linotype" panose="02040502050505030304" pitchFamily="18" charset="0"/>
+              </a:rPr>
+              <a:t>Semi-Supervised Learning</a:t>
+            </a:r>
+          </a:p>
+          <a:p>
             <a:endParaRPr lang="en-US" sz="1200" b="0" i="0" kern="1200" dirty="0">
               <a:solidFill>
                 <a:schemeClr val="tx1"/>
@@ -1756,90 +1894,6 @@
             </a:endParaRPr>
           </a:p>
           <a:p>
-            <a:endParaRPr lang="en-US" dirty="0"/>
-          </a:p>
-        </p:txBody>
-      </p:sp>
-      <p:sp>
-        <p:nvSpPr>
-          <p:cNvPr id="4" name="Slide Number Placeholder 3"/>
-          <p:cNvSpPr>
-            <a:spLocks noGrp="1"/>
-          </p:cNvSpPr>
-          <p:nvPr>
-            <p:ph type="sldNum" sz="quarter" idx="5"/>
-          </p:nvPr>
-        </p:nvSpPr>
-        <p:spPr/>
-        <p:txBody>
-          <a:bodyPr/>
-          <a:lstStyle/>
-          <a:p>
-            <a:fld id="{3148858F-F1DB-4027-9C85-CCA6849540DD}" type="slidenum">
-              <a:rPr lang="en-US" smtClean="0"/>
-              <a:t>15</a:t>
-            </a:fld>
-            <a:endParaRPr lang="en-US"/>
-          </a:p>
-        </p:txBody>
-      </p:sp>
-    </p:spTree>
-    <p:extLst>
-      <p:ext uri="{BB962C8B-B14F-4D97-AF65-F5344CB8AC3E}">
-        <p14:creationId xmlns:p14="http://schemas.microsoft.com/office/powerpoint/2010/main" val="4024190093"/>
-      </p:ext>
-    </p:extLst>
-  </p:cSld>
-  <p:clrMapOvr>
-    <a:masterClrMapping/>
-  </p:clrMapOvr>
-</p:notes>
-</file>
-
-<file path=ppt/notesSlides/notesSlide16.xml><?xml version="1.0" encoding="utf-8"?>
-<p:notes xmlns:a="http://schemas.openxmlformats.org/drawingml/2006/main" xmlns:r="http://schemas.openxmlformats.org/officeDocument/2006/relationships" xmlns:p="http://schemas.openxmlformats.org/presentationml/2006/main">
-  <p:cSld>
-    <p:spTree>
-      <p:nvGrpSpPr>
-        <p:cNvPr id="1" name=""/>
-        <p:cNvGrpSpPr/>
-        <p:nvPr/>
-      </p:nvGrpSpPr>
-      <p:grpSpPr>
-        <a:xfrm>
-          <a:off x="0" y="0"/>
-          <a:ext cx="0" cy="0"/>
-          <a:chOff x="0" y="0"/>
-          <a:chExt cx="0" cy="0"/>
-        </a:xfrm>
-      </p:grpSpPr>
-      <p:sp>
-        <p:nvSpPr>
-          <p:cNvPr id="2" name="Slide Image Placeholder 1"/>
-          <p:cNvSpPr>
-            <a:spLocks noGrp="1" noRot="1" noChangeAspect="1"/>
-          </p:cNvSpPr>
-          <p:nvPr>
-            <p:ph type="sldImg"/>
-          </p:nvPr>
-        </p:nvSpPr>
-        <p:spPr/>
-      </p:sp>
-      <p:sp>
-        <p:nvSpPr>
-          <p:cNvPr id="3" name="Notes Placeholder 2"/>
-          <p:cNvSpPr>
-            <a:spLocks noGrp="1"/>
-          </p:cNvSpPr>
-          <p:nvPr>
-            <p:ph type="body" idx="1"/>
-          </p:nvPr>
-        </p:nvSpPr>
-        <p:spPr/>
-        <p:txBody>
-          <a:bodyPr/>
-          <a:lstStyle/>
-          <a:p>
             <a:r>
               <a:rPr lang="en-US" sz="1200" b="0" i="0" kern="1200" dirty="0">
                 <a:solidFill>
@@ -1850,670 +1904,7 @@
                 <a:ea typeface="+mn-ea"/>
                 <a:cs typeface="+mn-cs"/>
               </a:rPr>
-              <a:t>Semi-supervised learning</a:t>
-            </a:r>
-            <a:r>
-              <a:rPr lang="en-US" sz="1200" b="0" i="1" u="none" strike="noStrike" kern="1200" baseline="0" dirty="0">
-                <a:solidFill>
-                  <a:schemeClr val="tx1"/>
-                </a:solidFill>
-                <a:latin typeface="+mn-lt"/>
-                <a:ea typeface="+mn-ea"/>
-                <a:cs typeface="+mn-cs"/>
-              </a:rPr>
-              <a:t> </a:t>
-            </a:r>
-            <a:r>
-              <a:rPr lang="en-US" sz="1200" b="0" i="0" u="none" strike="noStrike" kern="1200" baseline="0" dirty="0">
-                <a:solidFill>
-                  <a:schemeClr val="tx1"/>
-                </a:solidFill>
-                <a:latin typeface="+mn-lt"/>
-                <a:ea typeface="+mn-ea"/>
-                <a:cs typeface="+mn-cs"/>
-              </a:rPr>
-              <a:t>is a mixture of the previous two learning types, which means it is fed a combination of labeled and unlabeled inputs.  In this image, we see two classes with labeled examples indicated by the green triangles and light-yellow boxes.  The proximity of the unlabeled examples to their labeled counterparts allows the algorithm to divide the data set into two groups, thereby inferring group membership of any new data points.</a:t>
-            </a:r>
-          </a:p>
-          <a:p>
-            <a:endParaRPr lang="en-US" sz="1200" b="0" i="0" u="none" strike="noStrike" kern="1200" baseline="0" dirty="0">
-              <a:solidFill>
-                <a:schemeClr val="tx1"/>
-              </a:solidFill>
-              <a:latin typeface="+mn-lt"/>
-              <a:ea typeface="+mn-ea"/>
-              <a:cs typeface="+mn-cs"/>
-            </a:endParaRPr>
-          </a:p>
-          <a:p>
-            <a:r>
-              <a:rPr lang="en-US" sz="1200" b="0" i="0" u="none" strike="noStrike" kern="1200" baseline="0" dirty="0">
-                <a:solidFill>
-                  <a:schemeClr val="tx1"/>
-                </a:solidFill>
-                <a:latin typeface="+mn-lt"/>
-                <a:ea typeface="+mn-ea"/>
-                <a:cs typeface="+mn-cs"/>
-              </a:rPr>
-              <a:t>Often, you will not have the resources to label every item in a dataset.  And so semi-supervised learning provides a middle way forward, between supervised and unsupervised learning.  Here you only need to label a sub-set of instances while still gaining all of the advantages of a trained model.</a:t>
-            </a:r>
-          </a:p>
-          <a:p>
-            <a:pPr marL="0" marR="0" lvl="0" indent="0" algn="l" defTabSz="914400" rtl="0" eaLnBrk="1" fontAlgn="auto" latinLnBrk="0" hangingPunct="1">
-              <a:lnSpc>
-                <a:spcPct val="100000"/>
-              </a:lnSpc>
-              <a:spcBef>
-                <a:spcPts val="0"/>
-              </a:spcBef>
-              <a:spcAft>
-                <a:spcPts val="0"/>
-              </a:spcAft>
-              <a:buClrTx/>
-              <a:buSzTx/>
-              <a:buFontTx/>
-              <a:buNone/>
-              <a:tabLst/>
-              <a:defRPr/>
-            </a:pPr>
-            <a:r>
-              <a:rPr lang="en-US" sz="1200" b="0" i="0" kern="1200" dirty="0">
-                <a:solidFill>
-                  <a:schemeClr val="tx1"/>
-                </a:solidFill>
-                <a:effectLst/>
-                <a:latin typeface="+mn-lt"/>
-                <a:ea typeface="+mn-ea"/>
-                <a:cs typeface="+mn-cs"/>
-              </a:rPr>
-              <a:t> </a:t>
-            </a:r>
-          </a:p>
-        </p:txBody>
-      </p:sp>
-      <p:sp>
-        <p:nvSpPr>
-          <p:cNvPr id="4" name="Slide Number Placeholder 3"/>
-          <p:cNvSpPr>
-            <a:spLocks noGrp="1"/>
-          </p:cNvSpPr>
-          <p:nvPr>
-            <p:ph type="sldNum" sz="quarter" idx="5"/>
-          </p:nvPr>
-        </p:nvSpPr>
-        <p:spPr/>
-        <p:txBody>
-          <a:bodyPr/>
-          <a:lstStyle/>
-          <a:p>
-            <a:fld id="{3148858F-F1DB-4027-9C85-CCA6849540DD}" type="slidenum">
-              <a:rPr lang="en-US" smtClean="0"/>
-              <a:t>16</a:t>
-            </a:fld>
-            <a:endParaRPr lang="en-US"/>
-          </a:p>
-        </p:txBody>
-      </p:sp>
-    </p:spTree>
-    <p:extLst>
-      <p:ext uri="{BB962C8B-B14F-4D97-AF65-F5344CB8AC3E}">
-        <p14:creationId xmlns:p14="http://schemas.microsoft.com/office/powerpoint/2010/main" val="3414843891"/>
-      </p:ext>
-    </p:extLst>
-  </p:cSld>
-  <p:clrMapOvr>
-    <a:masterClrMapping/>
-  </p:clrMapOvr>
-</p:notes>
-</file>
-
-<file path=ppt/notesSlides/notesSlide17.xml><?xml version="1.0" encoding="utf-8"?>
-<p:notes xmlns:a="http://schemas.openxmlformats.org/drawingml/2006/main" xmlns:r="http://schemas.openxmlformats.org/officeDocument/2006/relationships" xmlns:p="http://schemas.openxmlformats.org/presentationml/2006/main">
-  <p:cSld>
-    <p:spTree>
-      <p:nvGrpSpPr>
-        <p:cNvPr id="1" name=""/>
-        <p:cNvGrpSpPr/>
-        <p:nvPr/>
-      </p:nvGrpSpPr>
-      <p:grpSpPr>
-        <a:xfrm>
-          <a:off x="0" y="0"/>
-          <a:ext cx="0" cy="0"/>
-          <a:chOff x="0" y="0"/>
-          <a:chExt cx="0" cy="0"/>
-        </a:xfrm>
-      </p:grpSpPr>
-      <p:sp>
-        <p:nvSpPr>
-          <p:cNvPr id="2" name="Slide Image Placeholder 1"/>
-          <p:cNvSpPr>
-            <a:spLocks noGrp="1" noRot="1" noChangeAspect="1"/>
-          </p:cNvSpPr>
-          <p:nvPr>
-            <p:ph type="sldImg"/>
-          </p:nvPr>
-        </p:nvSpPr>
-        <p:spPr/>
-      </p:sp>
-      <p:sp>
-        <p:nvSpPr>
-          <p:cNvPr id="3" name="Notes Placeholder 2"/>
-          <p:cNvSpPr>
-            <a:spLocks noGrp="1"/>
-          </p:cNvSpPr>
-          <p:nvPr>
-            <p:ph type="body" idx="1"/>
-          </p:nvPr>
-        </p:nvSpPr>
-        <p:spPr/>
-        <p:txBody>
-          <a:bodyPr/>
-          <a:lstStyle/>
-          <a:p>
-            <a:r>
-              <a:rPr lang="en-US" sz="1200" b="0" i="1" u="none" strike="noStrike" kern="1200" baseline="0" dirty="0">
-                <a:solidFill>
-                  <a:schemeClr val="tx1"/>
-                </a:solidFill>
-                <a:latin typeface="+mn-lt"/>
-                <a:ea typeface="+mn-ea"/>
-                <a:cs typeface="+mn-cs"/>
-              </a:rPr>
-              <a:t>Reinforcement Learning </a:t>
-            </a:r>
-            <a:r>
-              <a:rPr lang="en-US" sz="1200" b="0" i="0" u="none" strike="noStrike" kern="1200" baseline="0" dirty="0">
-                <a:solidFill>
-                  <a:schemeClr val="tx1"/>
-                </a:solidFill>
-                <a:latin typeface="+mn-lt"/>
-                <a:ea typeface="+mn-ea"/>
-                <a:cs typeface="+mn-cs"/>
-              </a:rPr>
-              <a:t>is a very different beast. The learning system, called an </a:t>
-            </a:r>
-            <a:r>
-              <a:rPr lang="en-US" sz="1200" b="0" i="1" u="none" strike="noStrike" kern="1200" baseline="0" dirty="0">
-                <a:solidFill>
-                  <a:schemeClr val="tx1"/>
-                </a:solidFill>
-                <a:latin typeface="+mn-lt"/>
-                <a:ea typeface="+mn-ea"/>
-                <a:cs typeface="+mn-cs"/>
-              </a:rPr>
-              <a:t>agent </a:t>
-            </a:r>
-            <a:r>
-              <a:rPr lang="en-US" sz="1200" b="0" i="0" u="none" strike="noStrike" kern="1200" baseline="0" dirty="0">
-                <a:solidFill>
-                  <a:schemeClr val="tx1"/>
-                </a:solidFill>
-                <a:latin typeface="+mn-lt"/>
-                <a:ea typeface="+mn-ea"/>
-                <a:cs typeface="+mn-cs"/>
-              </a:rPr>
-              <a:t>in this context, observes the environment, selects and performs actions, and is then </a:t>
-            </a:r>
-            <a:r>
-              <a:rPr lang="en-US" sz="1200" b="0" i="1" u="none" strike="noStrike" kern="1200" baseline="0" dirty="0">
-                <a:solidFill>
-                  <a:schemeClr val="tx1"/>
-                </a:solidFill>
-                <a:latin typeface="+mn-lt"/>
-                <a:ea typeface="+mn-ea"/>
-                <a:cs typeface="+mn-cs"/>
-              </a:rPr>
-              <a:t>rewarded</a:t>
-            </a:r>
-            <a:r>
-              <a:rPr lang="en-US" sz="1200" b="0" i="0" u="none" strike="noStrike" kern="1200" baseline="0" dirty="0">
-                <a:solidFill>
-                  <a:schemeClr val="tx1"/>
-                </a:solidFill>
-                <a:latin typeface="+mn-lt"/>
-                <a:ea typeface="+mn-ea"/>
-                <a:cs typeface="+mn-cs"/>
-              </a:rPr>
-              <a:t> or </a:t>
-            </a:r>
-            <a:r>
-              <a:rPr lang="en-US" sz="1200" b="0" i="1" u="none" strike="noStrike" kern="1200" baseline="0" dirty="0">
-                <a:solidFill>
-                  <a:schemeClr val="tx1"/>
-                </a:solidFill>
-                <a:latin typeface="+mn-lt"/>
-                <a:ea typeface="+mn-ea"/>
-                <a:cs typeface="+mn-cs"/>
-              </a:rPr>
-              <a:t>penalized</a:t>
-            </a:r>
-            <a:r>
-              <a:rPr lang="en-US" sz="1200" b="0" i="0" u="none" strike="noStrike" kern="1200" baseline="0" dirty="0">
-                <a:solidFill>
-                  <a:schemeClr val="tx1"/>
-                </a:solidFill>
-                <a:latin typeface="+mn-lt"/>
-                <a:ea typeface="+mn-ea"/>
-                <a:cs typeface="+mn-cs"/>
-              </a:rPr>
-              <a:t> for each action.  On its own, the agent must discover the best strategy, called a </a:t>
-            </a:r>
-            <a:r>
-              <a:rPr lang="en-US" sz="1200" b="0" i="1" u="none" strike="noStrike" kern="1200" baseline="0" dirty="0">
-                <a:solidFill>
-                  <a:schemeClr val="tx1"/>
-                </a:solidFill>
-                <a:latin typeface="+mn-lt"/>
-                <a:ea typeface="+mn-ea"/>
-                <a:cs typeface="+mn-cs"/>
-              </a:rPr>
-              <a:t>policy,</a:t>
-            </a:r>
-            <a:r>
-              <a:rPr lang="en-US" sz="1200" b="0" i="0" u="none" strike="noStrike" kern="1200" baseline="0" dirty="0">
-                <a:solidFill>
-                  <a:schemeClr val="tx1"/>
-                </a:solidFill>
-                <a:latin typeface="+mn-lt"/>
-                <a:ea typeface="+mn-ea"/>
-                <a:cs typeface="+mn-cs"/>
-              </a:rPr>
-              <a:t> to get the most reward over time.  A </a:t>
-            </a:r>
-            <a:r>
-              <a:rPr lang="en-US" sz="1200" b="0" i="1" u="none" strike="noStrike" kern="1200" baseline="0" dirty="0">
-                <a:solidFill>
-                  <a:schemeClr val="tx1"/>
-                </a:solidFill>
-                <a:latin typeface="+mn-lt"/>
-                <a:ea typeface="+mn-ea"/>
-                <a:cs typeface="+mn-cs"/>
-              </a:rPr>
-              <a:t>policy</a:t>
-            </a:r>
-            <a:r>
-              <a:rPr lang="en-US" sz="1200" b="0" i="0" u="none" strike="noStrike" kern="1200" baseline="0" dirty="0">
-                <a:solidFill>
-                  <a:schemeClr val="tx1"/>
-                </a:solidFill>
-                <a:latin typeface="+mn-lt"/>
-                <a:ea typeface="+mn-ea"/>
-                <a:cs typeface="+mn-cs"/>
-              </a:rPr>
-              <a:t> defines what action the agent should choose when it is in a particular situation.</a:t>
-            </a:r>
-          </a:p>
-          <a:p>
-            <a:endParaRPr lang="en-US" sz="1200" b="0" i="0" u="none" strike="noStrike" kern="1200" baseline="0" dirty="0">
-              <a:solidFill>
-                <a:schemeClr val="tx1"/>
-              </a:solidFill>
-              <a:latin typeface="+mn-lt"/>
-              <a:ea typeface="+mn-ea"/>
-              <a:cs typeface="+mn-cs"/>
-            </a:endParaRPr>
-          </a:p>
-          <a:p>
-            <a:r>
-              <a:rPr lang="en-US" sz="1200" b="0" i="0" u="none" strike="noStrike" kern="1200" baseline="0" dirty="0">
-                <a:solidFill>
-                  <a:schemeClr val="tx1"/>
-                </a:solidFill>
-                <a:latin typeface="+mn-lt"/>
-                <a:ea typeface="+mn-ea"/>
-                <a:cs typeface="+mn-cs"/>
-              </a:rPr>
-              <a:t>For example, many robots implement Reinforcement Learning algorithms to learn how to walk. DeepMind’s AlphaGo program is also a good example of Reinforcement Learning: it made the headlines in May 2017 when it beat the world champion at the game of Go. It learned its winning policy by analyzing millions of games, and then playing many games against itself.</a:t>
-            </a:r>
-            <a:endParaRPr lang="en-US" dirty="0"/>
-          </a:p>
-          <a:p>
-            <a:endParaRPr lang="en-US" sz="1200" b="0" i="0" u="none" strike="noStrike" kern="1200" baseline="0" dirty="0">
-              <a:solidFill>
-                <a:schemeClr val="tx1"/>
-              </a:solidFill>
-              <a:latin typeface="+mn-lt"/>
-              <a:ea typeface="+mn-ea"/>
-              <a:cs typeface="+mn-cs"/>
-            </a:endParaRPr>
-          </a:p>
-          <a:p>
-            <a:pPr marL="0" marR="0" lvl="0" indent="0" algn="l" defTabSz="914400" rtl="0" eaLnBrk="1" fontAlgn="auto" latinLnBrk="0" hangingPunct="1">
-              <a:lnSpc>
-                <a:spcPct val="100000"/>
-              </a:lnSpc>
-              <a:spcBef>
-                <a:spcPts val="0"/>
-              </a:spcBef>
-              <a:spcAft>
-                <a:spcPts val="0"/>
-              </a:spcAft>
-              <a:buClrTx/>
-              <a:buSzTx/>
-              <a:buFontTx/>
-              <a:buNone/>
-              <a:tabLst/>
-              <a:defRPr/>
-            </a:pPr>
-            <a:r>
-              <a:rPr lang="en-US" sz="1200" b="0" i="0" kern="1200" dirty="0">
-                <a:solidFill>
-                  <a:schemeClr val="tx1"/>
-                </a:solidFill>
-                <a:effectLst/>
-                <a:latin typeface="+mn-lt"/>
-                <a:ea typeface="+mn-ea"/>
-                <a:cs typeface="+mn-cs"/>
-              </a:rPr>
-              <a:t> </a:t>
-            </a:r>
-          </a:p>
-        </p:txBody>
-      </p:sp>
-      <p:sp>
-        <p:nvSpPr>
-          <p:cNvPr id="4" name="Slide Number Placeholder 3"/>
-          <p:cNvSpPr>
-            <a:spLocks noGrp="1"/>
-          </p:cNvSpPr>
-          <p:nvPr>
-            <p:ph type="sldNum" sz="quarter" idx="5"/>
-          </p:nvPr>
-        </p:nvSpPr>
-        <p:spPr/>
-        <p:txBody>
-          <a:bodyPr/>
-          <a:lstStyle/>
-          <a:p>
-            <a:fld id="{3148858F-F1DB-4027-9C85-CCA6849540DD}" type="slidenum">
-              <a:rPr lang="en-US" smtClean="0"/>
-              <a:t>17</a:t>
-            </a:fld>
-            <a:endParaRPr lang="en-US"/>
-          </a:p>
-        </p:txBody>
-      </p:sp>
-    </p:spTree>
-    <p:extLst>
-      <p:ext uri="{BB962C8B-B14F-4D97-AF65-F5344CB8AC3E}">
-        <p14:creationId xmlns:p14="http://schemas.microsoft.com/office/powerpoint/2010/main" val="3813904577"/>
-      </p:ext>
-    </p:extLst>
-  </p:cSld>
-  <p:clrMapOvr>
-    <a:masterClrMapping/>
-  </p:clrMapOvr>
-</p:notes>
-</file>
-
-<file path=ppt/notesSlides/notesSlide18.xml><?xml version="1.0" encoding="utf-8"?>
-<p:notes xmlns:a="http://schemas.openxmlformats.org/drawingml/2006/main" xmlns:r="http://schemas.openxmlformats.org/officeDocument/2006/relationships" xmlns:p="http://schemas.openxmlformats.org/presentationml/2006/main">
-  <p:cSld>
-    <p:spTree>
-      <p:nvGrpSpPr>
-        <p:cNvPr id="1" name=""/>
-        <p:cNvGrpSpPr/>
-        <p:nvPr/>
-      </p:nvGrpSpPr>
-      <p:grpSpPr>
-        <a:xfrm>
-          <a:off x="0" y="0"/>
-          <a:ext cx="0" cy="0"/>
-          <a:chOff x="0" y="0"/>
-          <a:chExt cx="0" cy="0"/>
-        </a:xfrm>
-      </p:grpSpPr>
-      <p:sp>
-        <p:nvSpPr>
-          <p:cNvPr id="2" name="Slide Image Placeholder 1"/>
-          <p:cNvSpPr>
-            <a:spLocks noGrp="1" noRot="1" noChangeAspect="1"/>
-          </p:cNvSpPr>
-          <p:nvPr>
-            <p:ph type="sldImg"/>
-          </p:nvPr>
-        </p:nvSpPr>
-        <p:spPr/>
-      </p:sp>
-      <p:sp>
-        <p:nvSpPr>
-          <p:cNvPr id="3" name="Notes Placeholder 2"/>
-          <p:cNvSpPr>
-            <a:spLocks noGrp="1"/>
-          </p:cNvSpPr>
-          <p:nvPr>
-            <p:ph type="body" idx="1"/>
-          </p:nvPr>
-        </p:nvSpPr>
-        <p:spPr/>
-        <p:txBody>
-          <a:bodyPr/>
-          <a:lstStyle/>
-          <a:p>
-            <a:r>
-              <a:rPr lang="en-US" sz="1200" b="0" i="0" u="none" strike="noStrike" kern="1200" baseline="0" dirty="0">
-                <a:solidFill>
-                  <a:schemeClr val="tx1"/>
-                </a:solidFill>
-                <a:latin typeface="+mn-lt"/>
-                <a:ea typeface="+mn-ea"/>
-                <a:cs typeface="+mn-cs"/>
-              </a:rPr>
-              <a:t>… and finally, this image summarizes some of the primary ways in which AI is being used today.   I present these applications because background knowledge is key to helping you imagine AI possibilities in your domain.  And it’s the reason why I asked Jim Cusick to provide additional bibliographic support.  Of course, the challenge is to take an application in another area and then modify it, so it works in yours.  I believe this is where a lot of innovation is going to happen in the near future.  </a:t>
-            </a:r>
-          </a:p>
-          <a:p>
-            <a:pPr marL="0" marR="0" lvl="0" indent="0" algn="l" defTabSz="914400" rtl="0" eaLnBrk="1" fontAlgn="auto" latinLnBrk="0" hangingPunct="1">
-              <a:lnSpc>
-                <a:spcPct val="100000"/>
-              </a:lnSpc>
-              <a:spcBef>
-                <a:spcPts val="0"/>
-              </a:spcBef>
-              <a:spcAft>
-                <a:spcPts val="0"/>
-              </a:spcAft>
-              <a:buClrTx/>
-              <a:buSzTx/>
-              <a:buFontTx/>
-              <a:buNone/>
-              <a:tabLst/>
-              <a:defRPr/>
-            </a:pPr>
-            <a:r>
-              <a:rPr lang="en-US" sz="1200" b="0" i="0" kern="1200" dirty="0">
-                <a:solidFill>
-                  <a:schemeClr val="tx1"/>
-                </a:solidFill>
-                <a:effectLst/>
-                <a:latin typeface="+mn-lt"/>
-                <a:ea typeface="+mn-ea"/>
-                <a:cs typeface="+mn-cs"/>
-              </a:rPr>
-              <a:t> </a:t>
-            </a:r>
-          </a:p>
-        </p:txBody>
-      </p:sp>
-      <p:sp>
-        <p:nvSpPr>
-          <p:cNvPr id="4" name="Slide Number Placeholder 3"/>
-          <p:cNvSpPr>
-            <a:spLocks noGrp="1"/>
-          </p:cNvSpPr>
-          <p:nvPr>
-            <p:ph type="sldNum" sz="quarter" idx="5"/>
-          </p:nvPr>
-        </p:nvSpPr>
-        <p:spPr/>
-        <p:txBody>
-          <a:bodyPr/>
-          <a:lstStyle/>
-          <a:p>
-            <a:fld id="{3148858F-F1DB-4027-9C85-CCA6849540DD}" type="slidenum">
-              <a:rPr lang="en-US" smtClean="0"/>
-              <a:t>18</a:t>
-            </a:fld>
-            <a:endParaRPr lang="en-US"/>
-          </a:p>
-        </p:txBody>
-      </p:sp>
-    </p:spTree>
-    <p:extLst>
-      <p:ext uri="{BB962C8B-B14F-4D97-AF65-F5344CB8AC3E}">
-        <p14:creationId xmlns:p14="http://schemas.microsoft.com/office/powerpoint/2010/main" val="2041406944"/>
-      </p:ext>
-    </p:extLst>
-  </p:cSld>
-  <p:clrMapOvr>
-    <a:masterClrMapping/>
-  </p:clrMapOvr>
-</p:notes>
-</file>
-
-<file path=ppt/notesSlides/notesSlide19.xml><?xml version="1.0" encoding="utf-8"?>
-<p:notes xmlns:a="http://schemas.openxmlformats.org/drawingml/2006/main" xmlns:r="http://schemas.openxmlformats.org/officeDocument/2006/relationships" xmlns:p="http://schemas.openxmlformats.org/presentationml/2006/main">
-  <p:cSld>
-    <p:spTree>
-      <p:nvGrpSpPr>
-        <p:cNvPr id="1" name=""/>
-        <p:cNvGrpSpPr/>
-        <p:nvPr/>
-      </p:nvGrpSpPr>
-      <p:grpSpPr>
-        <a:xfrm>
-          <a:off x="0" y="0"/>
-          <a:ext cx="0" cy="0"/>
-          <a:chOff x="0" y="0"/>
-          <a:chExt cx="0" cy="0"/>
-        </a:xfrm>
-      </p:grpSpPr>
-      <p:sp>
-        <p:nvSpPr>
-          <p:cNvPr id="2" name="Slide Image Placeholder 1"/>
-          <p:cNvSpPr>
-            <a:spLocks noGrp="1" noRot="1" noChangeAspect="1"/>
-          </p:cNvSpPr>
-          <p:nvPr>
-            <p:ph type="sldImg"/>
-          </p:nvPr>
-        </p:nvSpPr>
-        <p:spPr/>
-      </p:sp>
-      <p:sp>
-        <p:nvSpPr>
-          <p:cNvPr id="3" name="Notes Placeholder 2"/>
-          <p:cNvSpPr>
-            <a:spLocks noGrp="1"/>
-          </p:cNvSpPr>
-          <p:nvPr>
-            <p:ph type="body" idx="1"/>
-          </p:nvPr>
-        </p:nvSpPr>
-        <p:spPr/>
-        <p:txBody>
-          <a:bodyPr/>
-          <a:lstStyle/>
-          <a:p>
-            <a:r>
-              <a:rPr lang="en-US" dirty="0"/>
-              <a:t>Okay – let’s quickly summarize what we covered in today’s workshop.</a:t>
-            </a:r>
-          </a:p>
-        </p:txBody>
-      </p:sp>
-      <p:sp>
-        <p:nvSpPr>
-          <p:cNvPr id="4" name="Slide Number Placeholder 3"/>
-          <p:cNvSpPr>
-            <a:spLocks noGrp="1"/>
-          </p:cNvSpPr>
-          <p:nvPr>
-            <p:ph type="sldNum" sz="quarter" idx="5"/>
-          </p:nvPr>
-        </p:nvSpPr>
-        <p:spPr/>
-        <p:txBody>
-          <a:bodyPr/>
-          <a:lstStyle/>
-          <a:p>
-            <a:fld id="{3148858F-F1DB-4027-9C85-CCA6849540DD}" type="slidenum">
-              <a:rPr lang="en-US" smtClean="0"/>
-              <a:t>19</a:t>
-            </a:fld>
-            <a:endParaRPr lang="en-US"/>
-          </a:p>
-        </p:txBody>
-      </p:sp>
-    </p:spTree>
-    <p:extLst>
-      <p:ext uri="{BB962C8B-B14F-4D97-AF65-F5344CB8AC3E}">
-        <p14:creationId xmlns:p14="http://schemas.microsoft.com/office/powerpoint/2010/main" val="4007547773"/>
-      </p:ext>
-    </p:extLst>
-  </p:cSld>
-  <p:clrMapOvr>
-    <a:masterClrMapping/>
-  </p:clrMapOvr>
-</p:notes>
-</file>
-
-<file path=ppt/notesSlides/notesSlide2.xml><?xml version="1.0" encoding="utf-8"?>
-<p:notes xmlns:a="http://schemas.openxmlformats.org/drawingml/2006/main" xmlns:r="http://schemas.openxmlformats.org/officeDocument/2006/relationships" xmlns:p="http://schemas.openxmlformats.org/presentationml/2006/main">
-  <p:cSld>
-    <p:spTree>
-      <p:nvGrpSpPr>
-        <p:cNvPr id="1" name=""/>
-        <p:cNvGrpSpPr/>
-        <p:nvPr/>
-      </p:nvGrpSpPr>
-      <p:grpSpPr>
-        <a:xfrm>
-          <a:off x="0" y="0"/>
-          <a:ext cx="0" cy="0"/>
-          <a:chOff x="0" y="0"/>
-          <a:chExt cx="0" cy="0"/>
-        </a:xfrm>
-      </p:grpSpPr>
-      <p:sp>
-        <p:nvSpPr>
-          <p:cNvPr id="2" name="Slide Image Placeholder 1"/>
-          <p:cNvSpPr>
-            <a:spLocks noGrp="1" noRot="1" noChangeAspect="1"/>
-          </p:cNvSpPr>
-          <p:nvPr>
-            <p:ph type="sldImg"/>
-          </p:nvPr>
-        </p:nvSpPr>
-        <p:spPr/>
-      </p:sp>
-      <p:sp>
-        <p:nvSpPr>
-          <p:cNvPr id="3" name="Notes Placeholder 2"/>
-          <p:cNvSpPr>
-            <a:spLocks noGrp="1"/>
-          </p:cNvSpPr>
-          <p:nvPr>
-            <p:ph type="body" idx="1"/>
-          </p:nvPr>
-        </p:nvSpPr>
-        <p:spPr/>
-        <p:txBody>
-          <a:bodyPr/>
-          <a:lstStyle/>
-          <a:p>
-            <a:r>
-              <a:rPr lang="en-US" sz="1200" b="0" i="0" kern="1200" dirty="0">
-                <a:solidFill>
-                  <a:schemeClr val="tx1"/>
-                </a:solidFill>
-                <a:effectLst/>
-                <a:latin typeface="+mn-lt"/>
-                <a:ea typeface="+mn-ea"/>
-                <a:cs typeface="+mn-cs"/>
-              </a:rPr>
-              <a:t>As noted in an earlier presentation, AI, Machine Learning, and Deep Learning are distinct domains, with AI encompassing the other two.  Interestingly, AI has a long and distinguished history.  In fact, a lot of interesting AI research happened in the 1950s.</a:t>
+              <a:t>Let’s dive into the details…</a:t>
             </a:r>
           </a:p>
           <a:p>
@@ -2528,20 +1919,6 @@
             </a:endParaRPr>
           </a:p>
           <a:p>
-            <a:r>
-              <a:rPr lang="en-US" sz="1200" b="0" i="0" kern="1200" dirty="0">
-                <a:solidFill>
-                  <a:schemeClr val="tx1"/>
-                </a:solidFill>
-                <a:effectLst/>
-                <a:latin typeface="+mn-lt"/>
-                <a:ea typeface="+mn-ea"/>
-                <a:cs typeface="+mn-cs"/>
-              </a:rPr>
-              <a:t>Artificial intelligence (AI) is the overarching discipline that concerns itself with the development of computer systems capable of performing tasks that humans are good at; for example, recognizing objects, making sense of speech, and decision making in a constrained environment.</a:t>
-            </a:r>
-          </a:p>
-          <a:p>
             <a:endParaRPr lang="en-US" sz="1200" b="0" i="0" kern="1200" dirty="0">
               <a:solidFill>
                 <a:schemeClr val="tx1"/>
@@ -2552,48 +1929,6 @@
               <a:cs typeface="+mn-cs"/>
             </a:endParaRPr>
           </a:p>
-          <a:p>
-            <a:r>
-              <a:rPr lang="en-US" sz="1200" b="0" i="0" kern="1200" dirty="0">
-                <a:solidFill>
-                  <a:schemeClr val="tx1"/>
-                </a:solidFill>
-                <a:effectLst/>
-                <a:latin typeface="+mn-lt"/>
-                <a:ea typeface="+mn-ea"/>
-                <a:cs typeface="+mn-cs"/>
-              </a:rPr>
-              <a:t>Machine learning is defined as the field of AI that applies statistical methods to enable computer systems to learn from data to achieve an end goal.  </a:t>
-            </a:r>
-          </a:p>
-          <a:p>
-            <a:endParaRPr lang="en-US" sz="1200" b="0" i="0" kern="1200" dirty="0">
-              <a:solidFill>
-                <a:schemeClr val="tx1"/>
-              </a:solidFill>
-              <a:effectLst/>
-              <a:latin typeface="+mn-lt"/>
-              <a:ea typeface="+mn-ea"/>
-              <a:cs typeface="+mn-cs"/>
-            </a:endParaRPr>
-          </a:p>
-          <a:p>
-            <a:r>
-              <a:rPr lang="en-US" sz="1200" b="0" i="0" kern="1200" dirty="0">
-                <a:solidFill>
-                  <a:schemeClr val="tx1"/>
-                </a:solidFill>
-                <a:effectLst/>
-                <a:latin typeface="+mn-lt"/>
-                <a:ea typeface="+mn-ea"/>
-                <a:cs typeface="+mn-cs"/>
-              </a:rPr>
-              <a:t>Deep learning is a field of machine learning which focuses on neural networks.  A neural network is a special type of learning algorithm, inspired by billions of interconnected neurons in the human brain.</a:t>
-            </a:r>
-          </a:p>
-          <a:p>
-            <a:endParaRPr lang="en-US" dirty="0"/>
-          </a:p>
         </p:txBody>
       </p:sp>
       <p:sp>
@@ -2622,91 +1957,7 @@
     </p:spTree>
     <p:extLst>
       <p:ext uri="{BB962C8B-B14F-4D97-AF65-F5344CB8AC3E}">
-        <p14:creationId xmlns:p14="http://schemas.microsoft.com/office/powerpoint/2010/main" val="3945833602"/>
-      </p:ext>
-    </p:extLst>
-  </p:cSld>
-  <p:clrMapOvr>
-    <a:masterClrMapping/>
-  </p:clrMapOvr>
-</p:notes>
-</file>
-
-<file path=ppt/notesSlides/notesSlide20.xml><?xml version="1.0" encoding="utf-8"?>
-<p:notes xmlns:a="http://schemas.openxmlformats.org/drawingml/2006/main" xmlns:r="http://schemas.openxmlformats.org/officeDocument/2006/relationships" xmlns:p="http://schemas.openxmlformats.org/presentationml/2006/main">
-  <p:cSld>
-    <p:spTree>
-      <p:nvGrpSpPr>
-        <p:cNvPr id="1" name=""/>
-        <p:cNvGrpSpPr/>
-        <p:nvPr/>
-      </p:nvGrpSpPr>
-      <p:grpSpPr>
-        <a:xfrm>
-          <a:off x="0" y="0"/>
-          <a:ext cx="0" cy="0"/>
-          <a:chOff x="0" y="0"/>
-          <a:chExt cx="0" cy="0"/>
-        </a:xfrm>
-      </p:grpSpPr>
-      <p:sp>
-        <p:nvSpPr>
-          <p:cNvPr id="2" name="Slide Image Placeholder 1"/>
-          <p:cNvSpPr>
-            <a:spLocks noGrp="1" noRot="1" noChangeAspect="1"/>
-          </p:cNvSpPr>
-          <p:nvPr>
-            <p:ph type="sldImg"/>
-          </p:nvPr>
-        </p:nvSpPr>
-        <p:spPr/>
-      </p:sp>
-      <p:sp>
-        <p:nvSpPr>
-          <p:cNvPr id="3" name="Notes Placeholder 2"/>
-          <p:cNvSpPr>
-            <a:spLocks noGrp="1"/>
-          </p:cNvSpPr>
-          <p:nvPr>
-            <p:ph type="body" idx="1"/>
-          </p:nvPr>
-        </p:nvSpPr>
-        <p:spPr/>
-        <p:txBody>
-          <a:bodyPr/>
-          <a:lstStyle/>
-          <a:p>
-            <a:endParaRPr lang="en-US" dirty="0"/>
-          </a:p>
-        </p:txBody>
-      </p:sp>
-      <p:sp>
-        <p:nvSpPr>
-          <p:cNvPr id="4" name="Slide Number Placeholder 3"/>
-          <p:cNvSpPr>
-            <a:spLocks noGrp="1"/>
-          </p:cNvSpPr>
-          <p:nvPr>
-            <p:ph type="sldNum" sz="quarter" idx="5"/>
-          </p:nvPr>
-        </p:nvSpPr>
-        <p:spPr/>
-        <p:txBody>
-          <a:bodyPr/>
-          <a:lstStyle/>
-          <a:p>
-            <a:fld id="{3148858F-F1DB-4027-9C85-CCA6849540DD}" type="slidenum">
-              <a:rPr lang="en-US" smtClean="0"/>
-              <a:t>20</a:t>
-            </a:fld>
-            <a:endParaRPr lang="en-US"/>
-          </a:p>
-        </p:txBody>
-      </p:sp>
-    </p:spTree>
-    <p:extLst>
-      <p:ext uri="{BB962C8B-B14F-4D97-AF65-F5344CB8AC3E}">
-        <p14:creationId xmlns:p14="http://schemas.microsoft.com/office/powerpoint/2010/main" val="4007547773"/>
+        <p14:creationId xmlns:p14="http://schemas.microsoft.com/office/powerpoint/2010/main" val="2830584034"/>
       </p:ext>
     </p:extLst>
   </p:cSld>
@@ -2760,6 +2011,23 @@
           <a:bodyPr/>
           <a:lstStyle/>
           <a:p>
+            <a:pPr marL="0" marR="0" lvl="0" indent="0" algn="l" defTabSz="914400" rtl="0" eaLnBrk="1" fontAlgn="auto" latinLnBrk="0" hangingPunct="1">
+              <a:lnSpc>
+                <a:spcPct val="100000"/>
+              </a:lnSpc>
+              <a:spcBef>
+                <a:spcPts val="0"/>
+              </a:spcBef>
+              <a:spcAft>
+                <a:spcPts val="0"/>
+              </a:spcAft>
+              <a:buClrTx/>
+              <a:buSzTx/>
+              <a:buFontTx/>
+              <a:buNone/>
+              <a:tabLst/>
+              <a:defRPr/>
+            </a:pPr>
             <a:r>
               <a:rPr lang="en-US" sz="1200" b="0" i="0" kern="1200" dirty="0">
                 <a:solidFill>
@@ -2770,10 +2038,27 @@
                 <a:ea typeface="+mn-ea"/>
                 <a:cs typeface="+mn-cs"/>
               </a:rPr>
-              <a:t>In the past, AI has experienced multiple “winters.”  The early 1980s and 1990s were two such periods where funding dried up and interest waned.  Whether the individual who created this graphic intended it or not, the period under the garbage can is one of those slumps.  The problem is one of over-promising and under-delivering.  But here are some key points to keep in mind</a:t>
-            </a:r>
-          </a:p>
-          <a:p>
+              <a:t>The first kind of learning is supervised learning.  Supervised learning are algorithms which work with data that is labelled (annotated).  In this example, we present the algorithm with the image of a dog and its label.  The label is the correct answer.  And through the process of training, the system uses these labels to assess its predictions, correcting and then adjusting itself as it does so.  Eventually, the algorithm is fully trained and should make accurate predictions.  </a:t>
+            </a:r>
+          </a:p>
+          <a:p>
+            <a:pPr marL="0" marR="0" lvl="0" indent="0" algn="l" defTabSz="914400" rtl="0" eaLnBrk="1" fontAlgn="auto" latinLnBrk="0" hangingPunct="1">
+              <a:lnSpc>
+                <a:spcPct val="100000"/>
+              </a:lnSpc>
+              <a:spcBef>
+                <a:spcPts val="0"/>
+              </a:spcBef>
+              <a:spcAft>
+                <a:spcPts val="0"/>
+              </a:spcAft>
+              <a:buClrTx/>
+              <a:buSzTx/>
+              <a:buFontTx/>
+              <a:buNone/>
+              <a:tabLst/>
+              <a:defRPr/>
+            </a:pPr>
             <a:endParaRPr lang="en-US" sz="1200" b="0" i="0" kern="1200" dirty="0">
               <a:solidFill>
                 <a:schemeClr val="tx1"/>
@@ -2785,7 +2070,7 @@
             </a:endParaRPr>
           </a:p>
           <a:p>
-            <a:pPr marL="0" marR="0" lvl="0" indent="0" algn="l" hangingPunct="0">
+            <a:pPr marL="0" marR="0" lvl="0" indent="0" algn="l" defTabSz="914400" rtl="0" eaLnBrk="1" fontAlgn="auto" latinLnBrk="0" hangingPunct="1">
               <a:lnSpc>
                 <a:spcPct val="100000"/>
               </a:lnSpc>
@@ -2793,27 +2078,30 @@
                 <a:spcPts val="0"/>
               </a:spcBef>
               <a:spcAft>
-                <a:spcPts val="1440"/>
+                <a:spcPts val="0"/>
               </a:spcAft>
-              <a:buSzPct val="45000"/>
-              <a:buFont typeface="StarSymbol"/>
-              <a:buChar char="●"/>
+              <a:buClrTx/>
+              <a:buSzTx/>
+              <a:buFontTx/>
+              <a:buNone/>
               <a:tabLst/>
+              <a:defRPr/>
             </a:pPr>
             <a:r>
-              <a:rPr lang="en-US" sz="1200" b="0" i="0" u="none" strike="noStrike" kern="1200" cap="none" dirty="0">
-                <a:ln>
-                  <a:noFill/>
-                </a:ln>
-                <a:latin typeface="Arial" pitchFamily="34"/>
-                <a:ea typeface="Arial" pitchFamily="34"/>
-                <a:cs typeface="Arial" pitchFamily="34"/>
-              </a:rPr>
-              <a:t> AI researchers have been making steady progress since the 1950s.</a:t>
-            </a:r>
-          </a:p>
-          <a:p>
-            <a:pPr marL="0" marR="0" lvl="0" indent="0" algn="l" hangingPunct="0">
+              <a:rPr lang="en-US" sz="1200" b="0" i="0" kern="1200" dirty="0">
+                <a:solidFill>
+                  <a:schemeClr val="tx1"/>
+                </a:solidFill>
+                <a:effectLst/>
+                <a:latin typeface="+mn-lt"/>
+                <a:ea typeface="+mn-ea"/>
+                <a:cs typeface="+mn-cs"/>
+              </a:rPr>
+              <a:t>Here’s a concrete example…</a:t>
+            </a:r>
+          </a:p>
+          <a:p>
+            <a:pPr marL="0" marR="0" lvl="0" indent="0" algn="l" defTabSz="914400" rtl="0" eaLnBrk="1" fontAlgn="auto" latinLnBrk="0" hangingPunct="1">
               <a:lnSpc>
                 <a:spcPct val="100000"/>
               </a:lnSpc>
@@ -2821,27 +2109,27 @@
                 <a:spcPts val="0"/>
               </a:spcBef>
               <a:spcAft>
-                <a:spcPts val="1440"/>
+                <a:spcPts val="0"/>
               </a:spcAft>
-              <a:buSzPct val="45000"/>
-              <a:buFont typeface="StarSymbol"/>
-              <a:buChar char="●"/>
+              <a:buClrTx/>
+              <a:buSzTx/>
+              <a:buFontTx/>
+              <a:buNone/>
               <a:tabLst/>
+              <a:defRPr/>
             </a:pPr>
-            <a:r>
-              <a:rPr lang="en-US" sz="1200" b="0" i="0" u="none" strike="noStrike" kern="1200" cap="none" dirty="0">
-                <a:ln>
-                  <a:noFill/>
-                </a:ln>
-                <a:latin typeface="Arial" pitchFamily="34"/>
-                <a:ea typeface="Arial" pitchFamily="34"/>
-                <a:cs typeface="Arial" pitchFamily="34"/>
-              </a:rPr>
-              <a:t> AI is seductive.</a:t>
-            </a:r>
-          </a:p>
-          <a:p>
-            <a:pPr marL="0" marR="0" lvl="0" indent="0" algn="l" hangingPunct="0">
+            <a:endParaRPr lang="en-US" sz="1200" b="0" i="0" kern="1200" dirty="0">
+              <a:solidFill>
+                <a:schemeClr val="tx1"/>
+              </a:solidFill>
+              <a:effectLst/>
+              <a:latin typeface="+mn-lt"/>
+              <a:ea typeface="+mn-ea"/>
+              <a:cs typeface="+mn-cs"/>
+            </a:endParaRPr>
+          </a:p>
+          <a:p>
+            <a:pPr marL="0" marR="0" lvl="0" indent="0" algn="l" defTabSz="914400" rtl="0" eaLnBrk="1" fontAlgn="auto" latinLnBrk="0" hangingPunct="1">
               <a:lnSpc>
                 <a:spcPct val="100000"/>
               </a:lnSpc>
@@ -2849,27 +2137,27 @@
                 <a:spcPts val="0"/>
               </a:spcBef>
               <a:spcAft>
-                <a:spcPts val="1440"/>
+                <a:spcPts val="0"/>
               </a:spcAft>
-              <a:buSzPct val="45000"/>
-              <a:buFont typeface="StarSymbol"/>
-              <a:buChar char="●"/>
+              <a:buClrTx/>
+              <a:buSzTx/>
+              <a:buFontTx/>
+              <a:buNone/>
               <a:tabLst/>
+              <a:defRPr/>
             </a:pPr>
-            <a:r>
-              <a:rPr lang="en-US" sz="1200" b="0" i="0" u="none" strike="noStrike" kern="1200" cap="none" dirty="0">
-                <a:ln>
-                  <a:noFill/>
-                </a:ln>
-                <a:latin typeface="Arial" pitchFamily="34"/>
-                <a:ea typeface="Arial" pitchFamily="34"/>
-                <a:cs typeface="Arial" pitchFamily="34"/>
-              </a:rPr>
-              <a:t> AI winters were mostly about over-hyped commercial and government interest and expectations.</a:t>
-            </a:r>
-          </a:p>
-          <a:p>
-            <a:pPr marL="0" marR="0" lvl="0" indent="0" algn="l" hangingPunct="0">
+            <a:endParaRPr lang="en-US" sz="1200" b="0" i="0" kern="1200" dirty="0">
+              <a:solidFill>
+                <a:schemeClr val="tx1"/>
+              </a:solidFill>
+              <a:effectLst/>
+              <a:latin typeface="+mn-lt"/>
+              <a:ea typeface="+mn-ea"/>
+              <a:cs typeface="+mn-cs"/>
+            </a:endParaRPr>
+          </a:p>
+          <a:p>
+            <a:pPr marL="0" marR="0" lvl="0" indent="0" algn="l" defTabSz="914400" rtl="0" eaLnBrk="1" fontAlgn="auto" latinLnBrk="0" hangingPunct="1">
               <a:lnSpc>
                 <a:spcPct val="100000"/>
               </a:lnSpc>
@@ -2877,27 +2165,27 @@
                 <a:spcPts val="0"/>
               </a:spcBef>
               <a:spcAft>
-                <a:spcPts val="1440"/>
+                <a:spcPts val="0"/>
               </a:spcAft>
-              <a:buSzPct val="45000"/>
-              <a:buFont typeface="StarSymbol"/>
-              <a:buChar char="●"/>
+              <a:buClrTx/>
+              <a:buSzTx/>
+              <a:buFontTx/>
+              <a:buNone/>
               <a:tabLst/>
+              <a:defRPr/>
             </a:pPr>
             <a:r>
-              <a:rPr lang="en-US" sz="1200" b="0" i="0" u="none" strike="noStrike" kern="1200" cap="none" dirty="0">
-                <a:ln>
-                  <a:noFill/>
-                </a:ln>
-                <a:latin typeface="Arial" pitchFamily="34"/>
-                <a:ea typeface="Arial" pitchFamily="34"/>
-                <a:cs typeface="Arial" pitchFamily="34"/>
-              </a:rPr>
-              <a:t> AI winters weren't really about failures of AI. AI technologies, including many “failures” are relevant and widely useful today.</a:t>
-            </a:r>
-          </a:p>
-          <a:p>
-            <a:endParaRPr lang="en-US" dirty="0"/>
+              <a:rPr lang="en-US" sz="1200" b="0" i="0" kern="1200" dirty="0">
+                <a:solidFill>
+                  <a:schemeClr val="tx1"/>
+                </a:solidFill>
+                <a:effectLst/>
+                <a:latin typeface="+mn-lt"/>
+                <a:ea typeface="+mn-ea"/>
+                <a:cs typeface="+mn-cs"/>
+              </a:rPr>
+              <a:t>  </a:t>
+            </a:r>
           </a:p>
         </p:txBody>
       </p:sp>
@@ -2927,7 +2215,7 @@
     </p:spTree>
     <p:extLst>
       <p:ext uri="{BB962C8B-B14F-4D97-AF65-F5344CB8AC3E}">
-        <p14:creationId xmlns:p14="http://schemas.microsoft.com/office/powerpoint/2010/main" val="1181104308"/>
+        <p14:creationId xmlns:p14="http://schemas.microsoft.com/office/powerpoint/2010/main" val="471665249"/>
       </p:ext>
     </p:extLst>
   </p:cSld>
@@ -2982,43 +2270,60 @@
           <a:lstStyle/>
           <a:p>
             <a:r>
-              <a:rPr lang="en-US" sz="1200" b="0" i="0" kern="1200" dirty="0">
+              <a:rPr lang="en-US" sz="1200" b="0" i="0" u="none" strike="noStrike" kern="1200" baseline="0" dirty="0">
                 <a:solidFill>
                   <a:schemeClr val="tx1"/>
                 </a:solidFill>
-                <a:effectLst/>
                 <a:latin typeface="+mn-lt"/>
                 <a:ea typeface="+mn-ea"/>
                 <a:cs typeface="+mn-cs"/>
               </a:rPr>
-              <a:t>Before we get to the heart of today’s presentation, let’s review a couple definitions of machine learning.  I especially like the first definition, coined by Arthur Samuel in 1959.  This one is concise and one of my personal favorites.  However, I also like this second definition: </a:t>
-            </a:r>
-            <a:r>
-              <a:rPr lang="en-US" sz="1200" b="0" i="1" kern="1200" dirty="0">
+              <a:t>… consider a spam filter.  </a:t>
+            </a:r>
+            <a:r>
+              <a:rPr lang="en-US" sz="1200" b="0" i="1" u="none" strike="noStrike" kern="1200" baseline="0" dirty="0">
                 <a:solidFill>
                   <a:schemeClr val="tx1"/>
                 </a:solidFill>
-                <a:effectLst/>
                 <a:latin typeface="+mn-lt"/>
                 <a:ea typeface="+mn-ea"/>
                 <a:cs typeface="+mn-cs"/>
               </a:rPr>
-              <a:t>Machine learning is the science (and art) of programming computers so they can learn from data</a:t>
-            </a:r>
-            <a:r>
-              <a:rPr lang="en-US" sz="1200" b="0" i="0" kern="1200" dirty="0">
+              <a:t>Classification </a:t>
+            </a:r>
+            <a:r>
+              <a:rPr lang="en-US" sz="1200" b="0" i="0" u="none" strike="noStrike" kern="1200" baseline="0" dirty="0">
                 <a:solidFill>
                   <a:schemeClr val="tx1"/>
                 </a:solidFill>
-                <a:effectLst/>
                 <a:latin typeface="+mn-lt"/>
                 <a:ea typeface="+mn-ea"/>
                 <a:cs typeface="+mn-cs"/>
               </a:rPr>
-              <a:t>.  </a:t>
-            </a:r>
-          </a:p>
-          <a:p>
+              <a:t>is a typical supervised learning task, and a spam filter is a good example of this.  It is first trained with many example emails along with their </a:t>
+            </a:r>
+            <a:r>
+              <a:rPr lang="en-US" sz="1200" b="0" i="1" u="none" strike="noStrike" kern="1200" baseline="0" dirty="0">
+                <a:solidFill>
+                  <a:schemeClr val="tx1"/>
+                </a:solidFill>
+                <a:latin typeface="+mn-lt"/>
+                <a:ea typeface="+mn-ea"/>
+                <a:cs typeface="+mn-cs"/>
+              </a:rPr>
+              <a:t>class </a:t>
+            </a:r>
+            <a:r>
+              <a:rPr lang="en-US" sz="1200" b="0" i="0" u="none" strike="noStrike" kern="1200" baseline="0" dirty="0">
+                <a:solidFill>
+                  <a:schemeClr val="tx1"/>
+                </a:solidFill>
+                <a:latin typeface="+mn-lt"/>
+                <a:ea typeface="+mn-ea"/>
+                <a:cs typeface="+mn-cs"/>
+              </a:rPr>
+              <a:t>(spam or ham), and it must learn how to classify new emails.</a:t>
+            </a:r>
             <a:endParaRPr lang="en-US" sz="1200" b="0" i="0" kern="1200" dirty="0">
               <a:solidFill>
                 <a:schemeClr val="tx1"/>
@@ -3029,79 +2334,6 @@
               <a:cs typeface="+mn-cs"/>
             </a:endParaRPr>
           </a:p>
-          <a:p>
-            <a:r>
-              <a:rPr lang="en-US" sz="1200" b="0" i="0" kern="1200" dirty="0">
-                <a:solidFill>
-                  <a:schemeClr val="tx1"/>
-                </a:solidFill>
-                <a:effectLst/>
-                <a:latin typeface="+mn-lt"/>
-                <a:ea typeface="+mn-ea"/>
-                <a:cs typeface="+mn-cs"/>
-              </a:rPr>
-              <a:t>Now, the key word in that second definition is </a:t>
-            </a:r>
-            <a:r>
-              <a:rPr lang="en-US" sz="1200" b="1" i="0" kern="1200" dirty="0">
-                <a:solidFill>
-                  <a:schemeClr val="tx1"/>
-                </a:solidFill>
-                <a:effectLst/>
-                <a:latin typeface="+mn-lt"/>
-                <a:ea typeface="+mn-ea"/>
-                <a:cs typeface="+mn-cs"/>
-              </a:rPr>
-              <a:t>data</a:t>
-            </a:r>
-            <a:r>
-              <a:rPr lang="en-US" sz="1200" b="0" i="0" kern="1200" dirty="0">
-                <a:solidFill>
-                  <a:schemeClr val="tx1"/>
-                </a:solidFill>
-                <a:effectLst/>
-                <a:latin typeface="+mn-lt"/>
-                <a:ea typeface="+mn-ea"/>
-                <a:cs typeface="+mn-cs"/>
-              </a:rPr>
-              <a:t>.  In fact, deep learning is not possible without data.  The age of </a:t>
-            </a:r>
-            <a:r>
-              <a:rPr lang="en-US" sz="1200" b="1" i="0" kern="1200" dirty="0">
-                <a:solidFill>
-                  <a:schemeClr val="tx1"/>
-                </a:solidFill>
-                <a:effectLst/>
-                <a:latin typeface="+mn-lt"/>
-                <a:ea typeface="+mn-ea"/>
-                <a:cs typeface="+mn-cs"/>
-              </a:rPr>
-              <a:t>big data</a:t>
-            </a:r>
-            <a:r>
-              <a:rPr lang="en-US" sz="1200" b="0" i="0" kern="1200" dirty="0">
-                <a:solidFill>
-                  <a:schemeClr val="tx1"/>
-                </a:solidFill>
-                <a:effectLst/>
-                <a:latin typeface="+mn-lt"/>
-                <a:ea typeface="+mn-ea"/>
-                <a:cs typeface="+mn-cs"/>
-              </a:rPr>
-              <a:t> is upon us…</a:t>
-            </a:r>
-          </a:p>
-          <a:p>
-            <a:endParaRPr lang="en-US" sz="1200" b="0" i="0" kern="1200" dirty="0">
-              <a:solidFill>
-                <a:schemeClr val="tx1"/>
-              </a:solidFill>
-              <a:effectLst/>
-              <a:latin typeface="+mn-lt"/>
-              <a:ea typeface="+mn-ea"/>
-              <a:cs typeface="+mn-cs"/>
-            </a:endParaRPr>
-          </a:p>
         </p:txBody>
       </p:sp>
       <p:sp>
@@ -3130,7 +2362,7 @@
     </p:spTree>
     <p:extLst>
       <p:ext uri="{BB962C8B-B14F-4D97-AF65-F5344CB8AC3E}">
-        <p14:creationId xmlns:p14="http://schemas.microsoft.com/office/powerpoint/2010/main" val="658380389"/>
+        <p14:creationId xmlns:p14="http://schemas.microsoft.com/office/powerpoint/2010/main" val="2257672445"/>
       </p:ext>
     </p:extLst>
   </p:cSld>
@@ -3185,9 +2417,325 @@
           <a:lstStyle/>
           <a:p>
             <a:r>
-              <a:rPr lang="en-US" dirty="0"/>
-              <a:t>Here are the steps one usually takes in a typical machine learning project.  Note that the entire process is completely dependent on “Lots” of data.  This truth can be stated simply as, “No data. No machine learning.”</a:t>
-            </a:r>
+              <a:rPr lang="en-US" sz="1200" b="0" i="0" u="none" strike="noStrike" kern="1200" baseline="0" dirty="0">
+                <a:solidFill>
+                  <a:schemeClr val="tx1"/>
+                </a:solidFill>
+                <a:latin typeface="+mn-lt"/>
+                <a:ea typeface="+mn-ea"/>
+                <a:cs typeface="+mn-cs"/>
+              </a:rPr>
+              <a:t>Another typical supervised learning task is to predict a </a:t>
+            </a:r>
+            <a:r>
+              <a:rPr lang="en-US" sz="1200" b="0" i="1" u="none" strike="noStrike" kern="1200" baseline="0" dirty="0">
+                <a:solidFill>
+                  <a:schemeClr val="tx1"/>
+                </a:solidFill>
+                <a:latin typeface="+mn-lt"/>
+                <a:ea typeface="+mn-ea"/>
+                <a:cs typeface="+mn-cs"/>
+              </a:rPr>
+              <a:t>target </a:t>
+            </a:r>
+            <a:r>
+              <a:rPr lang="en-US" sz="1200" b="0" i="0" u="none" strike="noStrike" kern="1200" baseline="0" dirty="0">
+                <a:solidFill>
+                  <a:schemeClr val="tx1"/>
+                </a:solidFill>
+                <a:latin typeface="+mn-lt"/>
+                <a:ea typeface="+mn-ea"/>
+                <a:cs typeface="+mn-cs"/>
+              </a:rPr>
+              <a:t>numeric value, such as the price of a car, given a set of </a:t>
+            </a:r>
+            <a:r>
+              <a:rPr lang="en-US" sz="1200" b="0" i="1" u="none" strike="noStrike" kern="1200" baseline="0" dirty="0">
+                <a:solidFill>
+                  <a:schemeClr val="tx1"/>
+                </a:solidFill>
+                <a:latin typeface="+mn-lt"/>
+                <a:ea typeface="+mn-ea"/>
+                <a:cs typeface="+mn-cs"/>
+              </a:rPr>
+              <a:t>features </a:t>
+            </a:r>
+            <a:r>
+              <a:rPr lang="en-US" sz="1200" b="0" i="0" u="none" strike="noStrike" kern="1200" baseline="0" dirty="0">
+                <a:solidFill>
+                  <a:schemeClr val="tx1"/>
+                </a:solidFill>
+                <a:latin typeface="+mn-lt"/>
+                <a:ea typeface="+mn-ea"/>
+                <a:cs typeface="+mn-cs"/>
+              </a:rPr>
+              <a:t>(mileage, age, brand, etc.) called </a:t>
+            </a:r>
+            <a:r>
+              <a:rPr lang="en-US" sz="1200" b="0" i="1" u="none" strike="noStrike" kern="1200" baseline="0" dirty="0">
+                <a:solidFill>
+                  <a:schemeClr val="tx1"/>
+                </a:solidFill>
+                <a:latin typeface="+mn-lt"/>
+                <a:ea typeface="+mn-ea"/>
+                <a:cs typeface="+mn-cs"/>
+              </a:rPr>
+              <a:t>predictors</a:t>
+            </a:r>
+            <a:r>
+              <a:rPr lang="en-US" sz="1200" b="0" i="0" u="none" strike="noStrike" kern="1200" baseline="0" dirty="0">
+                <a:solidFill>
+                  <a:schemeClr val="tx1"/>
+                </a:solidFill>
+                <a:latin typeface="+mn-lt"/>
+                <a:ea typeface="+mn-ea"/>
+                <a:cs typeface="+mn-cs"/>
+              </a:rPr>
+              <a:t>. This sort of task is called </a:t>
+            </a:r>
+            <a:r>
+              <a:rPr lang="en-US" sz="1200" b="0" i="1" u="none" strike="noStrike" kern="1200" baseline="0" dirty="0">
+                <a:solidFill>
+                  <a:schemeClr val="tx1"/>
+                </a:solidFill>
+                <a:latin typeface="+mn-lt"/>
+                <a:ea typeface="+mn-ea"/>
+                <a:cs typeface="+mn-cs"/>
+              </a:rPr>
+              <a:t>regression</a:t>
+            </a:r>
+            <a:r>
+              <a:rPr lang="en-US" sz="1200" b="0" i="0" u="none" strike="noStrike" kern="1200" baseline="0" dirty="0">
+                <a:solidFill>
+                  <a:schemeClr val="tx1"/>
+                </a:solidFill>
+                <a:latin typeface="+mn-lt"/>
+                <a:ea typeface="+mn-ea"/>
+                <a:cs typeface="+mn-cs"/>
+              </a:rPr>
+              <a:t>.  To train the system, you need to give it many examples of cars, including both their predictors and their labels (i.e., their prices).</a:t>
+            </a:r>
+          </a:p>
+          <a:p>
+            <a:endParaRPr lang="en-US" sz="1200" b="0" i="0" u="none" strike="noStrike" kern="1200" baseline="0" dirty="0">
+              <a:solidFill>
+                <a:schemeClr val="tx1"/>
+              </a:solidFill>
+              <a:effectLst/>
+              <a:latin typeface="+mn-lt"/>
+              <a:ea typeface="+mn-ea"/>
+              <a:cs typeface="+mn-cs"/>
+            </a:endParaRPr>
+          </a:p>
+          <a:p>
+            <a:r>
+              <a:rPr lang="en-US" sz="1200" b="0" i="0" u="none" strike="noStrike" kern="1200" baseline="0" dirty="0">
+                <a:solidFill>
+                  <a:schemeClr val="tx1"/>
+                </a:solidFill>
+                <a:latin typeface="+mn-lt"/>
+                <a:ea typeface="+mn-ea"/>
+                <a:cs typeface="+mn-cs"/>
+              </a:rPr>
+              <a:t>In Machine Learning an </a:t>
+            </a:r>
+            <a:r>
+              <a:rPr lang="en-US" sz="1200" b="0" i="1" u="none" strike="noStrike" kern="1200" baseline="0" dirty="0">
+                <a:solidFill>
+                  <a:schemeClr val="tx1"/>
+                </a:solidFill>
+                <a:latin typeface="+mn-lt"/>
+                <a:ea typeface="+mn-ea"/>
+                <a:cs typeface="+mn-cs"/>
+              </a:rPr>
+              <a:t>attribute </a:t>
+            </a:r>
+            <a:r>
+              <a:rPr lang="en-US" sz="1200" b="0" i="0" u="none" strike="noStrike" kern="1200" baseline="0" dirty="0">
+                <a:solidFill>
+                  <a:schemeClr val="tx1"/>
+                </a:solidFill>
+                <a:latin typeface="+mn-lt"/>
+                <a:ea typeface="+mn-ea"/>
+                <a:cs typeface="+mn-cs"/>
+              </a:rPr>
+              <a:t>is a data type (e.g., “mileage”), while a </a:t>
+            </a:r>
+            <a:r>
+              <a:rPr lang="en-US" sz="1200" b="0" i="1" u="none" strike="noStrike" kern="1200" baseline="0" dirty="0">
+                <a:solidFill>
+                  <a:schemeClr val="tx1"/>
+                </a:solidFill>
+                <a:latin typeface="+mn-lt"/>
+                <a:ea typeface="+mn-ea"/>
+                <a:cs typeface="+mn-cs"/>
+              </a:rPr>
+              <a:t>feature </a:t>
+            </a:r>
+            <a:r>
+              <a:rPr lang="en-US" sz="1200" b="0" i="0" u="none" strike="noStrike" kern="1200" baseline="0" dirty="0">
+                <a:solidFill>
+                  <a:schemeClr val="tx1"/>
+                </a:solidFill>
+                <a:latin typeface="+mn-lt"/>
+                <a:ea typeface="+mn-ea"/>
+                <a:cs typeface="+mn-cs"/>
+              </a:rPr>
+              <a:t>has several meanings, depending on the context, but generally means an attribute plus its value (e.g., “mileage = 15,000”). Many people use the words </a:t>
+            </a:r>
+            <a:r>
+              <a:rPr lang="en-US" sz="1200" b="0" i="1" u="none" strike="noStrike" kern="1200" baseline="0" dirty="0">
+                <a:solidFill>
+                  <a:schemeClr val="tx1"/>
+                </a:solidFill>
+                <a:latin typeface="+mn-lt"/>
+                <a:ea typeface="+mn-ea"/>
+                <a:cs typeface="+mn-cs"/>
+              </a:rPr>
+              <a:t>attribute </a:t>
+            </a:r>
+            <a:r>
+              <a:rPr lang="en-US" sz="1200" b="0" i="0" u="none" strike="noStrike" kern="1200" baseline="0" dirty="0">
+                <a:solidFill>
+                  <a:schemeClr val="tx1"/>
+                </a:solidFill>
+                <a:latin typeface="+mn-lt"/>
+                <a:ea typeface="+mn-ea"/>
+                <a:cs typeface="+mn-cs"/>
+              </a:rPr>
+              <a:t>and </a:t>
+            </a:r>
+            <a:r>
+              <a:rPr lang="en-US" sz="1200" b="0" i="1" u="none" strike="noStrike" kern="1200" baseline="0" dirty="0">
+                <a:solidFill>
+                  <a:schemeClr val="tx1"/>
+                </a:solidFill>
+                <a:latin typeface="+mn-lt"/>
+                <a:ea typeface="+mn-ea"/>
+                <a:cs typeface="+mn-cs"/>
+              </a:rPr>
+              <a:t>feature </a:t>
+            </a:r>
+            <a:r>
+              <a:rPr lang="en-US" sz="1200" b="0" i="0" u="none" strike="noStrike" kern="1200" baseline="0" dirty="0">
+                <a:solidFill>
+                  <a:schemeClr val="tx1"/>
+                </a:solidFill>
+                <a:latin typeface="+mn-lt"/>
+                <a:ea typeface="+mn-ea"/>
+                <a:cs typeface="+mn-cs"/>
+              </a:rPr>
+              <a:t>interchangeably.  Feature is used predominantly in the AI literature.</a:t>
+            </a:r>
+          </a:p>
+          <a:p>
+            <a:endParaRPr lang="en-US" sz="1200" b="0" i="0" u="none" strike="noStrike" kern="1200" baseline="0" dirty="0">
+              <a:solidFill>
+                <a:schemeClr val="tx1"/>
+              </a:solidFill>
+              <a:latin typeface="+mn-lt"/>
+              <a:ea typeface="+mn-ea"/>
+              <a:cs typeface="+mn-cs"/>
+            </a:endParaRPr>
+          </a:p>
+          <a:p>
+            <a:r>
+              <a:rPr lang="en-US" sz="1200" b="0" i="0" u="none" strike="noStrike" kern="1200" baseline="0" dirty="0">
+                <a:solidFill>
+                  <a:schemeClr val="tx1"/>
+                </a:solidFill>
+                <a:latin typeface="+mn-lt"/>
+                <a:ea typeface="+mn-ea"/>
+                <a:cs typeface="+mn-cs"/>
+              </a:rPr>
+              <a:t>Some other examples of supervised learning algorithms include:</a:t>
+            </a:r>
+          </a:p>
+          <a:p>
+            <a:endParaRPr lang="en-US" sz="1200" b="0" i="0" u="none" strike="noStrike" kern="1200" baseline="0" dirty="0">
+              <a:solidFill>
+                <a:schemeClr val="tx1"/>
+              </a:solidFill>
+              <a:latin typeface="+mn-lt"/>
+              <a:ea typeface="+mn-ea"/>
+              <a:cs typeface="+mn-cs"/>
+            </a:endParaRPr>
+          </a:p>
+          <a:p>
+            <a:r>
+              <a:rPr lang="en-US" sz="1200" b="0" i="0" u="none" strike="noStrike" kern="1200" baseline="0" dirty="0">
+                <a:solidFill>
+                  <a:schemeClr val="tx1"/>
+                </a:solidFill>
+                <a:latin typeface="+mn-lt"/>
+                <a:ea typeface="+mn-ea"/>
+                <a:cs typeface="+mn-cs"/>
+              </a:rPr>
+              <a:t>• Linear Regression</a:t>
+            </a:r>
+          </a:p>
+          <a:p>
+            <a:r>
+              <a:rPr lang="en-US" sz="1200" b="0" i="0" u="none" strike="noStrike" kern="1200" baseline="0" dirty="0">
+                <a:solidFill>
+                  <a:schemeClr val="tx1"/>
+                </a:solidFill>
+                <a:latin typeface="+mn-lt"/>
+                <a:ea typeface="+mn-ea"/>
+                <a:cs typeface="+mn-cs"/>
+              </a:rPr>
+              <a:t>• Logistic Regression</a:t>
+            </a:r>
+          </a:p>
+          <a:p>
+            <a:r>
+              <a:rPr lang="en-US" sz="1200" b="0" i="0" u="none" strike="noStrike" kern="1200" baseline="0" dirty="0">
+                <a:solidFill>
+                  <a:schemeClr val="tx1"/>
+                </a:solidFill>
+                <a:latin typeface="+mn-lt"/>
+                <a:ea typeface="+mn-ea"/>
+                <a:cs typeface="+mn-cs"/>
+              </a:rPr>
+              <a:t>• Support Vector Machines (SVMs)</a:t>
+            </a:r>
+          </a:p>
+          <a:p>
+            <a:r>
+              <a:rPr lang="en-US" sz="1200" b="0" i="0" u="none" strike="noStrike" kern="1200" baseline="0" dirty="0">
+                <a:solidFill>
+                  <a:schemeClr val="tx1"/>
+                </a:solidFill>
+                <a:latin typeface="+mn-lt"/>
+                <a:ea typeface="+mn-ea"/>
+                <a:cs typeface="+mn-cs"/>
+              </a:rPr>
+              <a:t>• Decision Trees and Random Forests</a:t>
+            </a:r>
+          </a:p>
+          <a:p>
+            <a:r>
+              <a:rPr lang="en-US" sz="1200" b="0" i="0" u="none" strike="noStrike" kern="1200" baseline="0" dirty="0">
+                <a:solidFill>
+                  <a:schemeClr val="tx1"/>
+                </a:solidFill>
+                <a:latin typeface="+mn-lt"/>
+                <a:ea typeface="+mn-ea"/>
+                <a:cs typeface="+mn-cs"/>
+              </a:rPr>
+              <a:t>• Neural networks</a:t>
+            </a:r>
+          </a:p>
+          <a:p>
+            <a:endParaRPr lang="en-US" sz="1200" b="0" i="0" u="none" strike="noStrike" kern="1200" baseline="0" dirty="0">
+              <a:solidFill>
+                <a:schemeClr val="tx1"/>
+              </a:solidFill>
+              <a:effectLst/>
+              <a:latin typeface="+mn-lt"/>
+              <a:ea typeface="+mn-ea"/>
+              <a:cs typeface="+mn-cs"/>
+            </a:endParaRPr>
           </a:p>
         </p:txBody>
       </p:sp>
@@ -3217,7 +2765,7 @@
     </p:spTree>
     <p:extLst>
       <p:ext uri="{BB962C8B-B14F-4D97-AF65-F5344CB8AC3E}">
-        <p14:creationId xmlns:p14="http://schemas.microsoft.com/office/powerpoint/2010/main" val="1313138859"/>
+        <p14:creationId xmlns:p14="http://schemas.microsoft.com/office/powerpoint/2010/main" val="3239051252"/>
       </p:ext>
     </p:extLst>
   </p:cSld>
@@ -3271,39 +2819,94 @@
           <a:bodyPr/>
           <a:lstStyle/>
           <a:p>
-            <a:pPr marL="0" marR="0" indent="0">
+            <a:pPr marL="0" marR="0" lvl="0" indent="0" algn="l" defTabSz="914400" rtl="0" eaLnBrk="1" fontAlgn="auto" latinLnBrk="0" hangingPunct="1">
+              <a:lnSpc>
+                <a:spcPct val="100000"/>
+              </a:lnSpc>
               <a:spcBef>
                 <a:spcPts val="0"/>
               </a:spcBef>
               <a:spcAft>
                 <a:spcPts val="0"/>
               </a:spcAft>
+              <a:buClrTx/>
+              <a:buSzTx/>
+              <a:buFontTx/>
               <a:buNone/>
+              <a:tabLst/>
+              <a:defRPr/>
             </a:pPr>
             <a:r>
-              <a:rPr lang="en-US" sz="1200" dirty="0">
+              <a:rPr lang="en-US" sz="1200" b="0" i="0" kern="1200" dirty="0">
+                <a:solidFill>
+                  <a:schemeClr val="tx1"/>
+                </a:solidFill>
                 <a:effectLst/>
-                <a:latin typeface="Palatino Linotype" panose="02040502050505030304" pitchFamily="18" charset="0"/>
-                <a:ea typeface="Calibri" panose="020F0502020204030204" pitchFamily="34" charset="0"/>
-              </a:rPr>
-              <a:t>15 minutes: students develop a model with teachable machine.</a:t>
-            </a:r>
-          </a:p>
-          <a:p>
-            <a:pPr marL="0" marR="0" indent="0">
+                <a:latin typeface="+mn-lt"/>
+                <a:ea typeface="+mn-ea"/>
+                <a:cs typeface="+mn-cs"/>
+              </a:rPr>
+              <a:t>The second kind of learning is unsupervised learning. Unsupervised learning is an algorithm which discovers hidden patterns in a dataset that is not labelled (annotated).  In other words, the algorithm is presented with a set of inputs but no correct answers or desired outputs – it must discover the structure and patterns in the data on its own.  Consider, for example, the following dataset.</a:t>
+            </a:r>
+          </a:p>
+          <a:p>
+            <a:pPr marL="0" marR="0" lvl="0" indent="0" algn="l" defTabSz="914400" rtl="0" eaLnBrk="1" fontAlgn="auto" latinLnBrk="0" hangingPunct="1">
+              <a:lnSpc>
+                <a:spcPct val="100000"/>
+              </a:lnSpc>
               <a:spcBef>
                 <a:spcPts val="0"/>
               </a:spcBef>
               <a:spcAft>
                 <a:spcPts val="0"/>
               </a:spcAft>
+              <a:buClrTx/>
+              <a:buSzTx/>
+              <a:buFontTx/>
               <a:buNone/>
+              <a:tabLst/>
+              <a:defRPr/>
             </a:pPr>
-            <a:endParaRPr lang="en-US" sz="1200" dirty="0">
+            <a:endParaRPr lang="en-US" sz="1200" b="0" i="0" kern="1200" dirty="0">
+              <a:solidFill>
+                <a:schemeClr val="tx1"/>
+              </a:solidFill>
               <a:effectLst/>
-              <a:latin typeface="Palatino Linotype" panose="02040502050505030304" pitchFamily="18" charset="0"/>
-              <a:ea typeface="Calibri" panose="020F0502020204030204" pitchFamily="34" charset="0"/>
+              <a:latin typeface="+mn-lt"/>
+              <a:ea typeface="+mn-ea"/>
+              <a:cs typeface="+mn-cs"/>
             </a:endParaRPr>
+          </a:p>
+          <a:p>
+            <a:pPr marL="0" marR="0" lvl="0" indent="0" algn="l" defTabSz="914400" rtl="0" eaLnBrk="1" fontAlgn="auto" latinLnBrk="0" hangingPunct="1">
+              <a:lnSpc>
+                <a:spcPct val="100000"/>
+              </a:lnSpc>
+              <a:spcBef>
+                <a:spcPts val="0"/>
+              </a:spcBef>
+              <a:spcAft>
+                <a:spcPts val="0"/>
+              </a:spcAft>
+              <a:buClrTx/>
+              <a:buSzTx/>
+              <a:buFontTx/>
+              <a:buNone/>
+              <a:tabLst/>
+              <a:defRPr/>
+            </a:pPr>
+            <a:r>
+              <a:rPr lang="en-US" sz="1200" b="0" i="0" kern="1200" dirty="0">
+                <a:solidFill>
+                  <a:schemeClr val="tx1"/>
+                </a:solidFill>
+                <a:effectLst/>
+                <a:latin typeface="+mn-lt"/>
+                <a:ea typeface="+mn-ea"/>
+                <a:cs typeface="+mn-cs"/>
+              </a:rPr>
+              <a:t>  </a:t>
+            </a:r>
           </a:p>
         </p:txBody>
       </p:sp>
@@ -3333,7 +2936,7 @@
     </p:spTree>
     <p:extLst>
       <p:ext uri="{BB962C8B-B14F-4D97-AF65-F5344CB8AC3E}">
-        <p14:creationId xmlns:p14="http://schemas.microsoft.com/office/powerpoint/2010/main" val="1066522800"/>
+        <p14:creationId xmlns:p14="http://schemas.microsoft.com/office/powerpoint/2010/main" val="1563469195"/>
       </p:ext>
     </p:extLst>
   </p:cSld>
@@ -3387,66 +2990,60 @@
           <a:bodyPr/>
           <a:lstStyle/>
           <a:p>
-            <a:pPr marL="0" marR="0" lvl="0" indent="0" algn="l" defTabSz="914400" rtl="0" eaLnBrk="1" fontAlgn="auto" latinLnBrk="0" hangingPunct="1">
-              <a:lnSpc>
-                <a:spcPct val="100000"/>
-              </a:lnSpc>
-              <a:spcBef>
-                <a:spcPts val="0"/>
-              </a:spcBef>
-              <a:spcAft>
-                <a:spcPts val="0"/>
-              </a:spcAft>
-              <a:buClrTx/>
-              <a:buSzTx/>
-              <a:buFontTx/>
-              <a:buNone/>
-              <a:tabLst/>
-              <a:defRPr/>
-            </a:pPr>
-            <a:r>
-              <a:rPr lang="en-US" sz="1200" b="0" i="0" kern="1200" dirty="0">
+            <a:r>
+              <a:rPr lang="en-US" sz="1200" b="0" i="0" u="none" strike="noStrike" kern="1200" baseline="0" dirty="0">
                 <a:solidFill>
                   <a:schemeClr val="tx1"/>
                 </a:solidFill>
-                <a:effectLst/>
                 <a:latin typeface="+mn-lt"/>
                 <a:ea typeface="+mn-ea"/>
                 <a:cs typeface="+mn-cs"/>
               </a:rPr>
-              <a:t>Now that you’ve trained a model using Google’s Teachable Machine, I want to introduce you to the different kinds of A.I. learning systems.  There are four principal types of machine learning (supervised, semi-supervised, unsupervised, and reinforcement).  Imagine these as four paint cans, with each taking a distinctive approach (color) to machine learning.  </a:t>
-            </a:r>
-          </a:p>
-          <a:p>
-            <a:pPr marL="0" marR="0" lvl="0" indent="0" algn="l" defTabSz="914400" rtl="0" eaLnBrk="1" fontAlgn="auto" latinLnBrk="0" hangingPunct="1">
-              <a:lnSpc>
-                <a:spcPct val="100000"/>
-              </a:lnSpc>
-              <a:spcBef>
-                <a:spcPts val="0"/>
-              </a:spcBef>
-              <a:spcAft>
-                <a:spcPts val="0"/>
-              </a:spcAft>
-              <a:buClrTx/>
-              <a:buSzTx/>
-              <a:buFontTx/>
-              <a:buNone/>
-              <a:tabLst/>
-              <a:defRPr/>
-            </a:pPr>
-            <a:r>
-              <a:rPr lang="en-US" sz="1200" b="0" i="0" kern="1200" dirty="0">
+              <a:t>Here we see an unlabeled training dataset of visitors to a popular blog.  In this case, we might want to run a </a:t>
+            </a:r>
+            <a:r>
+              <a:rPr lang="en-US" sz="1200" b="0" i="1" u="none" strike="noStrike" kern="1200" baseline="0" dirty="0">
                 <a:solidFill>
                   <a:schemeClr val="tx1"/>
                 </a:solidFill>
-                <a:effectLst/>
                 <a:latin typeface="+mn-lt"/>
                 <a:ea typeface="+mn-ea"/>
                 <a:cs typeface="+mn-cs"/>
               </a:rPr>
-              <a:t> </a:t>
-            </a:r>
+              <a:t>clustering</a:t>
+            </a:r>
+            <a:r>
+              <a:rPr lang="en-US" sz="1200" b="0" i="0" u="none" strike="noStrike" kern="1200" baseline="0" dirty="0">
+                <a:solidFill>
+                  <a:schemeClr val="tx1"/>
+                </a:solidFill>
+                <a:latin typeface="+mn-lt"/>
+                <a:ea typeface="+mn-ea"/>
+                <a:cs typeface="+mn-cs"/>
+              </a:rPr>
+              <a:t> algorithm to try and detect groups of similar visitors.  Through visual inspection, we can quickly identify at least four groups.  But will the AI algorithm be able to mimic this capability?</a:t>
+            </a:r>
+          </a:p>
+          <a:p>
+            <a:endParaRPr lang="en-US" sz="1200" b="0" i="0" u="none" strike="noStrike" kern="1200" baseline="0" dirty="0">
+              <a:solidFill>
+                <a:schemeClr val="tx1"/>
+              </a:solidFill>
+              <a:latin typeface="+mn-lt"/>
+              <a:ea typeface="+mn-ea"/>
+              <a:cs typeface="+mn-cs"/>
+            </a:endParaRPr>
+          </a:p>
+          <a:p>
+            <a:endParaRPr lang="en-US" sz="1200" b="0" i="0" u="none" strike="noStrike" kern="1200" baseline="0" dirty="0">
+              <a:solidFill>
+                <a:schemeClr val="tx1"/>
+              </a:solidFill>
+              <a:effectLst/>
+              <a:latin typeface="+mn-lt"/>
+              <a:ea typeface="+mn-ea"/>
+              <a:cs typeface="+mn-cs"/>
+            </a:endParaRPr>
           </a:p>
         </p:txBody>
       </p:sp>
@@ -3476,7 +3073,7 @@
     </p:spTree>
     <p:extLst>
       <p:ext uri="{BB962C8B-B14F-4D97-AF65-F5344CB8AC3E}">
-        <p14:creationId xmlns:p14="http://schemas.microsoft.com/office/powerpoint/2010/main" val="2187921301"/>
+        <p14:creationId xmlns:p14="http://schemas.microsoft.com/office/powerpoint/2010/main" val="1625541369"/>
       </p:ext>
     </p:extLst>
   </p:cSld>
@@ -3531,42 +3128,48 @@
           <a:lstStyle/>
           <a:p>
             <a:r>
-              <a:rPr lang="en-US" sz="1200" b="0" i="0" kern="1200" dirty="0">
+              <a:rPr lang="en-US" sz="1200" b="0" i="0" u="none" strike="noStrike" kern="1200" baseline="0" dirty="0">
                 <a:solidFill>
                   <a:schemeClr val="tx1"/>
                 </a:solidFill>
-                <a:effectLst/>
                 <a:latin typeface="+mn-lt"/>
                 <a:ea typeface="+mn-ea"/>
                 <a:cs typeface="+mn-cs"/>
               </a:rPr>
-              <a:t>To get us started, consider these high-level definitions.  Semi-supervised learning, of course, lies in-between supervised and unsupervised learning.  </a:t>
-            </a:r>
-          </a:p>
-          <a:p>
-            <a:endParaRPr lang="en-US" sz="1200" b="0" i="0" kern="1200" dirty="0">
+              <a:t>… it appears that a </a:t>
+            </a:r>
+            <a:r>
+              <a:rPr lang="en-US" sz="1200" b="0" i="1" u="none" strike="noStrike" kern="1200" baseline="0" dirty="0">
+                <a:solidFill>
+                  <a:schemeClr val="tx1"/>
+                </a:solidFill>
+                <a:latin typeface="+mn-lt"/>
+                <a:ea typeface="+mn-ea"/>
+                <a:cs typeface="+mn-cs"/>
+              </a:rPr>
+              <a:t>clustering</a:t>
+            </a:r>
+            <a:r>
+              <a:rPr lang="en-US" sz="1200" b="0" i="0" u="none" strike="noStrike" kern="1200" baseline="0" dirty="0">
+                <a:solidFill>
+                  <a:schemeClr val="tx1"/>
+                </a:solidFill>
+                <a:latin typeface="+mn-lt"/>
+                <a:ea typeface="+mn-ea"/>
+                <a:cs typeface="+mn-cs"/>
+              </a:rPr>
+              <a:t> algorithm has in fact detected those four groups, separated by the dashed lines. At no point did we tell the algorithm which group a visitor belongs to: it finds those connections without our help.  For example, it might find that 40% of the blog’s visitors are males who love comic books and generally read the blog in the evening, while 20% are young sci-fi lovers who visit during the weekend.  Let’s consider another example…</a:t>
+            </a:r>
+          </a:p>
+          <a:p>
+            <a:endParaRPr lang="en-US" sz="1200" b="0" i="0" u="none" strike="noStrike" kern="1200" baseline="0" dirty="0">
               <a:solidFill>
                 <a:schemeClr val="tx1"/>
               </a:solidFill>
-              <a:effectLst/>
               <a:latin typeface="+mn-lt"/>
               <a:ea typeface="+mn-ea"/>
               <a:cs typeface="+mn-cs"/>
             </a:endParaRPr>
-          </a:p>
-          <a:p>
-            <a:r>
-              <a:rPr lang="en-US" sz="1200" b="0" i="0" kern="1200" dirty="0">
-                <a:solidFill>
-                  <a:schemeClr val="tx1"/>
-                </a:solidFill>
-                <a:effectLst/>
-                <a:latin typeface="+mn-lt"/>
-                <a:ea typeface="+mn-ea"/>
-                <a:cs typeface="+mn-cs"/>
-              </a:rPr>
-              <a:t>Let’s dive into the details…</a:t>
-            </a:r>
           </a:p>
         </p:txBody>
       </p:sp>
@@ -3596,7 +3199,7 @@
     </p:spTree>
     <p:extLst>
       <p:ext uri="{BB962C8B-B14F-4D97-AF65-F5344CB8AC3E}">
-        <p14:creationId xmlns:p14="http://schemas.microsoft.com/office/powerpoint/2010/main" val="2830584034"/>
+        <p14:creationId xmlns:p14="http://schemas.microsoft.com/office/powerpoint/2010/main" val="2823922892"/>
       </p:ext>
     </p:extLst>
   </p:cSld>
@@ -3650,6 +3253,40 @@
           <a:bodyPr/>
           <a:lstStyle/>
           <a:p>
+            <a:r>
+              <a:rPr lang="en-US" sz="1200" b="0" i="1" u="none" strike="noStrike" kern="1200" baseline="0" dirty="0">
+                <a:solidFill>
+                  <a:schemeClr val="tx1"/>
+                </a:solidFill>
+                <a:latin typeface="+mn-lt"/>
+                <a:ea typeface="+mn-ea"/>
+                <a:cs typeface="+mn-cs"/>
+              </a:rPr>
+              <a:t>Visualization </a:t>
+            </a:r>
+            <a:r>
+              <a:rPr lang="en-US" sz="1200" b="0" i="0" u="none" strike="noStrike" kern="1200" baseline="0" dirty="0">
+                <a:solidFill>
+                  <a:schemeClr val="tx1"/>
+                </a:solidFill>
+                <a:latin typeface="+mn-lt"/>
+                <a:ea typeface="+mn-ea"/>
+                <a:cs typeface="+mn-cs"/>
+              </a:rPr>
+              <a:t>algorithms are also good examples of unsupervised learning algorithms: you feed them a lot of complex and unlabeled data, and they output a 2D or 3D representation of your data that can easily be plotted.  These algorithms try to preserve as much structure as they can so you can understand how the data is organized.</a:t>
+            </a:r>
+          </a:p>
+          <a:p>
+            <a:endParaRPr lang="en-US" sz="1200" b="0" i="0" u="none" strike="noStrike" kern="1200" baseline="0" dirty="0">
+              <a:solidFill>
+                <a:schemeClr val="tx1"/>
+              </a:solidFill>
+              <a:latin typeface="+mn-lt"/>
+              <a:ea typeface="+mn-ea"/>
+              <a:cs typeface="+mn-cs"/>
+            </a:endParaRPr>
+          </a:p>
+          <a:p>
             <a:pPr marL="0" marR="0" lvl="0" indent="0" algn="l" defTabSz="914400" rtl="0" eaLnBrk="1" fontAlgn="auto" latinLnBrk="0" hangingPunct="1">
               <a:lnSpc>
                 <a:spcPct val="100000"/>
@@ -3668,36 +3305,78 @@
               <a:defRPr/>
             </a:pPr>
             <a:r>
-              <a:rPr lang="en-US" sz="1200" b="0" i="0" kern="1200" dirty="0">
+              <a:rPr lang="en-US" sz="1200" b="0" i="0" u="none" strike="noStrike" kern="1200" baseline="0" dirty="0">
                 <a:solidFill>
                   <a:schemeClr val="tx1"/>
                 </a:solidFill>
-                <a:effectLst/>
                 <a:latin typeface="+mn-lt"/>
                 <a:ea typeface="+mn-ea"/>
                 <a:cs typeface="+mn-cs"/>
               </a:rPr>
-              <a:t>The first kind of learning is supervised learning.  Supervised learning are algorithms which work with data that is labelled (annotated).  In this example, we present the algorithm with the image of a dog and its label.  The label is the correct answer.  And through the process of training, the system uses these labels to assess its predictions, correcting and then adjusting itself as it does so.  Eventually, the algorithm is fully trained and should make accurate predictions.  </a:t>
-            </a:r>
-          </a:p>
-          <a:p>
-            <a:pPr marL="0" marR="0" lvl="0" indent="0" algn="l" defTabSz="914400" rtl="0" eaLnBrk="1" fontAlgn="auto" latinLnBrk="0" hangingPunct="1">
-              <a:lnSpc>
-                <a:spcPct val="100000"/>
-              </a:lnSpc>
-              <a:spcBef>
-                <a:spcPts val="0"/>
-              </a:spcBef>
-              <a:spcAft>
-                <a:spcPts val="0"/>
-              </a:spcAft>
-              <a:buClrTx/>
-              <a:buSzTx/>
-              <a:buFontTx/>
-              <a:buNone/>
-              <a:tabLst/>
-              <a:defRPr/>
-            </a:pPr>
+              <a:t>Some other examples of unsupervised learning algorithms include:</a:t>
+            </a:r>
+          </a:p>
+          <a:p>
+            <a:endParaRPr lang="en-US" sz="1200" b="0" i="0" u="none" strike="noStrike" kern="1200" baseline="0" dirty="0">
+              <a:solidFill>
+                <a:schemeClr val="tx1"/>
+              </a:solidFill>
+              <a:latin typeface="+mn-lt"/>
+              <a:ea typeface="+mn-ea"/>
+              <a:cs typeface="+mn-cs"/>
+            </a:endParaRPr>
+          </a:p>
+          <a:p>
+            <a:r>
+              <a:rPr lang="en-US" sz="1200" b="0" i="0" u="none" strike="noStrike" kern="1200" baseline="0" dirty="0">
+                <a:solidFill>
+                  <a:schemeClr val="tx1"/>
+                </a:solidFill>
+                <a:latin typeface="+mn-lt"/>
+                <a:ea typeface="+mn-ea"/>
+                <a:cs typeface="+mn-cs"/>
+              </a:rPr>
+              <a:t>• Clustering</a:t>
+            </a:r>
+          </a:p>
+          <a:p>
+            <a:r>
+              <a:rPr lang="en-US" sz="1200" b="0" i="0" u="none" strike="noStrike" kern="1200" baseline="0" dirty="0">
+                <a:solidFill>
+                  <a:schemeClr val="tx1"/>
+                </a:solidFill>
+                <a:latin typeface="+mn-lt"/>
+                <a:ea typeface="+mn-ea"/>
+                <a:cs typeface="+mn-cs"/>
+              </a:rPr>
+              <a:t>• Anomaly detection and novelty detection</a:t>
+            </a:r>
+          </a:p>
+          <a:p>
+            <a:r>
+              <a:rPr lang="en-US" sz="1200" b="0" i="0" u="none" strike="noStrike" kern="1200" baseline="0" dirty="0">
+                <a:solidFill>
+                  <a:schemeClr val="tx1"/>
+                </a:solidFill>
+                <a:latin typeface="+mn-lt"/>
+                <a:ea typeface="+mn-ea"/>
+                <a:cs typeface="+mn-cs"/>
+              </a:rPr>
+              <a:t>• Visualization and dimensionality reduction</a:t>
+            </a:r>
+          </a:p>
+          <a:p>
+            <a:r>
+              <a:rPr lang="en-US" sz="1200" b="0" i="0" u="none" strike="noStrike" kern="1200" baseline="0" dirty="0">
+                <a:solidFill>
+                  <a:schemeClr val="tx1"/>
+                </a:solidFill>
+                <a:latin typeface="+mn-lt"/>
+                <a:ea typeface="+mn-ea"/>
+                <a:cs typeface="+mn-cs"/>
+              </a:rPr>
+              <a:t>• Association rule learning</a:t>
+            </a:r>
             <a:endParaRPr lang="en-US" sz="1200" b="0" i="0" kern="1200" dirty="0">
               <a:solidFill>
                 <a:schemeClr val="tx1"/>
@@ -3709,122 +3388,7 @@
             </a:endParaRPr>
           </a:p>
           <a:p>
-            <a:pPr marL="0" marR="0" lvl="0" indent="0" algn="l" defTabSz="914400" rtl="0" eaLnBrk="1" fontAlgn="auto" latinLnBrk="0" hangingPunct="1">
-              <a:lnSpc>
-                <a:spcPct val="100000"/>
-              </a:lnSpc>
-              <a:spcBef>
-                <a:spcPts val="0"/>
-              </a:spcBef>
-              <a:spcAft>
-                <a:spcPts val="0"/>
-              </a:spcAft>
-              <a:buClrTx/>
-              <a:buSzTx/>
-              <a:buFontTx/>
-              <a:buNone/>
-              <a:tabLst/>
-              <a:defRPr/>
-            </a:pPr>
-            <a:r>
-              <a:rPr lang="en-US" sz="1200" b="0" i="0" kern="1200" dirty="0">
-                <a:solidFill>
-                  <a:schemeClr val="tx1"/>
-                </a:solidFill>
-                <a:effectLst/>
-                <a:latin typeface="+mn-lt"/>
-                <a:ea typeface="+mn-ea"/>
-                <a:cs typeface="+mn-cs"/>
-              </a:rPr>
-              <a:t>Here’s a concrete example…</a:t>
-            </a:r>
-          </a:p>
-          <a:p>
-            <a:pPr marL="0" marR="0" lvl="0" indent="0" algn="l" defTabSz="914400" rtl="0" eaLnBrk="1" fontAlgn="auto" latinLnBrk="0" hangingPunct="1">
-              <a:lnSpc>
-                <a:spcPct val="100000"/>
-              </a:lnSpc>
-              <a:spcBef>
-                <a:spcPts val="0"/>
-              </a:spcBef>
-              <a:spcAft>
-                <a:spcPts val="0"/>
-              </a:spcAft>
-              <a:buClrTx/>
-              <a:buSzTx/>
-              <a:buFontTx/>
-              <a:buNone/>
-              <a:tabLst/>
-              <a:defRPr/>
-            </a:pPr>
-            <a:endParaRPr lang="en-US" sz="1200" b="0" i="0" kern="1200" dirty="0">
-              <a:solidFill>
-                <a:schemeClr val="tx1"/>
-              </a:solidFill>
-              <a:effectLst/>
-              <a:latin typeface="+mn-lt"/>
-              <a:ea typeface="+mn-ea"/>
-              <a:cs typeface="+mn-cs"/>
-            </a:endParaRPr>
-          </a:p>
-          <a:p>
-            <a:pPr marL="0" marR="0" lvl="0" indent="0" algn="l" defTabSz="914400" rtl="0" eaLnBrk="1" fontAlgn="auto" latinLnBrk="0" hangingPunct="1">
-              <a:lnSpc>
-                <a:spcPct val="100000"/>
-              </a:lnSpc>
-              <a:spcBef>
-                <a:spcPts val="0"/>
-              </a:spcBef>
-              <a:spcAft>
-                <a:spcPts val="0"/>
-              </a:spcAft>
-              <a:buClrTx/>
-              <a:buSzTx/>
-              <a:buFontTx/>
-              <a:buNone/>
-              <a:tabLst/>
-              <a:defRPr/>
-            </a:pPr>
-            <a:endParaRPr lang="en-US" sz="1200" b="0" i="0" kern="1200" dirty="0">
-              <a:solidFill>
-                <a:schemeClr val="tx1"/>
-              </a:solidFill>
-              <a:effectLst/>
-              <a:latin typeface="+mn-lt"/>
-              <a:ea typeface="+mn-ea"/>
-              <a:cs typeface="+mn-cs"/>
-            </a:endParaRPr>
-          </a:p>
-          <a:p>
-            <a:pPr marL="0" marR="0" lvl="0" indent="0" algn="l" defTabSz="914400" rtl="0" eaLnBrk="1" fontAlgn="auto" latinLnBrk="0" hangingPunct="1">
-              <a:lnSpc>
-                <a:spcPct val="100000"/>
-              </a:lnSpc>
-              <a:spcBef>
-                <a:spcPts val="0"/>
-              </a:spcBef>
-              <a:spcAft>
-                <a:spcPts val="0"/>
-              </a:spcAft>
-              <a:buClrTx/>
-              <a:buSzTx/>
-              <a:buFontTx/>
-              <a:buNone/>
-              <a:tabLst/>
-              <a:defRPr/>
-            </a:pPr>
-            <a:r>
-              <a:rPr lang="en-US" sz="1200" b="0" i="0" kern="1200" dirty="0">
-                <a:solidFill>
-                  <a:schemeClr val="tx1"/>
-                </a:solidFill>
-                <a:effectLst/>
-                <a:latin typeface="+mn-lt"/>
-                <a:ea typeface="+mn-ea"/>
-                <a:cs typeface="+mn-cs"/>
-              </a:rPr>
-              <a:t>  </a:t>
-            </a:r>
+            <a:endParaRPr lang="en-US" dirty="0"/>
           </a:p>
         </p:txBody>
       </p:sp>
@@ -3854,7 +3418,7 @@
     </p:spTree>
     <p:extLst>
       <p:ext uri="{BB962C8B-B14F-4D97-AF65-F5344CB8AC3E}">
-        <p14:creationId xmlns:p14="http://schemas.microsoft.com/office/powerpoint/2010/main" val="471665249"/>
+        <p14:creationId xmlns:p14="http://schemas.microsoft.com/office/powerpoint/2010/main" val="4024190093"/>
       </p:ext>
     </p:extLst>
   </p:cSld>
@@ -4011,7 +3575,7 @@
           <a:p>
             <a:fld id="{C3F78080-8D0A-4BE8-A5B4-CB115102D524}" type="datetimeFigureOut">
               <a:rPr lang="en-US" smtClean="0"/>
-              <a:t>8/8/2021</a:t>
+              <a:t>11/21/2021</a:t>
             </a:fld>
             <a:endParaRPr lang="en-US"/>
           </a:p>
@@ -4209,7 +3773,7 @@
           <a:p>
             <a:fld id="{C3F78080-8D0A-4BE8-A5B4-CB115102D524}" type="datetimeFigureOut">
               <a:rPr lang="en-US" smtClean="0"/>
-              <a:t>8/8/2021</a:t>
+              <a:t>11/21/2021</a:t>
             </a:fld>
             <a:endParaRPr lang="en-US"/>
           </a:p>
@@ -4417,7 +3981,7 @@
           <a:p>
             <a:fld id="{C3F78080-8D0A-4BE8-A5B4-CB115102D524}" type="datetimeFigureOut">
               <a:rPr lang="en-US" smtClean="0"/>
-              <a:t>8/8/2021</a:t>
+              <a:t>11/21/2021</a:t>
             </a:fld>
             <a:endParaRPr lang="en-US"/>
           </a:p>
@@ -4615,7 +4179,7 @@
           <a:p>
             <a:fld id="{C3F78080-8D0A-4BE8-A5B4-CB115102D524}" type="datetimeFigureOut">
               <a:rPr lang="en-US" smtClean="0"/>
-              <a:t>8/8/2021</a:t>
+              <a:t>11/21/2021</a:t>
             </a:fld>
             <a:endParaRPr lang="en-US"/>
           </a:p>
@@ -4890,7 +4454,7 @@
           <a:p>
             <a:fld id="{C3F78080-8D0A-4BE8-A5B4-CB115102D524}" type="datetimeFigureOut">
               <a:rPr lang="en-US" smtClean="0"/>
-              <a:t>8/8/2021</a:t>
+              <a:t>11/21/2021</a:t>
             </a:fld>
             <a:endParaRPr lang="en-US"/>
           </a:p>
@@ -5155,7 +4719,7 @@
           <a:p>
             <a:fld id="{C3F78080-8D0A-4BE8-A5B4-CB115102D524}" type="datetimeFigureOut">
               <a:rPr lang="en-US" smtClean="0"/>
-              <a:t>8/8/2021</a:t>
+              <a:t>11/21/2021</a:t>
             </a:fld>
             <a:endParaRPr lang="en-US"/>
           </a:p>
@@ -5567,7 +5131,7 @@
           <a:p>
             <a:fld id="{C3F78080-8D0A-4BE8-A5B4-CB115102D524}" type="datetimeFigureOut">
               <a:rPr lang="en-US" smtClean="0"/>
-              <a:t>8/8/2021</a:t>
+              <a:t>11/21/2021</a:t>
             </a:fld>
             <a:endParaRPr lang="en-US"/>
           </a:p>
@@ -5708,7 +5272,7 @@
           <a:p>
             <a:fld id="{C3F78080-8D0A-4BE8-A5B4-CB115102D524}" type="datetimeFigureOut">
               <a:rPr lang="en-US" smtClean="0"/>
-              <a:t>8/8/2021</a:t>
+              <a:t>11/21/2021</a:t>
             </a:fld>
             <a:endParaRPr lang="en-US"/>
           </a:p>
@@ -5821,7 +5385,7 @@
           <a:p>
             <a:fld id="{C3F78080-8D0A-4BE8-A5B4-CB115102D524}" type="datetimeFigureOut">
               <a:rPr lang="en-US" smtClean="0"/>
-              <a:t>8/8/2021</a:t>
+              <a:t>11/21/2021</a:t>
             </a:fld>
             <a:endParaRPr lang="en-US"/>
           </a:p>
@@ -6132,7 +5696,7 @@
           <a:p>
             <a:fld id="{C3F78080-8D0A-4BE8-A5B4-CB115102D524}" type="datetimeFigureOut">
               <a:rPr lang="en-US" smtClean="0"/>
-              <a:t>8/8/2021</a:t>
+              <a:t>11/21/2021</a:t>
             </a:fld>
             <a:endParaRPr lang="en-US"/>
           </a:p>
@@ -6420,7 +5984,7 @@
           <a:p>
             <a:fld id="{C3F78080-8D0A-4BE8-A5B4-CB115102D524}" type="datetimeFigureOut">
               <a:rPr lang="en-US" smtClean="0"/>
-              <a:t>8/8/2021</a:t>
+              <a:t>11/21/2021</a:t>
             </a:fld>
             <a:endParaRPr lang="en-US"/>
           </a:p>
@@ -6661,7 +6225,7 @@
           <a:p>
             <a:fld id="{C3F78080-8D0A-4BE8-A5B4-CB115102D524}" type="datetimeFigureOut">
               <a:rPr lang="en-US" smtClean="0"/>
-              <a:t>8/8/2021</a:t>
+              <a:t>11/21/2021</a:t>
             </a:fld>
             <a:endParaRPr lang="en-US"/>
           </a:p>
@@ -7080,66 +6644,24 @@
       </p:grpSpPr>
       <p:sp>
         <p:nvSpPr>
-          <p:cNvPr id="2" name="Title 1">
-            <a:extLst>
-              <a:ext uri="{FF2B5EF4-FFF2-40B4-BE49-F238E27FC236}">
-                <a16:creationId xmlns:a16="http://schemas.microsoft.com/office/drawing/2014/main" id="{0F853981-B13F-4917-804F-EBF0D4819E7E}"/>
-              </a:ext>
-            </a:extLst>
-          </p:cNvPr>
-          <p:cNvSpPr>
-            <a:spLocks noGrp="1"/>
-          </p:cNvSpPr>
-          <p:nvPr>
-            <p:ph type="title"/>
+          <p:cNvPr id="3" name="Text Placeholder 2">
+            <a:extLst>
+              <a:ext uri="{FF2B5EF4-FFF2-40B4-BE49-F238E27FC236}">
+                <a16:creationId xmlns:a16="http://schemas.microsoft.com/office/drawing/2014/main" id="{098BC2D2-CCF7-4C63-8489-B46BF394FCA2}"/>
+              </a:ext>
+            </a:extLst>
+          </p:cNvPr>
+          <p:cNvSpPr>
+            <a:spLocks noGrp="1"/>
+          </p:cNvSpPr>
+          <p:nvPr>
+            <p:ph type="body" idx="1"/>
           </p:nvPr>
         </p:nvSpPr>
         <p:spPr>
           <a:xfrm>
-            <a:off x="831850" y="1709739"/>
-            <a:ext cx="10515600" cy="1500188"/>
-          </a:xfrm>
-          <a:noFill/>
-        </p:spPr>
-        <p:txBody>
-          <a:bodyPr>
-            <a:normAutofit/>
-          </a:bodyPr>
-          <a:lstStyle/>
-          <a:p>
-            <a:r>
-              <a:rPr lang="en-US" sz="5400" dirty="0">
-                <a:solidFill>
-                  <a:srgbClr val="6C9AC3"/>
-                </a:solidFill>
-                <a:latin typeface="Palatino Linotype" panose="02040502050505030304" pitchFamily="18" charset="0"/>
-                <a:cs typeface="Segoe UI Light" panose="020B0502040204020203" pitchFamily="34" charset="0"/>
-              </a:rPr>
-              <a:t>What is AI?</a:t>
-            </a:r>
-          </a:p>
-        </p:txBody>
-      </p:sp>
-      <p:sp>
-        <p:nvSpPr>
-          <p:cNvPr id="3" name="Text Placeholder 2">
-            <a:extLst>
-              <a:ext uri="{FF2B5EF4-FFF2-40B4-BE49-F238E27FC236}">
-                <a16:creationId xmlns:a16="http://schemas.microsoft.com/office/drawing/2014/main" id="{098BC2D2-CCF7-4C63-8489-B46BF394FCA2}"/>
-              </a:ext>
-            </a:extLst>
-          </p:cNvPr>
-          <p:cNvSpPr>
-            <a:spLocks noGrp="1"/>
-          </p:cNvSpPr>
-          <p:nvPr>
-            <p:ph type="body" idx="1"/>
-          </p:nvPr>
-        </p:nvSpPr>
-        <p:spPr>
-          <a:xfrm>
-            <a:off x="831850" y="3429000"/>
-            <a:ext cx="10515600" cy="2660652"/>
+            <a:off x="844550" y="5105707"/>
+            <a:ext cx="10515600" cy="670560"/>
           </a:xfrm>
         </p:spPr>
         <p:txBody>
@@ -7156,10 +6678,46 @@
           </a:p>
         </p:txBody>
       </p:sp>
+      <p:pic>
+        <p:nvPicPr>
+          <p:cNvPr id="7" name="Picture 6" descr="A picture containing text, clipart&#10;&#10;Description automatically generated">
+            <a:extLst>
+              <a:ext uri="{FF2B5EF4-FFF2-40B4-BE49-F238E27FC236}">
+                <a16:creationId xmlns:a16="http://schemas.microsoft.com/office/drawing/2014/main" id="{77FCCB67-39FD-4BE1-9A26-C0B1DF410887}"/>
+              </a:ext>
+            </a:extLst>
+          </p:cNvPr>
+          <p:cNvPicPr>
+            <a:picLocks noChangeAspect="1"/>
+          </p:cNvPicPr>
+          <p:nvPr/>
+        </p:nvPicPr>
+        <p:blipFill>
+          <a:blip r:embed="rId3">
+            <a:extLst>
+              <a:ext uri="{28A0092B-C50C-407E-A947-70E740481C1C}">
+                <a14:useLocalDpi xmlns:a14="http://schemas.microsoft.com/office/drawing/2010/main" val="0"/>
+              </a:ext>
+            </a:extLst>
+          </a:blip>
+          <a:stretch>
+            <a:fillRect/>
+          </a:stretch>
+        </p:blipFill>
+        <p:spPr>
+          <a:xfrm>
+            <a:off x="844551" y="3633112"/>
+            <a:ext cx="6154487" cy="1268482"/>
+          </a:xfrm>
+          <a:prstGeom prst="rect">
+            <a:avLst/>
+          </a:prstGeom>
+        </p:spPr>
+      </p:pic>
     </p:spTree>
     <p:extLst>
       <p:ext uri="{BB962C8B-B14F-4D97-AF65-F5344CB8AC3E}">
-        <p14:creationId xmlns:p14="http://schemas.microsoft.com/office/powerpoint/2010/main" val="954088865"/>
+        <p14:creationId xmlns:p14="http://schemas.microsoft.com/office/powerpoint/2010/main" val="4229412751"/>
       </p:ext>
     </p:extLst>
   </p:cSld>
@@ -7232,17 +6790,17 @@
                 <a:latin typeface="Palatino Linotype" panose="02040502050505030304" pitchFamily="18" charset="0"/>
                 <a:cs typeface="Segoe UI Light" panose="020B0502040204020203" pitchFamily="34" charset="0"/>
               </a:rPr>
-              <a:t>Supervised Learning</a:t>
+              <a:t>Semi-Supervised Learning</a:t>
             </a:r>
           </a:p>
         </p:txBody>
       </p:sp>
       <p:pic>
         <p:nvPicPr>
-          <p:cNvPr id="3" name="Picture 2">
-            <a:extLst>
-              <a:ext uri="{FF2B5EF4-FFF2-40B4-BE49-F238E27FC236}">
-                <a16:creationId xmlns:a16="http://schemas.microsoft.com/office/drawing/2014/main" id="{783729CF-DB62-41BE-BEA7-FAD770B63717}"/>
+          <p:cNvPr id="5" name="Picture 4">
+            <a:extLst>
+              <a:ext uri="{FF2B5EF4-FFF2-40B4-BE49-F238E27FC236}">
+                <a16:creationId xmlns:a16="http://schemas.microsoft.com/office/drawing/2014/main" id="{893814E3-F219-45ED-8098-13DEC3583CCB}"/>
               </a:ext>
             </a:extLst>
           </p:cNvPr>
@@ -7259,8 +6817,8 @@
         </p:blipFill>
         <p:spPr>
           <a:xfrm>
-            <a:off x="1801550" y="2379100"/>
-            <a:ext cx="8588899" cy="2743405"/>
+            <a:off x="2269053" y="2075326"/>
+            <a:ext cx="7653893" cy="3690992"/>
           </a:xfrm>
           <a:prstGeom prst="rect">
             <a:avLst/>
@@ -7269,10 +6827,10 @@
       </p:pic>
       <p:sp>
         <p:nvSpPr>
-          <p:cNvPr id="7" name="TextBox 6">
-            <a:extLst>
-              <a:ext uri="{FF2B5EF4-FFF2-40B4-BE49-F238E27FC236}">
-                <a16:creationId xmlns:a16="http://schemas.microsoft.com/office/drawing/2014/main" id="{EECDF27D-83A7-47B8-91B2-09145046C104}"/>
+          <p:cNvPr id="4" name="TextBox 3">
+            <a:extLst>
+              <a:ext uri="{FF2B5EF4-FFF2-40B4-BE49-F238E27FC236}">
+                <a16:creationId xmlns:a16="http://schemas.microsoft.com/office/drawing/2014/main" id="{44FC8811-03B9-4B74-AA36-570FAEE975D6}"/>
               </a:ext>
             </a:extLst>
           </p:cNvPr>
@@ -7281,8 +6839,8 @@
         </p:nvSpPr>
         <p:spPr>
           <a:xfrm>
-            <a:off x="1801550" y="5665458"/>
-            <a:ext cx="6419461" cy="371448"/>
+            <a:off x="0" y="6550223"/>
+            <a:ext cx="12192000" cy="307777"/>
           </a:xfrm>
           <a:prstGeom prst="rect">
             <a:avLst/>
@@ -7296,13 +6854,67 @@
           <a:lstStyle/>
           <a:p>
             <a:r>
-              <a:rPr lang="en-US" i="1" dirty="0">
-                <a:latin typeface="MinionPro-It"/>
-              </a:rPr>
-              <a:t>Figure 1-1. A labeled training set for spam classification.</a:t>
-            </a:r>
-            <a:endParaRPr lang="en-US" dirty="0">
-              <a:latin typeface="MinionPro-It"/>
+              <a:rPr lang="en-US" sz="1400" dirty="0">
+                <a:solidFill>
+                  <a:schemeClr val="tx1">
+                    <a:lumMod val="65000"/>
+                    <a:lumOff val="35000"/>
+                  </a:schemeClr>
+                </a:solidFill>
+                <a:latin typeface="+mj-lt"/>
+                <a:ea typeface="Verdana" panose="020B0604030504040204" pitchFamily="34" charset="0"/>
+              </a:rPr>
+              <a:t>Source: Geron, A. (2019). </a:t>
+            </a:r>
+            <a:r>
+              <a:rPr lang="en-US" sz="1400" i="1" dirty="0">
+                <a:solidFill>
+                  <a:schemeClr val="tx1">
+                    <a:lumMod val="65000"/>
+                    <a:lumOff val="35000"/>
+                  </a:schemeClr>
+                </a:solidFill>
+                <a:latin typeface="+mj-lt"/>
+                <a:ea typeface="Verdana" panose="020B0604030504040204" pitchFamily="34" charset="0"/>
+              </a:rPr>
+              <a:t>Hands-On Machine Learning w/Scikit-Learn, Keras &amp; Tensorflow </a:t>
+            </a:r>
+            <a:r>
+              <a:rPr lang="en-US" sz="1400" dirty="0">
+                <a:solidFill>
+                  <a:schemeClr val="tx1">
+                    <a:lumMod val="65000"/>
+                    <a:lumOff val="35000"/>
+                  </a:schemeClr>
+                </a:solidFill>
+                <a:latin typeface="+mj-lt"/>
+                <a:ea typeface="Verdana" panose="020B0604030504040204" pitchFamily="34" charset="0"/>
+              </a:rPr>
+              <a:t>. </a:t>
+            </a:r>
+            <a:r>
+              <a:rPr lang="en-US" sz="1400" b="0" i="0" dirty="0">
+                <a:solidFill>
+                  <a:schemeClr val="tx1">
+                    <a:lumMod val="65000"/>
+                    <a:lumOff val="35000"/>
+                  </a:schemeClr>
+                </a:solidFill>
+                <a:effectLst/>
+                <a:latin typeface="+mj-lt"/>
+                <a:ea typeface="Verdana" panose="020B0604030504040204" pitchFamily="34" charset="0"/>
+              </a:rPr>
+              <a:t>Sebastopol, CA: O'Reilly Media, Inc. (Chapter 1)</a:t>
+            </a:r>
+            <a:endParaRPr lang="en-US" sz="1400" dirty="0">
+              <a:solidFill>
+                <a:schemeClr val="tx1">
+                  <a:lumMod val="65000"/>
+                  <a:lumOff val="35000"/>
+                </a:schemeClr>
+              </a:solidFill>
+              <a:latin typeface="+mj-lt"/>
+              <a:ea typeface="Verdana" panose="020B0604030504040204" pitchFamily="34" charset="0"/>
             </a:endParaRPr>
           </a:p>
         </p:txBody>
@@ -7310,7 +6922,7 @@
     </p:spTree>
     <p:extLst>
       <p:ext uri="{BB962C8B-B14F-4D97-AF65-F5344CB8AC3E}">
-        <p14:creationId xmlns:p14="http://schemas.microsoft.com/office/powerpoint/2010/main" val="615087709"/>
+        <p14:creationId xmlns:p14="http://schemas.microsoft.com/office/powerpoint/2010/main" val="146374268"/>
       </p:ext>
     </p:extLst>
   </p:cSld>
@@ -7383,17 +6995,17 @@
                 <a:latin typeface="Palatino Linotype" panose="02040502050505030304" pitchFamily="18" charset="0"/>
                 <a:cs typeface="Segoe UI Light" panose="020B0502040204020203" pitchFamily="34" charset="0"/>
               </a:rPr>
-              <a:t>Supervised Learning</a:t>
+              <a:t>Reinforcement Learning</a:t>
             </a:r>
           </a:p>
         </p:txBody>
       </p:sp>
       <p:pic>
         <p:nvPicPr>
-          <p:cNvPr id="3" name="Picture 2">
-            <a:extLst>
-              <a:ext uri="{FF2B5EF4-FFF2-40B4-BE49-F238E27FC236}">
-                <a16:creationId xmlns:a16="http://schemas.microsoft.com/office/drawing/2014/main" id="{09795969-437A-4997-8374-F1E20DB6D276}"/>
+          <p:cNvPr id="7" name="Picture 6">
+            <a:extLst>
+              <a:ext uri="{FF2B5EF4-FFF2-40B4-BE49-F238E27FC236}">
+                <a16:creationId xmlns:a16="http://schemas.microsoft.com/office/drawing/2014/main" id="{4A30E165-C137-4B3A-9370-2DC85C26B6F7}"/>
               </a:ext>
             </a:extLst>
           </p:cNvPr>
@@ -7410,8 +7022,8 @@
         </p:blipFill>
         <p:spPr>
           <a:xfrm>
-            <a:off x="3108110" y="2166567"/>
-            <a:ext cx="6558405" cy="3326295"/>
+            <a:off x="3919131" y="1606799"/>
+            <a:ext cx="4835602" cy="4430099"/>
           </a:xfrm>
           <a:prstGeom prst="rect">
             <a:avLst/>
@@ -7420,10 +7032,10 @@
       </p:pic>
       <p:sp>
         <p:nvSpPr>
-          <p:cNvPr id="7" name="TextBox 6">
-            <a:extLst>
-              <a:ext uri="{FF2B5EF4-FFF2-40B4-BE49-F238E27FC236}">
-                <a16:creationId xmlns:a16="http://schemas.microsoft.com/office/drawing/2014/main" id="{27FA1CAB-D95C-4B75-935E-90398B1AB8D8}"/>
+          <p:cNvPr id="4" name="TextBox 3">
+            <a:extLst>
+              <a:ext uri="{FF2B5EF4-FFF2-40B4-BE49-F238E27FC236}">
+                <a16:creationId xmlns:a16="http://schemas.microsoft.com/office/drawing/2014/main" id="{F1506BC0-E305-4135-B55D-FD35C9D23B85}"/>
               </a:ext>
             </a:extLst>
           </p:cNvPr>
@@ -7432,8 +7044,8 @@
         </p:nvSpPr>
         <p:spPr>
           <a:xfrm>
-            <a:off x="3108110" y="5756988"/>
-            <a:ext cx="7024935" cy="369332"/>
+            <a:off x="0" y="6550223"/>
+            <a:ext cx="12192000" cy="307777"/>
           </a:xfrm>
           <a:prstGeom prst="rect">
             <a:avLst/>
@@ -7447,13 +7059,67 @@
           <a:lstStyle/>
           <a:p>
             <a:r>
-              <a:rPr lang="en-US" i="1" dirty="0">
-                <a:latin typeface="MinionPro-It"/>
-              </a:rPr>
-              <a:t>Figure 1-2. A regression problem: predict a value, given an input feature.</a:t>
-            </a:r>
-            <a:endParaRPr lang="en-US" dirty="0">
-              <a:latin typeface="MinionPro-It"/>
+              <a:rPr lang="en-US" sz="1400" dirty="0">
+                <a:solidFill>
+                  <a:schemeClr val="tx1">
+                    <a:lumMod val="65000"/>
+                    <a:lumOff val="35000"/>
+                  </a:schemeClr>
+                </a:solidFill>
+                <a:latin typeface="+mj-lt"/>
+                <a:ea typeface="Verdana" panose="020B0604030504040204" pitchFamily="34" charset="0"/>
+              </a:rPr>
+              <a:t>Source: Geron, A. (2019). </a:t>
+            </a:r>
+            <a:r>
+              <a:rPr lang="en-US" sz="1400" i="1" dirty="0">
+                <a:solidFill>
+                  <a:schemeClr val="tx1">
+                    <a:lumMod val="65000"/>
+                    <a:lumOff val="35000"/>
+                  </a:schemeClr>
+                </a:solidFill>
+                <a:latin typeface="+mj-lt"/>
+                <a:ea typeface="Verdana" panose="020B0604030504040204" pitchFamily="34" charset="0"/>
+              </a:rPr>
+              <a:t>Hands-On Machine Learning w/Scikit-Learn, Keras &amp; Tensorflow </a:t>
+            </a:r>
+            <a:r>
+              <a:rPr lang="en-US" sz="1400" dirty="0">
+                <a:solidFill>
+                  <a:schemeClr val="tx1">
+                    <a:lumMod val="65000"/>
+                    <a:lumOff val="35000"/>
+                  </a:schemeClr>
+                </a:solidFill>
+                <a:latin typeface="+mj-lt"/>
+                <a:ea typeface="Verdana" panose="020B0604030504040204" pitchFamily="34" charset="0"/>
+              </a:rPr>
+              <a:t>. </a:t>
+            </a:r>
+            <a:r>
+              <a:rPr lang="en-US" sz="1400" b="0" i="0" dirty="0">
+                <a:solidFill>
+                  <a:schemeClr val="tx1">
+                    <a:lumMod val="65000"/>
+                    <a:lumOff val="35000"/>
+                  </a:schemeClr>
+                </a:solidFill>
+                <a:effectLst/>
+                <a:latin typeface="+mj-lt"/>
+                <a:ea typeface="Verdana" panose="020B0604030504040204" pitchFamily="34" charset="0"/>
+              </a:rPr>
+              <a:t>Sebastopol, CA: O'Reilly Media, Inc. (Chapter 1)</a:t>
+            </a:r>
+            <a:endParaRPr lang="en-US" sz="1400" dirty="0">
+              <a:solidFill>
+                <a:schemeClr val="tx1">
+                  <a:lumMod val="65000"/>
+                  <a:lumOff val="35000"/>
+                </a:schemeClr>
+              </a:solidFill>
+              <a:latin typeface="+mj-lt"/>
+              <a:ea typeface="Verdana" panose="020B0604030504040204" pitchFamily="34" charset="0"/>
             </a:endParaRPr>
           </a:p>
         </p:txBody>
@@ -7461,7 +7127,7 @@
     </p:spTree>
     <p:extLst>
       <p:ext uri="{BB962C8B-B14F-4D97-AF65-F5344CB8AC3E}">
-        <p14:creationId xmlns:p14="http://schemas.microsoft.com/office/powerpoint/2010/main" val="3605780104"/>
+        <p14:creationId xmlns:p14="http://schemas.microsoft.com/office/powerpoint/2010/main" val="1603749275"/>
       </p:ext>
     </p:extLst>
   </p:cSld>
@@ -7518,713 +7184,6 @@
         </p:nvSpPr>
         <p:spPr>
           <a:xfrm>
-            <a:off x="0" y="440190"/>
-            <a:ext cx="12192000" cy="815404"/>
-          </a:xfrm>
-        </p:spPr>
-        <p:txBody>
-          <a:bodyPr>
-            <a:normAutofit/>
-          </a:bodyPr>
-          <a:lstStyle/>
-          <a:p>
-            <a:pPr algn="ctr"/>
-            <a:r>
-              <a:rPr lang="en-US" dirty="0">
-                <a:latin typeface="Palatino Linotype" panose="02040502050505030304" pitchFamily="18" charset="0"/>
-                <a:cs typeface="Segoe UI Light" panose="020B0502040204020203" pitchFamily="34" charset="0"/>
-              </a:rPr>
-              <a:t>Unsupervised Learning</a:t>
-            </a:r>
-          </a:p>
-        </p:txBody>
-      </p:sp>
-      <p:pic>
-        <p:nvPicPr>
-          <p:cNvPr id="4" name="Picture 3">
-            <a:extLst>
-              <a:ext uri="{FF2B5EF4-FFF2-40B4-BE49-F238E27FC236}">
-                <a16:creationId xmlns:a16="http://schemas.microsoft.com/office/drawing/2014/main" id="{020FE876-B9EF-492F-A22E-49EE94076E8B}"/>
-              </a:ext>
-            </a:extLst>
-          </p:cNvPr>
-          <p:cNvPicPr>
-            <a:picLocks noChangeAspect="1"/>
-          </p:cNvPicPr>
-          <p:nvPr/>
-        </p:nvPicPr>
-        <p:blipFill>
-          <a:blip r:embed="rId3"/>
-          <a:stretch>
-            <a:fillRect/>
-          </a:stretch>
-        </p:blipFill>
-        <p:spPr>
-          <a:xfrm>
-            <a:off x="4192778" y="2649667"/>
-            <a:ext cx="3781425" cy="2038350"/>
-          </a:xfrm>
-          <a:prstGeom prst="rect">
-            <a:avLst/>
-          </a:prstGeom>
-        </p:spPr>
-      </p:pic>
-    </p:spTree>
-    <p:extLst>
-      <p:ext uri="{BB962C8B-B14F-4D97-AF65-F5344CB8AC3E}">
-        <p14:creationId xmlns:p14="http://schemas.microsoft.com/office/powerpoint/2010/main" val="4005337452"/>
-      </p:ext>
-    </p:extLst>
-  </p:cSld>
-  <p:clrMapOvr>
-    <a:masterClrMapping/>
-  </p:clrMapOvr>
-  <mc:AlternateContent xmlns:mc="http://schemas.openxmlformats.org/markup-compatibility/2006" xmlns:p14="http://schemas.microsoft.com/office/powerpoint/2010/main">
-    <mc:Choice Requires="p14">
-      <p:transition spd="med" p14:dur="700">
-        <p:fade/>
-      </p:transition>
-    </mc:Choice>
-    <mc:Fallback xmlns="">
-      <p:transition spd="med">
-        <p:fade/>
-      </p:transition>
-    </mc:Fallback>
-  </mc:AlternateContent>
-</p:sld>
-</file>
-
-<file path=ppt/slides/slide13.xml><?xml version="1.0" encoding="utf-8"?>
-<p:sld xmlns:a="http://schemas.openxmlformats.org/drawingml/2006/main" xmlns:r="http://schemas.openxmlformats.org/officeDocument/2006/relationships" xmlns:p="http://schemas.openxmlformats.org/presentationml/2006/main">
-  <p:cSld>
-    <p:spTree>
-      <p:nvGrpSpPr>
-        <p:cNvPr id="1" name=""/>
-        <p:cNvGrpSpPr/>
-        <p:nvPr/>
-      </p:nvGrpSpPr>
-      <p:grpSpPr>
-        <a:xfrm>
-          <a:off x="0" y="0"/>
-          <a:ext cx="0" cy="0"/>
-          <a:chOff x="0" y="0"/>
-          <a:chExt cx="0" cy="0"/>
-        </a:xfrm>
-      </p:grpSpPr>
-      <p:sp>
-        <p:nvSpPr>
-          <p:cNvPr id="2" name="Title 1">
-            <a:extLst>
-              <a:ext uri="{FF2B5EF4-FFF2-40B4-BE49-F238E27FC236}">
-                <a16:creationId xmlns:a16="http://schemas.microsoft.com/office/drawing/2014/main" id="{28FF21C3-8FBB-4756-BF7C-FFD2E5CC2B06}"/>
-              </a:ext>
-            </a:extLst>
-          </p:cNvPr>
-          <p:cNvSpPr>
-            <a:spLocks noGrp="1"/>
-          </p:cNvSpPr>
-          <p:nvPr>
-            <p:ph type="title"/>
-          </p:nvPr>
-        </p:nvSpPr>
-        <p:spPr>
-          <a:xfrm>
-            <a:off x="0" y="440190"/>
-            <a:ext cx="12192000" cy="815404"/>
-          </a:xfrm>
-        </p:spPr>
-        <p:txBody>
-          <a:bodyPr>
-            <a:normAutofit/>
-          </a:bodyPr>
-          <a:lstStyle/>
-          <a:p>
-            <a:pPr algn="ctr"/>
-            <a:r>
-              <a:rPr lang="en-US" dirty="0">
-                <a:latin typeface="Palatino Linotype" panose="02040502050505030304" pitchFamily="18" charset="0"/>
-                <a:cs typeface="Segoe UI Light" panose="020B0502040204020203" pitchFamily="34" charset="0"/>
-              </a:rPr>
-              <a:t>Unsupervised Learning</a:t>
-            </a:r>
-          </a:p>
-        </p:txBody>
-      </p:sp>
-      <p:pic>
-        <p:nvPicPr>
-          <p:cNvPr id="3" name="Picture 2">
-            <a:extLst>
-              <a:ext uri="{FF2B5EF4-FFF2-40B4-BE49-F238E27FC236}">
-                <a16:creationId xmlns:a16="http://schemas.microsoft.com/office/drawing/2014/main" id="{95A9097A-6FD6-4082-A3E5-B7346D9922A4}"/>
-              </a:ext>
-            </a:extLst>
-          </p:cNvPr>
-          <p:cNvPicPr>
-            <a:picLocks noChangeAspect="1"/>
-          </p:cNvPicPr>
-          <p:nvPr/>
-        </p:nvPicPr>
-        <p:blipFill>
-          <a:blip r:embed="rId3"/>
-          <a:stretch>
-            <a:fillRect/>
-          </a:stretch>
-        </p:blipFill>
-        <p:spPr>
-          <a:xfrm>
-            <a:off x="2968150" y="2352345"/>
-            <a:ext cx="6087178" cy="2889070"/>
-          </a:xfrm>
-          <a:prstGeom prst="rect">
-            <a:avLst/>
-          </a:prstGeom>
-        </p:spPr>
-      </p:pic>
-    </p:spTree>
-    <p:extLst>
-      <p:ext uri="{BB962C8B-B14F-4D97-AF65-F5344CB8AC3E}">
-        <p14:creationId xmlns:p14="http://schemas.microsoft.com/office/powerpoint/2010/main" val="720656846"/>
-      </p:ext>
-    </p:extLst>
-  </p:cSld>
-  <p:clrMapOvr>
-    <a:masterClrMapping/>
-  </p:clrMapOvr>
-  <mc:AlternateContent xmlns:mc="http://schemas.openxmlformats.org/markup-compatibility/2006" xmlns:p14="http://schemas.microsoft.com/office/powerpoint/2010/main">
-    <mc:Choice Requires="p14">
-      <p:transition spd="med" p14:dur="700">
-        <p:fade/>
-      </p:transition>
-    </mc:Choice>
-    <mc:Fallback xmlns="">
-      <p:transition spd="med">
-        <p:fade/>
-      </p:transition>
-    </mc:Fallback>
-  </mc:AlternateContent>
-</p:sld>
-</file>
-
-<file path=ppt/slides/slide14.xml><?xml version="1.0" encoding="utf-8"?>
-<p:sld xmlns:a="http://schemas.openxmlformats.org/drawingml/2006/main" xmlns:r="http://schemas.openxmlformats.org/officeDocument/2006/relationships" xmlns:p="http://schemas.openxmlformats.org/presentationml/2006/main">
-  <p:cSld>
-    <p:spTree>
-      <p:nvGrpSpPr>
-        <p:cNvPr id="1" name=""/>
-        <p:cNvGrpSpPr/>
-        <p:nvPr/>
-      </p:nvGrpSpPr>
-      <p:grpSpPr>
-        <a:xfrm>
-          <a:off x="0" y="0"/>
-          <a:ext cx="0" cy="0"/>
-          <a:chOff x="0" y="0"/>
-          <a:chExt cx="0" cy="0"/>
-        </a:xfrm>
-      </p:grpSpPr>
-      <p:sp>
-        <p:nvSpPr>
-          <p:cNvPr id="2" name="Title 1">
-            <a:extLst>
-              <a:ext uri="{FF2B5EF4-FFF2-40B4-BE49-F238E27FC236}">
-                <a16:creationId xmlns:a16="http://schemas.microsoft.com/office/drawing/2014/main" id="{28FF21C3-8FBB-4756-BF7C-FFD2E5CC2B06}"/>
-              </a:ext>
-            </a:extLst>
-          </p:cNvPr>
-          <p:cNvSpPr>
-            <a:spLocks noGrp="1"/>
-          </p:cNvSpPr>
-          <p:nvPr>
-            <p:ph type="title"/>
-          </p:nvPr>
-        </p:nvSpPr>
-        <p:spPr>
-          <a:xfrm>
-            <a:off x="0" y="440190"/>
-            <a:ext cx="12192000" cy="815404"/>
-          </a:xfrm>
-        </p:spPr>
-        <p:txBody>
-          <a:bodyPr>
-            <a:normAutofit/>
-          </a:bodyPr>
-          <a:lstStyle/>
-          <a:p>
-            <a:pPr algn="ctr"/>
-            <a:r>
-              <a:rPr lang="en-US" dirty="0">
-                <a:latin typeface="Palatino Linotype" panose="02040502050505030304" pitchFamily="18" charset="0"/>
-                <a:cs typeface="Segoe UI Light" panose="020B0502040204020203" pitchFamily="34" charset="0"/>
-              </a:rPr>
-              <a:t>Unsupervised Learning</a:t>
-            </a:r>
-          </a:p>
-        </p:txBody>
-      </p:sp>
-      <p:pic>
-        <p:nvPicPr>
-          <p:cNvPr id="3" name="Picture 2">
-            <a:extLst>
-              <a:ext uri="{FF2B5EF4-FFF2-40B4-BE49-F238E27FC236}">
-                <a16:creationId xmlns:a16="http://schemas.microsoft.com/office/drawing/2014/main" id="{4FC615C4-0F52-42F0-AD58-8B5E167BA56B}"/>
-              </a:ext>
-            </a:extLst>
-          </p:cNvPr>
-          <p:cNvPicPr>
-            <a:picLocks noChangeAspect="1"/>
-          </p:cNvPicPr>
-          <p:nvPr/>
-        </p:nvPicPr>
-        <p:blipFill>
-          <a:blip r:embed="rId3"/>
-          <a:stretch>
-            <a:fillRect/>
-          </a:stretch>
-        </p:blipFill>
-        <p:spPr>
-          <a:xfrm>
-            <a:off x="3004301" y="2496731"/>
-            <a:ext cx="6183398" cy="2981865"/>
-          </a:xfrm>
-          <a:prstGeom prst="rect">
-            <a:avLst/>
-          </a:prstGeom>
-        </p:spPr>
-      </p:pic>
-    </p:spTree>
-    <p:extLst>
-      <p:ext uri="{BB962C8B-B14F-4D97-AF65-F5344CB8AC3E}">
-        <p14:creationId xmlns:p14="http://schemas.microsoft.com/office/powerpoint/2010/main" val="4246940051"/>
-      </p:ext>
-    </p:extLst>
-  </p:cSld>
-  <p:clrMapOvr>
-    <a:masterClrMapping/>
-  </p:clrMapOvr>
-  <mc:AlternateContent xmlns:mc="http://schemas.openxmlformats.org/markup-compatibility/2006" xmlns:p14="http://schemas.microsoft.com/office/powerpoint/2010/main">
-    <mc:Choice Requires="p14">
-      <p:transition spd="med" p14:dur="700">
-        <p:fade/>
-      </p:transition>
-    </mc:Choice>
-    <mc:Fallback xmlns="">
-      <p:transition spd="med">
-        <p:fade/>
-      </p:transition>
-    </mc:Fallback>
-  </mc:AlternateContent>
-</p:sld>
-</file>
-
-<file path=ppt/slides/slide15.xml><?xml version="1.0" encoding="utf-8"?>
-<p:sld xmlns:a="http://schemas.openxmlformats.org/drawingml/2006/main" xmlns:r="http://schemas.openxmlformats.org/officeDocument/2006/relationships" xmlns:p="http://schemas.openxmlformats.org/presentationml/2006/main">
-  <p:cSld>
-    <p:spTree>
-      <p:nvGrpSpPr>
-        <p:cNvPr id="1" name=""/>
-        <p:cNvGrpSpPr/>
-        <p:nvPr/>
-      </p:nvGrpSpPr>
-      <p:grpSpPr>
-        <a:xfrm>
-          <a:off x="0" y="0"/>
-          <a:ext cx="0" cy="0"/>
-          <a:chOff x="0" y="0"/>
-          <a:chExt cx="0" cy="0"/>
-        </a:xfrm>
-      </p:grpSpPr>
-      <p:sp>
-        <p:nvSpPr>
-          <p:cNvPr id="19" name="Title 1">
-            <a:extLst>
-              <a:ext uri="{FF2B5EF4-FFF2-40B4-BE49-F238E27FC236}">
-                <a16:creationId xmlns:a16="http://schemas.microsoft.com/office/drawing/2014/main" id="{1596E405-F35C-4BF5-AB4F-3B909D8A6505}"/>
-              </a:ext>
-            </a:extLst>
-          </p:cNvPr>
-          <p:cNvSpPr>
-            <a:spLocks noGrp="1"/>
-          </p:cNvSpPr>
-          <p:nvPr>
-            <p:ph type="title"/>
-          </p:nvPr>
-        </p:nvSpPr>
-        <p:spPr>
-          <a:xfrm>
-            <a:off x="0" y="440190"/>
-            <a:ext cx="12192000" cy="815404"/>
-          </a:xfrm>
-        </p:spPr>
-        <p:txBody>
-          <a:bodyPr>
-            <a:normAutofit/>
-          </a:bodyPr>
-          <a:lstStyle/>
-          <a:p>
-            <a:pPr algn="ctr"/>
-            <a:r>
-              <a:rPr lang="en-US" dirty="0">
-                <a:latin typeface="Palatino Linotype" panose="02040502050505030304" pitchFamily="18" charset="0"/>
-                <a:cs typeface="Segoe UI Light" panose="020B0502040204020203" pitchFamily="34" charset="0"/>
-              </a:rPr>
-              <a:t>Unsupervised Learning</a:t>
-            </a:r>
-          </a:p>
-        </p:txBody>
-      </p:sp>
-      <p:pic>
-        <p:nvPicPr>
-          <p:cNvPr id="2" name="Picture 1">
-            <a:extLst>
-              <a:ext uri="{FF2B5EF4-FFF2-40B4-BE49-F238E27FC236}">
-                <a16:creationId xmlns:a16="http://schemas.microsoft.com/office/drawing/2014/main" id="{639E0481-B443-4707-A805-D590CBDB6169}"/>
-              </a:ext>
-            </a:extLst>
-          </p:cNvPr>
-          <p:cNvPicPr>
-            <a:picLocks noChangeAspect="1"/>
-          </p:cNvPicPr>
-          <p:nvPr/>
-        </p:nvPicPr>
-        <p:blipFill>
-          <a:blip r:embed="rId3"/>
-          <a:stretch>
-            <a:fillRect/>
-          </a:stretch>
-        </p:blipFill>
-        <p:spPr>
-          <a:xfrm>
-            <a:off x="2903254" y="1872039"/>
-            <a:ext cx="5484359" cy="3595699"/>
-          </a:xfrm>
-          <a:prstGeom prst="rect">
-            <a:avLst/>
-          </a:prstGeom>
-        </p:spPr>
-      </p:pic>
-      <p:sp>
-        <p:nvSpPr>
-          <p:cNvPr id="3" name="Rectangle 2">
-            <a:extLst>
-              <a:ext uri="{FF2B5EF4-FFF2-40B4-BE49-F238E27FC236}">
-                <a16:creationId xmlns:a16="http://schemas.microsoft.com/office/drawing/2014/main" id="{CFA9AEAA-2326-4C95-AA59-AC0DAD268854}"/>
-              </a:ext>
-            </a:extLst>
-          </p:cNvPr>
-          <p:cNvSpPr/>
-          <p:nvPr/>
-        </p:nvSpPr>
-        <p:spPr>
-          <a:xfrm>
-            <a:off x="2903254" y="5714851"/>
-            <a:ext cx="6096000" cy="369332"/>
-          </a:xfrm>
-          <a:prstGeom prst="rect">
-            <a:avLst/>
-          </a:prstGeom>
-        </p:spPr>
-        <p:txBody>
-          <a:bodyPr>
-            <a:spAutoFit/>
-          </a:bodyPr>
-          <a:lstStyle/>
-          <a:p>
-            <a:r>
-              <a:rPr lang="en-US" i="1" dirty="0">
-                <a:latin typeface="MinionPro-It"/>
-                <a:cs typeface="Calibri" panose="020F0502020204030204" pitchFamily="34" charset="0"/>
-              </a:rPr>
-              <a:t>Figure 1-6. Data visualization.</a:t>
-            </a:r>
-            <a:endParaRPr lang="en-US" dirty="0">
-              <a:latin typeface="MinionPro-It"/>
-              <a:cs typeface="Calibri" panose="020F0502020204030204" pitchFamily="34" charset="0"/>
-            </a:endParaRPr>
-          </a:p>
-        </p:txBody>
-      </p:sp>
-    </p:spTree>
-    <p:extLst>
-      <p:ext uri="{BB962C8B-B14F-4D97-AF65-F5344CB8AC3E}">
-        <p14:creationId xmlns:p14="http://schemas.microsoft.com/office/powerpoint/2010/main" val="1859635518"/>
-      </p:ext>
-    </p:extLst>
-  </p:cSld>
-  <p:clrMapOvr>
-    <a:masterClrMapping/>
-  </p:clrMapOvr>
-  <mc:AlternateContent xmlns:mc="http://schemas.openxmlformats.org/markup-compatibility/2006" xmlns:p14="http://schemas.microsoft.com/office/powerpoint/2010/main">
-    <mc:Choice Requires="p14">
-      <p:transition spd="med" p14:dur="700">
-        <p:fade/>
-      </p:transition>
-    </mc:Choice>
-    <mc:Fallback xmlns="">
-      <p:transition spd="med">
-        <p:fade/>
-      </p:transition>
-    </mc:Fallback>
-  </mc:AlternateContent>
-</p:sld>
-</file>
-
-<file path=ppt/slides/slide16.xml><?xml version="1.0" encoding="utf-8"?>
-<p:sld xmlns:a="http://schemas.openxmlformats.org/drawingml/2006/main" xmlns:r="http://schemas.openxmlformats.org/officeDocument/2006/relationships" xmlns:p="http://schemas.openxmlformats.org/presentationml/2006/main">
-  <p:cSld>
-    <p:spTree>
-      <p:nvGrpSpPr>
-        <p:cNvPr id="1" name=""/>
-        <p:cNvGrpSpPr/>
-        <p:nvPr/>
-      </p:nvGrpSpPr>
-      <p:grpSpPr>
-        <a:xfrm>
-          <a:off x="0" y="0"/>
-          <a:ext cx="0" cy="0"/>
-          <a:chOff x="0" y="0"/>
-          <a:chExt cx="0" cy="0"/>
-        </a:xfrm>
-      </p:grpSpPr>
-      <p:sp>
-        <p:nvSpPr>
-          <p:cNvPr id="2" name="Title 1">
-            <a:extLst>
-              <a:ext uri="{FF2B5EF4-FFF2-40B4-BE49-F238E27FC236}">
-                <a16:creationId xmlns:a16="http://schemas.microsoft.com/office/drawing/2014/main" id="{28FF21C3-8FBB-4756-BF7C-FFD2E5CC2B06}"/>
-              </a:ext>
-            </a:extLst>
-          </p:cNvPr>
-          <p:cNvSpPr>
-            <a:spLocks noGrp="1"/>
-          </p:cNvSpPr>
-          <p:nvPr>
-            <p:ph type="title"/>
-          </p:nvPr>
-        </p:nvSpPr>
-        <p:spPr>
-          <a:xfrm>
-            <a:off x="0" y="440190"/>
-            <a:ext cx="12192000" cy="815404"/>
-          </a:xfrm>
-        </p:spPr>
-        <p:txBody>
-          <a:bodyPr>
-            <a:normAutofit/>
-          </a:bodyPr>
-          <a:lstStyle/>
-          <a:p>
-            <a:pPr algn="ctr"/>
-            <a:r>
-              <a:rPr lang="en-US" dirty="0">
-                <a:latin typeface="Palatino Linotype" panose="02040502050505030304" pitchFamily="18" charset="0"/>
-                <a:cs typeface="Segoe UI Light" panose="020B0502040204020203" pitchFamily="34" charset="0"/>
-              </a:rPr>
-              <a:t>Semi-Supervised Learning</a:t>
-            </a:r>
-          </a:p>
-        </p:txBody>
-      </p:sp>
-      <p:pic>
-        <p:nvPicPr>
-          <p:cNvPr id="5" name="Picture 4">
-            <a:extLst>
-              <a:ext uri="{FF2B5EF4-FFF2-40B4-BE49-F238E27FC236}">
-                <a16:creationId xmlns:a16="http://schemas.microsoft.com/office/drawing/2014/main" id="{893814E3-F219-45ED-8098-13DEC3583CCB}"/>
-              </a:ext>
-            </a:extLst>
-          </p:cNvPr>
-          <p:cNvPicPr>
-            <a:picLocks noChangeAspect="1"/>
-          </p:cNvPicPr>
-          <p:nvPr/>
-        </p:nvPicPr>
-        <p:blipFill>
-          <a:blip r:embed="rId3"/>
-          <a:stretch>
-            <a:fillRect/>
-          </a:stretch>
-        </p:blipFill>
-        <p:spPr>
-          <a:xfrm>
-            <a:off x="2269053" y="2075326"/>
-            <a:ext cx="7653893" cy="3690992"/>
-          </a:xfrm>
-          <a:prstGeom prst="rect">
-            <a:avLst/>
-          </a:prstGeom>
-        </p:spPr>
-      </p:pic>
-    </p:spTree>
-    <p:extLst>
-      <p:ext uri="{BB962C8B-B14F-4D97-AF65-F5344CB8AC3E}">
-        <p14:creationId xmlns:p14="http://schemas.microsoft.com/office/powerpoint/2010/main" val="146374268"/>
-      </p:ext>
-    </p:extLst>
-  </p:cSld>
-  <p:clrMapOvr>
-    <a:masterClrMapping/>
-  </p:clrMapOvr>
-  <mc:AlternateContent xmlns:mc="http://schemas.openxmlformats.org/markup-compatibility/2006" xmlns:p14="http://schemas.microsoft.com/office/powerpoint/2010/main">
-    <mc:Choice Requires="p14">
-      <p:transition spd="med" p14:dur="700">
-        <p:fade/>
-      </p:transition>
-    </mc:Choice>
-    <mc:Fallback xmlns="">
-      <p:transition spd="med">
-        <p:fade/>
-      </p:transition>
-    </mc:Fallback>
-  </mc:AlternateContent>
-</p:sld>
-</file>
-
-<file path=ppt/slides/slide17.xml><?xml version="1.0" encoding="utf-8"?>
-<p:sld xmlns:a="http://schemas.openxmlformats.org/drawingml/2006/main" xmlns:r="http://schemas.openxmlformats.org/officeDocument/2006/relationships" xmlns:p="http://schemas.openxmlformats.org/presentationml/2006/main">
-  <p:cSld>
-    <p:spTree>
-      <p:nvGrpSpPr>
-        <p:cNvPr id="1" name=""/>
-        <p:cNvGrpSpPr/>
-        <p:nvPr/>
-      </p:nvGrpSpPr>
-      <p:grpSpPr>
-        <a:xfrm>
-          <a:off x="0" y="0"/>
-          <a:ext cx="0" cy="0"/>
-          <a:chOff x="0" y="0"/>
-          <a:chExt cx="0" cy="0"/>
-        </a:xfrm>
-      </p:grpSpPr>
-      <p:sp>
-        <p:nvSpPr>
-          <p:cNvPr id="2" name="Title 1">
-            <a:extLst>
-              <a:ext uri="{FF2B5EF4-FFF2-40B4-BE49-F238E27FC236}">
-                <a16:creationId xmlns:a16="http://schemas.microsoft.com/office/drawing/2014/main" id="{28FF21C3-8FBB-4756-BF7C-FFD2E5CC2B06}"/>
-              </a:ext>
-            </a:extLst>
-          </p:cNvPr>
-          <p:cNvSpPr>
-            <a:spLocks noGrp="1"/>
-          </p:cNvSpPr>
-          <p:nvPr>
-            <p:ph type="title"/>
-          </p:nvPr>
-        </p:nvSpPr>
-        <p:spPr>
-          <a:xfrm>
-            <a:off x="0" y="440190"/>
-            <a:ext cx="12192000" cy="815404"/>
-          </a:xfrm>
-        </p:spPr>
-        <p:txBody>
-          <a:bodyPr>
-            <a:normAutofit/>
-          </a:bodyPr>
-          <a:lstStyle/>
-          <a:p>
-            <a:pPr algn="ctr"/>
-            <a:r>
-              <a:rPr lang="en-US" dirty="0">
-                <a:latin typeface="Palatino Linotype" panose="02040502050505030304" pitchFamily="18" charset="0"/>
-                <a:cs typeface="Segoe UI Light" panose="020B0502040204020203" pitchFamily="34" charset="0"/>
-              </a:rPr>
-              <a:t>Reinforcement Learning</a:t>
-            </a:r>
-          </a:p>
-        </p:txBody>
-      </p:sp>
-      <p:pic>
-        <p:nvPicPr>
-          <p:cNvPr id="7" name="Picture 6">
-            <a:extLst>
-              <a:ext uri="{FF2B5EF4-FFF2-40B4-BE49-F238E27FC236}">
-                <a16:creationId xmlns:a16="http://schemas.microsoft.com/office/drawing/2014/main" id="{4A30E165-C137-4B3A-9370-2DC85C26B6F7}"/>
-              </a:ext>
-            </a:extLst>
-          </p:cNvPr>
-          <p:cNvPicPr>
-            <a:picLocks noChangeAspect="1"/>
-          </p:cNvPicPr>
-          <p:nvPr/>
-        </p:nvPicPr>
-        <p:blipFill>
-          <a:blip r:embed="rId3"/>
-          <a:stretch>
-            <a:fillRect/>
-          </a:stretch>
-        </p:blipFill>
-        <p:spPr>
-          <a:xfrm>
-            <a:off x="3919131" y="1606799"/>
-            <a:ext cx="4835602" cy="4430099"/>
-          </a:xfrm>
-          <a:prstGeom prst="rect">
-            <a:avLst/>
-          </a:prstGeom>
-        </p:spPr>
-      </p:pic>
-    </p:spTree>
-    <p:extLst>
-      <p:ext uri="{BB962C8B-B14F-4D97-AF65-F5344CB8AC3E}">
-        <p14:creationId xmlns:p14="http://schemas.microsoft.com/office/powerpoint/2010/main" val="1603749275"/>
-      </p:ext>
-    </p:extLst>
-  </p:cSld>
-  <p:clrMapOvr>
-    <a:masterClrMapping/>
-  </p:clrMapOvr>
-  <mc:AlternateContent xmlns:mc="http://schemas.openxmlformats.org/markup-compatibility/2006" xmlns:p14="http://schemas.microsoft.com/office/powerpoint/2010/main">
-    <mc:Choice Requires="p14">
-      <p:transition spd="med" p14:dur="700">
-        <p:fade/>
-      </p:transition>
-    </mc:Choice>
-    <mc:Fallback xmlns="">
-      <p:transition spd="med">
-        <p:fade/>
-      </p:transition>
-    </mc:Fallback>
-  </mc:AlternateContent>
-</p:sld>
-</file>
-
-<file path=ppt/slides/slide18.xml><?xml version="1.0" encoding="utf-8"?>
-<p:sld xmlns:a="http://schemas.openxmlformats.org/drawingml/2006/main" xmlns:r="http://schemas.openxmlformats.org/officeDocument/2006/relationships" xmlns:p="http://schemas.openxmlformats.org/presentationml/2006/main">
-  <p:cSld>
-    <p:spTree>
-      <p:nvGrpSpPr>
-        <p:cNvPr id="1" name=""/>
-        <p:cNvGrpSpPr/>
-        <p:nvPr/>
-      </p:nvGrpSpPr>
-      <p:grpSpPr>
-        <a:xfrm>
-          <a:off x="0" y="0"/>
-          <a:ext cx="0" cy="0"/>
-          <a:chOff x="0" y="0"/>
-          <a:chExt cx="0" cy="0"/>
-        </a:xfrm>
-      </p:grpSpPr>
-      <p:sp>
-        <p:nvSpPr>
-          <p:cNvPr id="2" name="Title 1">
-            <a:extLst>
-              <a:ext uri="{FF2B5EF4-FFF2-40B4-BE49-F238E27FC236}">
-                <a16:creationId xmlns:a16="http://schemas.microsoft.com/office/drawing/2014/main" id="{28FF21C3-8FBB-4756-BF7C-FFD2E5CC2B06}"/>
-              </a:ext>
-            </a:extLst>
-          </p:cNvPr>
-          <p:cNvSpPr>
-            <a:spLocks noGrp="1"/>
-          </p:cNvSpPr>
-          <p:nvPr>
-            <p:ph type="title"/>
-          </p:nvPr>
-        </p:nvSpPr>
-        <p:spPr>
-          <a:xfrm>
             <a:off x="511791" y="440190"/>
             <a:ext cx="11061510" cy="815404"/>
           </a:xfrm>
@@ -8241,7 +7200,7 @@
                 <a:latin typeface="Palatino Linotype" panose="02040502050505030304" pitchFamily="18" charset="0"/>
                 <a:cs typeface="Segoe UI Light" panose="020B0502040204020203" pitchFamily="34" charset="0"/>
               </a:rPr>
-              <a:t>Applications – Practicum Intro</a:t>
+              <a:t>Applications</a:t>
             </a:r>
           </a:p>
         </p:txBody>
@@ -8301,7 +7260,7 @@
 </p:sld>
 </file>
 
-<file path=ppt/slides/slide19.xml><?xml version="1.0" encoding="utf-8"?>
+<file path=ppt/slides/slide13.xml><?xml version="1.0" encoding="utf-8"?>
 <p:sld xmlns:a="http://schemas.openxmlformats.org/drawingml/2006/main" xmlns:r="http://schemas.openxmlformats.org/officeDocument/2006/relationships" xmlns:p="http://schemas.openxmlformats.org/presentationml/2006/main">
   <p:cSld>
     <p:spTree>
@@ -8318,209 +7277,10 @@
           <a:chExt cx="0" cy="0"/>
         </a:xfrm>
       </p:grpSpPr>
-      <p:sp>
-        <p:nvSpPr>
-          <p:cNvPr id="5" name="Title 1">
-            <a:extLst>
-              <a:ext uri="{FF2B5EF4-FFF2-40B4-BE49-F238E27FC236}">
-                <a16:creationId xmlns:a16="http://schemas.microsoft.com/office/drawing/2014/main" id="{8BABBCD2-7D2C-459F-9C42-17A2338F39A5}"/>
-              </a:ext>
-            </a:extLst>
-          </p:cNvPr>
-          <p:cNvSpPr txBox="1">
-            <a:spLocks/>
-          </p:cNvSpPr>
-          <p:nvPr/>
-        </p:nvSpPr>
-        <p:spPr>
-          <a:xfrm>
-            <a:off x="518616" y="447014"/>
-            <a:ext cx="11054686" cy="767638"/>
-          </a:xfrm>
-          <a:prstGeom prst="rect">
-            <a:avLst/>
-          </a:prstGeom>
-          <a:ln>
-            <a:noFill/>
-          </a:ln>
-        </p:spPr>
-        <p:txBody>
-          <a:bodyPr vert="horz" lIns="91440" tIns="45720" rIns="91440" bIns="45720" rtlCol="0" anchor="ctr">
-            <a:normAutofit/>
-          </a:bodyPr>
-          <a:lstStyle>
-            <a:lvl1pPr algn="l" defTabSz="914400" rtl="0" eaLnBrk="1" latinLnBrk="0" hangingPunct="1">
-              <a:lnSpc>
-                <a:spcPct val="90000"/>
-              </a:lnSpc>
-              <a:spcBef>
-                <a:spcPct val="0"/>
-              </a:spcBef>
-              <a:buNone/>
-              <a:defRPr sz="4400" kern="1200">
-                <a:solidFill>
-                  <a:schemeClr val="tx1"/>
-                </a:solidFill>
-                <a:latin typeface="+mj-lt"/>
-                <a:ea typeface="+mj-ea"/>
-                <a:cs typeface="+mj-cs"/>
-              </a:defRPr>
-            </a:lvl1pPr>
-          </a:lstStyle>
-          <a:p>
-            <a:pPr algn="ctr"/>
-            <a:r>
-              <a:rPr lang="en-US" dirty="0">
-                <a:latin typeface="Palatino Linotype" panose="02040502050505030304" pitchFamily="18" charset="0"/>
-                <a:cs typeface="Segoe UI Light" panose="020B0502040204020203" pitchFamily="34" charset="0"/>
-              </a:rPr>
-              <a:t>Summary</a:t>
-            </a:r>
-          </a:p>
-        </p:txBody>
-      </p:sp>
-      <p:sp>
-        <p:nvSpPr>
-          <p:cNvPr id="4" name="Content Placeholder 3">
-            <a:extLst>
-              <a:ext uri="{FF2B5EF4-FFF2-40B4-BE49-F238E27FC236}">
-                <a16:creationId xmlns:a16="http://schemas.microsoft.com/office/drawing/2014/main" id="{20414504-ECEC-4701-8B42-B13F0354C16C}"/>
-              </a:ext>
-            </a:extLst>
-          </p:cNvPr>
-          <p:cNvSpPr>
-            <a:spLocks noGrp="1"/>
-          </p:cNvSpPr>
-          <p:nvPr>
-            <p:ph sz="half" idx="1"/>
-          </p:nvPr>
-        </p:nvSpPr>
-        <p:spPr>
-          <a:xfrm>
-            <a:off x="838200" y="1364105"/>
-            <a:ext cx="10546582" cy="5046881"/>
-          </a:xfrm>
-        </p:spPr>
-        <p:txBody>
-          <a:bodyPr>
-            <a:normAutofit/>
-          </a:bodyPr>
-          <a:lstStyle/>
-          <a:p>
-            <a:pPr marL="0" indent="0">
-              <a:buNone/>
-            </a:pPr>
-            <a:r>
-              <a:rPr lang="en-US" sz="2400" i="1" dirty="0">
-                <a:latin typeface="Palatino Linotype" panose="02040502050505030304" pitchFamily="18" charset="0"/>
-              </a:rPr>
-              <a:t>      </a:t>
-            </a:r>
-          </a:p>
-          <a:p>
-            <a:pPr marL="0" indent="0">
-              <a:buNone/>
-            </a:pPr>
-            <a:endParaRPr lang="en-US" sz="2400" dirty="0">
-              <a:latin typeface="Palatino Linotype" panose="02040502050505030304" pitchFamily="18" charset="0"/>
-            </a:endParaRPr>
-          </a:p>
-          <a:p>
-            <a:pPr>
-              <a:lnSpc>
-                <a:spcPct val="100000"/>
-              </a:lnSpc>
-              <a:spcBef>
-                <a:spcPts val="0"/>
-              </a:spcBef>
-              <a:buFont typeface="Courier New" panose="02070309020205020404" pitchFamily="49" charset="0"/>
-              <a:buChar char="o"/>
-            </a:pPr>
-            <a:r>
-              <a:rPr lang="en-US" sz="2400" dirty="0">
-                <a:latin typeface="Palatino Linotype" panose="02040502050505030304" pitchFamily="18" charset="0"/>
-              </a:rPr>
-              <a:t> </a:t>
-            </a:r>
-          </a:p>
-          <a:p>
-            <a:pPr>
-              <a:lnSpc>
-                <a:spcPct val="100000"/>
-              </a:lnSpc>
-              <a:spcBef>
-                <a:spcPts val="0"/>
-              </a:spcBef>
-              <a:buFont typeface="Courier New" panose="02070309020205020404" pitchFamily="49" charset="0"/>
-              <a:buChar char="o"/>
-            </a:pPr>
-            <a:r>
-              <a:rPr lang="en-US" sz="2400" dirty="0">
-                <a:latin typeface="Palatino Linotype" panose="02040502050505030304" pitchFamily="18" charset="0"/>
-              </a:rPr>
-              <a:t> </a:t>
-            </a:r>
-          </a:p>
-          <a:p>
-            <a:pPr>
-              <a:lnSpc>
-                <a:spcPct val="100000"/>
-              </a:lnSpc>
-              <a:spcBef>
-                <a:spcPts val="0"/>
-              </a:spcBef>
-              <a:buFont typeface="Courier New" panose="02070309020205020404" pitchFamily="49" charset="0"/>
-              <a:buChar char="o"/>
-            </a:pPr>
-            <a:r>
-              <a:rPr lang="en-US" sz="2400" dirty="0">
-                <a:latin typeface="Palatino Linotype" panose="02040502050505030304" pitchFamily="18" charset="0"/>
-              </a:rPr>
-              <a:t> </a:t>
-            </a:r>
-          </a:p>
-          <a:p>
-            <a:pPr>
-              <a:lnSpc>
-                <a:spcPct val="100000"/>
-              </a:lnSpc>
-              <a:spcBef>
-                <a:spcPts val="0"/>
-              </a:spcBef>
-              <a:buFont typeface="Courier New" panose="02070309020205020404" pitchFamily="49" charset="0"/>
-              <a:buChar char="o"/>
-            </a:pPr>
-            <a:r>
-              <a:rPr lang="en-US" sz="2400" dirty="0">
-                <a:latin typeface="Palatino Linotype" panose="02040502050505030304" pitchFamily="18" charset="0"/>
-              </a:rPr>
-              <a:t> </a:t>
-            </a:r>
-            <a:endParaRPr lang="en-US" dirty="0">
-              <a:latin typeface="Palatino Linotype" panose="02040502050505030304" pitchFamily="18" charset="0"/>
-            </a:endParaRPr>
-          </a:p>
-          <a:p>
-            <a:pPr marL="0" indent="0">
-              <a:lnSpc>
-                <a:spcPct val="100000"/>
-              </a:lnSpc>
-              <a:spcBef>
-                <a:spcPts val="0"/>
-              </a:spcBef>
-              <a:buNone/>
-            </a:pPr>
-            <a:br>
-              <a:rPr lang="en-US" dirty="0"/>
-            </a:br>
-            <a:endParaRPr lang="en-US" dirty="0"/>
-          </a:p>
-        </p:txBody>
-      </p:sp>
     </p:spTree>
     <p:extLst>
       <p:ext uri="{BB962C8B-B14F-4D97-AF65-F5344CB8AC3E}">
-        <p14:creationId xmlns:p14="http://schemas.microsoft.com/office/powerpoint/2010/main" val="2018001033"/>
+        <p14:creationId xmlns:p14="http://schemas.microsoft.com/office/powerpoint/2010/main" val="892354316"/>
       </p:ext>
     </p:extLst>
   </p:cSld>
@@ -8542,316 +7302,7 @@
 </p:sld>
 </file>
 
-<file path=ppt/slides/slide2.xml><?xml version="1.0" encoding="utf-8"?>
-<p:sld xmlns:a="http://schemas.openxmlformats.org/drawingml/2006/main" xmlns:r="http://schemas.openxmlformats.org/officeDocument/2006/relationships" xmlns:p="http://schemas.openxmlformats.org/presentationml/2006/main">
-  <p:cSld>
-    <p:spTree>
-      <p:nvGrpSpPr>
-        <p:cNvPr id="1" name=""/>
-        <p:cNvGrpSpPr/>
-        <p:nvPr/>
-      </p:nvGrpSpPr>
-      <p:grpSpPr>
-        <a:xfrm>
-          <a:off x="0" y="0"/>
-          <a:ext cx="0" cy="0"/>
-          <a:chOff x="0" y="0"/>
-          <a:chExt cx="0" cy="0"/>
-        </a:xfrm>
-      </p:grpSpPr>
-      <p:pic>
-        <p:nvPicPr>
-          <p:cNvPr id="7" name="Content Placeholder 6" descr="A picture containing graphical user interface&#10;&#10;Description automatically generated">
-            <a:extLst>
-              <a:ext uri="{FF2B5EF4-FFF2-40B4-BE49-F238E27FC236}">
-                <a16:creationId xmlns:a16="http://schemas.microsoft.com/office/drawing/2014/main" id="{A240B604-1258-4FAC-BA47-26EE475A1318}"/>
-              </a:ext>
-            </a:extLst>
-          </p:cNvPr>
-          <p:cNvPicPr>
-            <a:picLocks noGrp="1" noChangeAspect="1"/>
-          </p:cNvPicPr>
-          <p:nvPr>
-            <p:ph idx="1"/>
-          </p:nvPr>
-        </p:nvPicPr>
-        <p:blipFill>
-          <a:blip r:embed="rId3">
-            <a:extLst>
-              <a:ext uri="{28A0092B-C50C-407E-A947-70E740481C1C}">
-                <a14:useLocalDpi xmlns:a14="http://schemas.microsoft.com/office/drawing/2010/main" val="0"/>
-              </a:ext>
-            </a:extLst>
-          </a:blip>
-          <a:stretch>
-            <a:fillRect/>
-          </a:stretch>
-        </p:blipFill>
-        <p:spPr>
-          <a:xfrm>
-            <a:off x="2079380" y="1253331"/>
-            <a:ext cx="8033239" cy="4351338"/>
-          </a:xfrm>
-        </p:spPr>
-      </p:pic>
-    </p:spTree>
-    <p:extLst>
-      <p:ext uri="{BB962C8B-B14F-4D97-AF65-F5344CB8AC3E}">
-        <p14:creationId xmlns:p14="http://schemas.microsoft.com/office/powerpoint/2010/main" val="565182828"/>
-      </p:ext>
-    </p:extLst>
-  </p:cSld>
-  <p:clrMapOvr>
-    <a:masterClrMapping/>
-  </p:clrMapOvr>
-  <mc:AlternateContent xmlns:mc="http://schemas.openxmlformats.org/markup-compatibility/2006" xmlns:p14="http://schemas.microsoft.com/office/powerpoint/2010/main">
-    <mc:Choice Requires="p14">
-      <p:transition spd="med" p14:dur="700">
-        <p:fade/>
-      </p:transition>
-    </mc:Choice>
-    <mc:Fallback xmlns="">
-      <p:transition spd="med">
-        <p:fade/>
-      </p:transition>
-    </mc:Fallback>
-  </mc:AlternateContent>
-</p:sld>
-</file>
-
-<file path=ppt/slides/slide20.xml><?xml version="1.0" encoding="utf-8"?>
-<p:sld xmlns:a="http://schemas.openxmlformats.org/drawingml/2006/main" xmlns:r="http://schemas.openxmlformats.org/officeDocument/2006/relationships" xmlns:p="http://schemas.openxmlformats.org/presentationml/2006/main">
-  <p:cSld>
-    <p:spTree>
-      <p:nvGrpSpPr>
-        <p:cNvPr id="1" name=""/>
-        <p:cNvGrpSpPr/>
-        <p:nvPr/>
-      </p:nvGrpSpPr>
-      <p:grpSpPr>
-        <a:xfrm>
-          <a:off x="0" y="0"/>
-          <a:ext cx="0" cy="0"/>
-          <a:chOff x="0" y="0"/>
-          <a:chExt cx="0" cy="0"/>
-        </a:xfrm>
-      </p:grpSpPr>
-      <p:sp>
-        <p:nvSpPr>
-          <p:cNvPr id="5" name="Title 1">
-            <a:extLst>
-              <a:ext uri="{FF2B5EF4-FFF2-40B4-BE49-F238E27FC236}">
-                <a16:creationId xmlns:a16="http://schemas.microsoft.com/office/drawing/2014/main" id="{8BABBCD2-7D2C-459F-9C42-17A2338F39A5}"/>
-              </a:ext>
-            </a:extLst>
-          </p:cNvPr>
-          <p:cNvSpPr txBox="1">
-            <a:spLocks/>
-          </p:cNvSpPr>
-          <p:nvPr/>
-        </p:nvSpPr>
-        <p:spPr>
-          <a:xfrm>
-            <a:off x="518616" y="447014"/>
-            <a:ext cx="11054686" cy="767638"/>
-          </a:xfrm>
-          <a:prstGeom prst="rect">
-            <a:avLst/>
-          </a:prstGeom>
-          <a:ln>
-            <a:noFill/>
-          </a:ln>
-        </p:spPr>
-        <p:txBody>
-          <a:bodyPr vert="horz" lIns="91440" tIns="45720" rIns="91440" bIns="45720" rtlCol="0" anchor="ctr">
-            <a:normAutofit/>
-          </a:bodyPr>
-          <a:lstStyle>
-            <a:lvl1pPr algn="l" defTabSz="914400" rtl="0" eaLnBrk="1" latinLnBrk="0" hangingPunct="1">
-              <a:lnSpc>
-                <a:spcPct val="90000"/>
-              </a:lnSpc>
-              <a:spcBef>
-                <a:spcPct val="0"/>
-              </a:spcBef>
-              <a:buNone/>
-              <a:defRPr sz="4400" kern="1200">
-                <a:solidFill>
-                  <a:schemeClr val="tx1"/>
-                </a:solidFill>
-                <a:latin typeface="+mj-lt"/>
-                <a:ea typeface="+mj-ea"/>
-                <a:cs typeface="+mj-cs"/>
-              </a:defRPr>
-            </a:lvl1pPr>
-          </a:lstStyle>
-          <a:p>
-            <a:pPr algn="ctr"/>
-            <a:r>
-              <a:rPr lang="en-US" dirty="0">
-                <a:latin typeface="Palatino Linotype" panose="02040502050505030304" pitchFamily="18" charset="0"/>
-                <a:cs typeface="Segoe UI Light" panose="020B0502040204020203" pitchFamily="34" charset="0"/>
-              </a:rPr>
-              <a:t>References</a:t>
-            </a:r>
-          </a:p>
-        </p:txBody>
-      </p:sp>
-      <p:sp>
-        <p:nvSpPr>
-          <p:cNvPr id="4" name="Content Placeholder 3">
-            <a:extLst>
-              <a:ext uri="{FF2B5EF4-FFF2-40B4-BE49-F238E27FC236}">
-                <a16:creationId xmlns:a16="http://schemas.microsoft.com/office/drawing/2014/main" id="{20414504-ECEC-4701-8B42-B13F0354C16C}"/>
-              </a:ext>
-            </a:extLst>
-          </p:cNvPr>
-          <p:cNvSpPr>
-            <a:spLocks noGrp="1"/>
-          </p:cNvSpPr>
-          <p:nvPr>
-            <p:ph sz="half" idx="1"/>
-          </p:nvPr>
-        </p:nvSpPr>
-        <p:spPr>
-          <a:xfrm>
-            <a:off x="838200" y="1364105"/>
-            <a:ext cx="10546582" cy="4812859"/>
-          </a:xfrm>
-        </p:spPr>
-        <p:txBody>
-          <a:bodyPr>
-            <a:normAutofit/>
-          </a:bodyPr>
-          <a:lstStyle/>
-          <a:p>
-            <a:pPr marL="0" indent="0">
-              <a:buNone/>
-            </a:pPr>
-            <a:r>
-              <a:rPr lang="en-US" sz="2400" i="1" dirty="0">
-                <a:latin typeface="Palatino Linotype" panose="02040502050505030304" pitchFamily="18" charset="0"/>
-              </a:rPr>
-              <a:t>      </a:t>
-            </a:r>
-            <a:endParaRPr lang="en-US" sz="2400" dirty="0">
-              <a:latin typeface="Palatino Linotype" panose="02040502050505030304" pitchFamily="18" charset="0"/>
-            </a:endParaRPr>
-          </a:p>
-          <a:p>
-            <a:pPr>
-              <a:lnSpc>
-                <a:spcPct val="100000"/>
-              </a:lnSpc>
-              <a:spcBef>
-                <a:spcPts val="0"/>
-              </a:spcBef>
-              <a:buFont typeface="Courier New" panose="02070309020205020404" pitchFamily="49" charset="0"/>
-              <a:buChar char="o"/>
-            </a:pPr>
-            <a:r>
-              <a:rPr lang="en-US" sz="2400" dirty="0">
-                <a:solidFill>
-                  <a:schemeClr val="tx1">
-                    <a:lumMod val="85000"/>
-                    <a:lumOff val="15000"/>
-                  </a:schemeClr>
-                </a:solidFill>
-                <a:latin typeface="Palatino Linotype" panose="02040502050505030304" pitchFamily="18" charset="0"/>
-              </a:rPr>
-              <a:t>  Geron, A. (2019). </a:t>
-            </a:r>
-            <a:r>
-              <a:rPr lang="en-US" sz="2400" i="1" dirty="0">
-                <a:solidFill>
-                  <a:schemeClr val="tx1">
-                    <a:lumMod val="85000"/>
-                    <a:lumOff val="15000"/>
-                  </a:schemeClr>
-                </a:solidFill>
-                <a:latin typeface="Palatino Linotype" panose="02040502050505030304" pitchFamily="18" charset="0"/>
-              </a:rPr>
-              <a:t>Hands-on machine learning with Scikit-Learn, Keras</a:t>
-            </a:r>
-          </a:p>
-          <a:p>
-            <a:pPr marL="0" indent="0">
-              <a:lnSpc>
-                <a:spcPct val="100000"/>
-              </a:lnSpc>
-              <a:spcBef>
-                <a:spcPts val="0"/>
-              </a:spcBef>
-              <a:buNone/>
-            </a:pPr>
-            <a:r>
-              <a:rPr lang="en-US" sz="2400" i="1" dirty="0">
-                <a:latin typeface="Palatino Linotype" panose="02040502050505030304" pitchFamily="18" charset="0"/>
-              </a:rPr>
-              <a:t>    &amp; Tensorflow </a:t>
-            </a:r>
-            <a:r>
-              <a:rPr lang="en-US" sz="2400" dirty="0">
-                <a:latin typeface="Palatino Linotype" panose="02040502050505030304" pitchFamily="18" charset="0"/>
-              </a:rPr>
-              <a:t>(2</a:t>
-            </a:r>
-            <a:r>
-              <a:rPr lang="en-US" sz="2400" baseline="30000" dirty="0">
-                <a:latin typeface="Palatino Linotype" panose="02040502050505030304" pitchFamily="18" charset="0"/>
-              </a:rPr>
-              <a:t>nd</a:t>
-            </a:r>
-            <a:r>
-              <a:rPr lang="en-US" sz="2400" dirty="0">
-                <a:latin typeface="Palatino Linotype" panose="02040502050505030304" pitchFamily="18" charset="0"/>
-              </a:rPr>
-              <a:t> ed.).  Sebastopol, CA: O’Reilly Media, Inc.</a:t>
-            </a:r>
-          </a:p>
-          <a:p>
-            <a:pPr marL="0" indent="0">
-              <a:lnSpc>
-                <a:spcPct val="100000"/>
-              </a:lnSpc>
-              <a:spcBef>
-                <a:spcPts val="0"/>
-              </a:spcBef>
-              <a:buNone/>
-            </a:pPr>
-            <a:br>
-              <a:rPr lang="en-US" dirty="0"/>
-            </a:br>
-            <a:endParaRPr lang="en-US" dirty="0"/>
-          </a:p>
-        </p:txBody>
-      </p:sp>
-    </p:spTree>
-    <p:extLst>
-      <p:ext uri="{BB962C8B-B14F-4D97-AF65-F5344CB8AC3E}">
-        <p14:creationId xmlns:p14="http://schemas.microsoft.com/office/powerpoint/2010/main" val="1871367882"/>
-      </p:ext>
-    </p:extLst>
-  </p:cSld>
-  <p:clrMapOvr>
-    <a:masterClrMapping/>
-  </p:clrMapOvr>
-  <mc:AlternateContent xmlns:mc="http://schemas.openxmlformats.org/markup-compatibility/2006" xmlns:p14="http://schemas.microsoft.com/office/powerpoint/2010/main">
-    <mc:Choice Requires="p14">
-      <p:transition spd="med" p14:dur="700">
-        <p:fade/>
-      </p:transition>
-    </mc:Choice>
-    <mc:Fallback xmlns="">
-      <p:transition spd="med">
-        <p:fade/>
-      </p:transition>
-    </mc:Fallback>
-  </mc:AlternateContent>
-</p:sld>
-</file>
-
-<file path=ppt/slides/slide3.xml><?xml version="1.0" encoding="utf-8"?>
+<file path=ppt/slides/slide14.xml><?xml version="1.0" encoding="utf-8"?>
 <p:sld xmlns:a="http://schemas.openxmlformats.org/drawingml/2006/main" xmlns:r="http://schemas.openxmlformats.org/officeDocument/2006/relationships" xmlns:p="http://schemas.openxmlformats.org/presentationml/2006/main">
   <p:cSld>
     <p:spTree>
@@ -8915,6 +7366,80 @@
           </a:extLst>
         </p:spPr>
       </p:pic>
+      <p:sp>
+        <p:nvSpPr>
+          <p:cNvPr id="3" name="TextBox 2">
+            <a:extLst>
+              <a:ext uri="{FF2B5EF4-FFF2-40B4-BE49-F238E27FC236}">
+                <a16:creationId xmlns:a16="http://schemas.microsoft.com/office/drawing/2014/main" id="{75440CC6-AC58-4F33-A145-DF524A9040F2}"/>
+              </a:ext>
+            </a:extLst>
+          </p:cNvPr>
+          <p:cNvSpPr txBox="1"/>
+          <p:nvPr/>
+        </p:nvSpPr>
+        <p:spPr>
+          <a:xfrm>
+            <a:off x="0" y="6550223"/>
+            <a:ext cx="12192000" cy="307777"/>
+          </a:xfrm>
+          <a:prstGeom prst="rect">
+            <a:avLst/>
+          </a:prstGeom>
+          <a:noFill/>
+        </p:spPr>
+        <p:txBody>
+          <a:bodyPr wrap="square" rtlCol="0">
+            <a:spAutoFit/>
+          </a:bodyPr>
+          <a:lstStyle/>
+          <a:p>
+            <a:r>
+              <a:rPr lang="en-US" sz="1400" dirty="0">
+                <a:solidFill>
+                  <a:schemeClr val="tx1">
+                    <a:lumMod val="65000"/>
+                    <a:lumOff val="35000"/>
+                  </a:schemeClr>
+                </a:solidFill>
+                <a:latin typeface="+mj-lt"/>
+                <a:ea typeface="Verdana" panose="020B0604030504040204" pitchFamily="34" charset="0"/>
+              </a:rPr>
+              <a:t>Image Credit: </a:t>
+            </a:r>
+            <a:r>
+              <a:rPr lang="en-US" sz="1400" b="0" i="0" u="none" strike="noStrike" kern="1200" cap="none" dirty="0">
+                <a:ln>
+                  <a:noFill/>
+                </a:ln>
+                <a:solidFill>
+                  <a:schemeClr val="tx1">
+                    <a:lumMod val="65000"/>
+                    <a:lumOff val="35000"/>
+                  </a:schemeClr>
+                </a:solidFill>
+                <a:latin typeface="+mj-lt"/>
+                <a:ea typeface="Arial" pitchFamily="34"/>
+                <a:cs typeface="Arial" pitchFamily="34"/>
+              </a:rPr>
+              <a:t>https://www.mdpi.com/2079-9292/10/4/514/htm</a:t>
+            </a:r>
+            <a:r>
+              <a:rPr lang="en-US" sz="1400" dirty="0">
+                <a:solidFill>
+                  <a:schemeClr val="tx1">
+                    <a:lumMod val="65000"/>
+                    <a:lumOff val="35000"/>
+                  </a:schemeClr>
+                </a:solidFill>
+                <a:latin typeface="+mj-lt"/>
+                <a:ea typeface="Verdana" panose="020B0604030504040204" pitchFamily="34" charset="0"/>
+              </a:rPr>
+              <a:t> </a:t>
+            </a:r>
+          </a:p>
+        </p:txBody>
+      </p:sp>
     </p:spTree>
     <p:extLst>
       <p:ext uri="{BB962C8B-B14F-4D97-AF65-F5344CB8AC3E}">
@@ -8940,169 +7465,7 @@
 </p:sld>
 </file>
 
-<file path=ppt/slides/slide4.xml><?xml version="1.0" encoding="utf-8"?>
-<p:sld xmlns:a="http://schemas.openxmlformats.org/drawingml/2006/main" xmlns:r="http://schemas.openxmlformats.org/officeDocument/2006/relationships" xmlns:p="http://schemas.openxmlformats.org/presentationml/2006/main">
-  <p:cSld>
-    <p:spTree>
-      <p:nvGrpSpPr>
-        <p:cNvPr id="1" name=""/>
-        <p:cNvGrpSpPr/>
-        <p:nvPr/>
-      </p:nvGrpSpPr>
-      <p:grpSpPr>
-        <a:xfrm>
-          <a:off x="0" y="0"/>
-          <a:ext cx="0" cy="0"/>
-          <a:chOff x="0" y="0"/>
-          <a:chExt cx="0" cy="0"/>
-        </a:xfrm>
-      </p:grpSpPr>
-      <p:sp>
-        <p:nvSpPr>
-          <p:cNvPr id="2" name="Title 1">
-            <a:extLst>
-              <a:ext uri="{FF2B5EF4-FFF2-40B4-BE49-F238E27FC236}">
-                <a16:creationId xmlns:a16="http://schemas.microsoft.com/office/drawing/2014/main" id="{8306FF31-301F-43F0-8202-A782726E446A}"/>
-              </a:ext>
-            </a:extLst>
-          </p:cNvPr>
-          <p:cNvSpPr>
-            <a:spLocks noGrp="1"/>
-          </p:cNvSpPr>
-          <p:nvPr>
-            <p:ph type="title"/>
-          </p:nvPr>
-        </p:nvSpPr>
-        <p:spPr>
-          <a:xfrm>
-            <a:off x="618697" y="365127"/>
-            <a:ext cx="10735103" cy="827416"/>
-          </a:xfrm>
-        </p:spPr>
-        <p:txBody>
-          <a:bodyPr>
-            <a:normAutofit/>
-          </a:bodyPr>
-          <a:lstStyle/>
-          <a:p>
-            <a:pPr algn="ctr"/>
-            <a:endParaRPr lang="en-US" sz="3600" dirty="0">
-              <a:latin typeface="Palatino Linotype" panose="02040502050505030304" pitchFamily="18" charset="0"/>
-              <a:cs typeface="Segoe UI Light" panose="020B0502040204020203" pitchFamily="34" charset="0"/>
-            </a:endParaRPr>
-          </a:p>
-        </p:txBody>
-      </p:sp>
-      <p:sp>
-        <p:nvSpPr>
-          <p:cNvPr id="4" name="Content Placeholder 3">
-            <a:extLst>
-              <a:ext uri="{FF2B5EF4-FFF2-40B4-BE49-F238E27FC236}">
-                <a16:creationId xmlns:a16="http://schemas.microsoft.com/office/drawing/2014/main" id="{4E4AB757-90A1-4A72-AC15-A8FE775EA8EA}"/>
-              </a:ext>
-            </a:extLst>
-          </p:cNvPr>
-          <p:cNvSpPr>
-            <a:spLocks noGrp="1"/>
-          </p:cNvSpPr>
-          <p:nvPr>
-            <p:ph idx="1"/>
-          </p:nvPr>
-        </p:nvSpPr>
-        <p:spPr>
-          <a:xfrm>
-            <a:off x="838200" y="1490346"/>
-            <a:ext cx="10515600" cy="4351338"/>
-          </a:xfrm>
-        </p:spPr>
-        <p:txBody>
-          <a:bodyPr/>
-          <a:lstStyle/>
-          <a:p>
-            <a:pPr marL="0" indent="0">
-              <a:buNone/>
-            </a:pPr>
-            <a:endParaRPr lang="en-US" dirty="0"/>
-          </a:p>
-          <a:p>
-            <a:pPr marL="0" indent="0">
-              <a:buNone/>
-            </a:pPr>
-            <a:r>
-              <a:rPr lang="en-US" sz="2800" dirty="0">
-                <a:latin typeface="Palatino Linotype" panose="02040502050505030304" pitchFamily="18" charset="0"/>
-              </a:rPr>
-              <a:t>Machine learning is the field of study that gives computers the ability to learn without being explicitly programmed.</a:t>
-            </a:r>
-          </a:p>
-          <a:p>
-            <a:pPr marL="0" indent="0">
-              <a:buNone/>
-            </a:pPr>
-            <a:r>
-              <a:rPr lang="en-US" sz="2800" dirty="0">
-                <a:latin typeface="Palatino Linotype" panose="02040502050505030304" pitchFamily="18" charset="0"/>
-              </a:rPr>
-              <a:t>						-- Arthur Samuel (1959)</a:t>
-            </a:r>
-          </a:p>
-          <a:p>
-            <a:pPr marL="0" indent="0">
-              <a:buFont typeface="Arial" panose="020B0604020202020204" pitchFamily="34" charset="0"/>
-              <a:buNone/>
-            </a:pPr>
-            <a:endParaRPr lang="en-US" dirty="0">
-              <a:latin typeface="Palatino Linotype" panose="02040502050505030304" pitchFamily="18" charset="0"/>
-            </a:endParaRPr>
-          </a:p>
-          <a:p>
-            <a:pPr marL="0" indent="0">
-              <a:buFont typeface="Arial" panose="020B0604020202020204" pitchFamily="34" charset="0"/>
-              <a:buNone/>
-            </a:pPr>
-            <a:r>
-              <a:rPr lang="en-US" dirty="0">
-                <a:latin typeface="Palatino Linotype" panose="02040502050505030304" pitchFamily="18" charset="0"/>
-              </a:rPr>
-              <a:t>Machine learning is the science and art of programming computers so they can learn from data.</a:t>
-            </a:r>
-          </a:p>
-          <a:p>
-            <a:pPr marL="0" indent="0" algn="ctr">
-              <a:buNone/>
-            </a:pPr>
-            <a:endParaRPr lang="en-US" dirty="0">
-              <a:latin typeface="+mj-lt"/>
-            </a:endParaRPr>
-          </a:p>
-        </p:txBody>
-      </p:sp>
-    </p:spTree>
-    <p:extLst>
-      <p:ext uri="{BB962C8B-B14F-4D97-AF65-F5344CB8AC3E}">
-        <p14:creationId xmlns:p14="http://schemas.microsoft.com/office/powerpoint/2010/main" val="888845023"/>
-      </p:ext>
-    </p:extLst>
-  </p:cSld>
-  <p:clrMapOvr>
-    <a:masterClrMapping/>
-  </p:clrMapOvr>
-  <mc:AlternateContent xmlns:mc="http://schemas.openxmlformats.org/markup-compatibility/2006" xmlns:p14="http://schemas.microsoft.com/office/powerpoint/2010/main">
-    <mc:Choice Requires="p14">
-      <p:transition spd="med" p14:dur="700">
-        <p:fade/>
-      </p:transition>
-    </mc:Choice>
-    <mc:Fallback xmlns="">
-      <p:transition spd="med">
-        <p:fade/>
-      </p:transition>
-    </mc:Fallback>
-  </mc:AlternateContent>
-</p:sld>
-</file>
-
-<file path=ppt/slides/slide5.xml><?xml version="1.0" encoding="utf-8"?>
+<file path=ppt/slides/slide15.xml><?xml version="1.0" encoding="utf-8"?>
 <p:sld xmlns:a="http://schemas.openxmlformats.org/drawingml/2006/main" xmlns:r="http://schemas.openxmlformats.org/officeDocument/2006/relationships" xmlns:p="http://schemas.openxmlformats.org/presentationml/2006/main">
   <p:cSld>
     <p:spTree>
@@ -9174,6 +7537,1067 @@
 </p:sld>
 </file>
 
+<file path=ppt/slides/slide2.xml><?xml version="1.0" encoding="utf-8"?>
+<p:sld xmlns:a="http://schemas.openxmlformats.org/drawingml/2006/main" xmlns:r="http://schemas.openxmlformats.org/officeDocument/2006/relationships" xmlns:p="http://schemas.openxmlformats.org/presentationml/2006/main">
+  <p:cSld>
+    <p:spTree>
+      <p:nvGrpSpPr>
+        <p:cNvPr id="1" name=""/>
+        <p:cNvGrpSpPr/>
+        <p:nvPr/>
+      </p:nvGrpSpPr>
+      <p:grpSpPr>
+        <a:xfrm>
+          <a:off x="0" y="0"/>
+          <a:ext cx="0" cy="0"/>
+          <a:chOff x="0" y="0"/>
+          <a:chExt cx="0" cy="0"/>
+        </a:xfrm>
+      </p:grpSpPr>
+      <p:pic>
+        <p:nvPicPr>
+          <p:cNvPr id="8" name="Picture 2">
+            <a:extLst>
+              <a:ext uri="{FF2B5EF4-FFF2-40B4-BE49-F238E27FC236}">
+                <a16:creationId xmlns:a16="http://schemas.microsoft.com/office/drawing/2014/main" id="{6E98D2CB-6AD7-4695-90DB-B27CCA037D9F}"/>
+              </a:ext>
+            </a:extLst>
+          </p:cNvPr>
+          <p:cNvPicPr>
+            <a:picLocks noChangeAspect="1" noChangeArrowheads="1"/>
+          </p:cNvPicPr>
+          <p:nvPr/>
+        </p:nvPicPr>
+        <p:blipFill>
+          <a:blip r:embed="rId3">
+            <a:extLst>
+              <a:ext uri="{28A0092B-C50C-407E-A947-70E740481C1C}">
+                <a14:useLocalDpi xmlns:a14="http://schemas.microsoft.com/office/drawing/2010/main" val="0"/>
+              </a:ext>
+            </a:extLst>
+          </a:blip>
+          <a:srcRect/>
+          <a:stretch>
+            <a:fillRect/>
+          </a:stretch>
+        </p:blipFill>
+        <p:spPr bwMode="auto">
+          <a:xfrm>
+            <a:off x="3228975" y="723037"/>
+            <a:ext cx="5734050" cy="3943350"/>
+          </a:xfrm>
+          <a:prstGeom prst="rect">
+            <a:avLst/>
+          </a:prstGeom>
+          <a:noFill/>
+          <a:extLst>
+            <a:ext uri="{909E8E84-426E-40DD-AFC4-6F175D3DCCD1}">
+              <a14:hiddenFill xmlns:a14="http://schemas.microsoft.com/office/drawing/2010/main">
+                <a:solidFill>
+                  <a:srgbClr val="FFFFFF"/>
+                </a:solidFill>
+              </a14:hiddenFill>
+            </a:ext>
+          </a:extLst>
+        </p:spPr>
+      </p:pic>
+      <p:sp>
+        <p:nvSpPr>
+          <p:cNvPr id="10" name="TextBox 9">
+            <a:extLst>
+              <a:ext uri="{FF2B5EF4-FFF2-40B4-BE49-F238E27FC236}">
+                <a16:creationId xmlns:a16="http://schemas.microsoft.com/office/drawing/2014/main" id="{0A3EA873-9215-4245-A571-9427338BA812}"/>
+              </a:ext>
+            </a:extLst>
+          </p:cNvPr>
+          <p:cNvSpPr txBox="1"/>
+          <p:nvPr/>
+        </p:nvSpPr>
+        <p:spPr>
+          <a:xfrm>
+            <a:off x="0" y="6550223"/>
+            <a:ext cx="12192000" cy="307777"/>
+          </a:xfrm>
+          <a:prstGeom prst="rect">
+            <a:avLst/>
+          </a:prstGeom>
+          <a:noFill/>
+        </p:spPr>
+        <p:txBody>
+          <a:bodyPr wrap="square" rtlCol="0">
+            <a:spAutoFit/>
+          </a:bodyPr>
+          <a:lstStyle/>
+          <a:p>
+            <a:r>
+              <a:rPr lang="en-US" sz="1400" dirty="0">
+                <a:solidFill>
+                  <a:schemeClr val="tx1">
+                    <a:lumMod val="65000"/>
+                    <a:lumOff val="35000"/>
+                  </a:schemeClr>
+                </a:solidFill>
+                <a:latin typeface="+mj-lt"/>
+                <a:ea typeface="Verdana" panose="020B0604030504040204" pitchFamily="34" charset="0"/>
+              </a:rPr>
+              <a:t>Image Credit: </a:t>
+            </a:r>
+            <a:r>
+              <a:rPr lang="en-US" sz="1400" dirty="0">
+                <a:solidFill>
+                  <a:schemeClr val="tx1">
+                    <a:lumMod val="65000"/>
+                    <a:lumOff val="35000"/>
+                  </a:schemeClr>
+                </a:solidFill>
+                <a:latin typeface="+mj-lt"/>
+              </a:rPr>
+              <a:t>https://towardsdatascience.com/what-are-the-types-of-machine-learning-e2b9e5d1756f</a:t>
+            </a:r>
+            <a:endParaRPr lang="en-US" sz="1400" dirty="0">
+              <a:solidFill>
+                <a:schemeClr val="tx1">
+                  <a:lumMod val="65000"/>
+                  <a:lumOff val="35000"/>
+                </a:schemeClr>
+              </a:solidFill>
+              <a:latin typeface="+mj-lt"/>
+              <a:ea typeface="Verdana" panose="020B0604030504040204" pitchFamily="34" charset="0"/>
+            </a:endParaRPr>
+          </a:p>
+        </p:txBody>
+      </p:sp>
+      <p:sp>
+        <p:nvSpPr>
+          <p:cNvPr id="6" name="Rectangle 5">
+            <a:extLst>
+              <a:ext uri="{FF2B5EF4-FFF2-40B4-BE49-F238E27FC236}">
+                <a16:creationId xmlns:a16="http://schemas.microsoft.com/office/drawing/2014/main" id="{0548DE6D-A85B-4025-8E33-E7D2F0139FB6}"/>
+              </a:ext>
+            </a:extLst>
+          </p:cNvPr>
+          <p:cNvSpPr/>
+          <p:nvPr/>
+        </p:nvSpPr>
+        <p:spPr>
+          <a:xfrm>
+            <a:off x="4349287" y="5062781"/>
+            <a:ext cx="1580457" cy="800100"/>
+          </a:xfrm>
+          <a:prstGeom prst="rect">
+            <a:avLst/>
+          </a:prstGeom>
+          <a:ln>
+            <a:noFill/>
+          </a:ln>
+        </p:spPr>
+        <p:style>
+          <a:lnRef idx="2">
+            <a:schemeClr val="accent1">
+              <a:shade val="50000"/>
+            </a:schemeClr>
+          </a:lnRef>
+          <a:fillRef idx="1">
+            <a:schemeClr val="accent1"/>
+          </a:fillRef>
+          <a:effectRef idx="0">
+            <a:schemeClr val="accent1"/>
+          </a:effectRef>
+          <a:fontRef idx="minor">
+            <a:schemeClr val="lt1"/>
+          </a:fontRef>
+        </p:style>
+        <p:txBody>
+          <a:bodyPr rtlCol="0" anchor="ctr"/>
+          <a:lstStyle/>
+          <a:p>
+            <a:pPr algn="ctr"/>
+            <a:r>
+              <a:rPr lang="en-US" dirty="0"/>
+              <a:t>Semi-Supervised</a:t>
+            </a:r>
+          </a:p>
+        </p:txBody>
+      </p:sp>
+      <p:cxnSp>
+        <p:nvCxnSpPr>
+          <p:cNvPr id="12" name="Straight Connector 11">
+            <a:extLst>
+              <a:ext uri="{FF2B5EF4-FFF2-40B4-BE49-F238E27FC236}">
+                <a16:creationId xmlns:a16="http://schemas.microsoft.com/office/drawing/2014/main" id="{0957138F-1F9C-4381-AE06-A970515AA3AE}"/>
+              </a:ext>
+            </a:extLst>
+          </p:cNvPr>
+          <p:cNvCxnSpPr>
+            <a:endCxn id="6" idx="0"/>
+          </p:cNvCxnSpPr>
+          <p:nvPr/>
+        </p:nvCxnSpPr>
+        <p:spPr>
+          <a:xfrm>
+            <a:off x="5139515" y="2394284"/>
+            <a:ext cx="1" cy="2668497"/>
+          </a:xfrm>
+          <a:prstGeom prst="line">
+            <a:avLst/>
+          </a:prstGeom>
+        </p:spPr>
+        <p:style>
+          <a:lnRef idx="1">
+            <a:schemeClr val="accent3"/>
+          </a:lnRef>
+          <a:fillRef idx="0">
+            <a:schemeClr val="accent3"/>
+          </a:fillRef>
+          <a:effectRef idx="0">
+            <a:schemeClr val="accent3"/>
+          </a:effectRef>
+          <a:fontRef idx="minor">
+            <a:schemeClr val="tx1"/>
+          </a:fontRef>
+        </p:style>
+      </p:cxnSp>
+    </p:spTree>
+    <p:extLst>
+      <p:ext uri="{BB962C8B-B14F-4D97-AF65-F5344CB8AC3E}">
+        <p14:creationId xmlns:p14="http://schemas.microsoft.com/office/powerpoint/2010/main" val="3276872480"/>
+      </p:ext>
+    </p:extLst>
+  </p:cSld>
+  <p:clrMapOvr>
+    <a:masterClrMapping/>
+  </p:clrMapOvr>
+  <mc:AlternateContent xmlns:mc="http://schemas.openxmlformats.org/markup-compatibility/2006" xmlns:p14="http://schemas.microsoft.com/office/powerpoint/2010/main">
+    <mc:Choice Requires="p14">
+      <p:transition spd="med" p14:dur="700">
+        <p:fade/>
+      </p:transition>
+    </mc:Choice>
+    <mc:Fallback xmlns="">
+      <p:transition spd="med">
+        <p:fade/>
+      </p:transition>
+    </mc:Fallback>
+  </mc:AlternateContent>
+  <p:timing>
+    <p:tnLst>
+      <p:par>
+        <p:cTn id="1" dur="indefinite" restart="never" nodeType="tmRoot">
+          <p:childTnLst>
+            <p:seq concurrent="1" nextAc="seek">
+              <p:cTn id="2" dur="indefinite" nodeType="mainSeq">
+                <p:childTnLst>
+                  <p:par>
+                    <p:cTn id="3" fill="hold">
+                      <p:stCondLst>
+                        <p:cond delay="indefinite"/>
+                      </p:stCondLst>
+                      <p:childTnLst>
+                        <p:par>
+                          <p:cTn id="4" fill="hold">
+                            <p:stCondLst>
+                              <p:cond delay="0"/>
+                            </p:stCondLst>
+                            <p:childTnLst>
+                              <p:par>
+                                <p:cTn id="5" presetID="10" presetClass="entr" presetSubtype="0" fill="hold" grpId="0" nodeType="clickEffect">
+                                  <p:stCondLst>
+                                    <p:cond delay="0"/>
+                                  </p:stCondLst>
+                                  <p:childTnLst>
+                                    <p:set>
+                                      <p:cBhvr>
+                                        <p:cTn id="6" dur="1" fill="hold">
+                                          <p:stCondLst>
+                                            <p:cond delay="0"/>
+                                          </p:stCondLst>
+                                        </p:cTn>
+                                        <p:tgtEl>
+                                          <p:spTgt spid="6"/>
+                                        </p:tgtEl>
+                                        <p:attrNameLst>
+                                          <p:attrName>style.visibility</p:attrName>
+                                        </p:attrNameLst>
+                                      </p:cBhvr>
+                                      <p:to>
+                                        <p:strVal val="visible"/>
+                                      </p:to>
+                                    </p:set>
+                                    <p:animEffect transition="in" filter="fade">
+                                      <p:cBhvr>
+                                        <p:cTn id="7" dur="500"/>
+                                        <p:tgtEl>
+                                          <p:spTgt spid="6"/>
+                                        </p:tgtEl>
+                                      </p:cBhvr>
+                                    </p:animEffect>
+                                  </p:childTnLst>
+                                </p:cTn>
+                              </p:par>
+                              <p:par>
+                                <p:cTn id="8" presetID="10" presetClass="entr" presetSubtype="0" fill="hold" nodeType="withEffect">
+                                  <p:stCondLst>
+                                    <p:cond delay="0"/>
+                                  </p:stCondLst>
+                                  <p:childTnLst>
+                                    <p:set>
+                                      <p:cBhvr>
+                                        <p:cTn id="9" dur="1" fill="hold">
+                                          <p:stCondLst>
+                                            <p:cond delay="0"/>
+                                          </p:stCondLst>
+                                        </p:cTn>
+                                        <p:tgtEl>
+                                          <p:spTgt spid="12"/>
+                                        </p:tgtEl>
+                                        <p:attrNameLst>
+                                          <p:attrName>style.visibility</p:attrName>
+                                        </p:attrNameLst>
+                                      </p:cBhvr>
+                                      <p:to>
+                                        <p:strVal val="visible"/>
+                                      </p:to>
+                                    </p:set>
+                                    <p:animEffect transition="in" filter="fade">
+                                      <p:cBhvr>
+                                        <p:cTn id="10" dur="500"/>
+                                        <p:tgtEl>
+                                          <p:spTgt spid="12"/>
+                                        </p:tgtEl>
+                                      </p:cBhvr>
+                                    </p:animEffect>
+                                  </p:childTnLst>
+                                </p:cTn>
+                              </p:par>
+                            </p:childTnLst>
+                          </p:cTn>
+                        </p:par>
+                      </p:childTnLst>
+                    </p:cTn>
+                  </p:par>
+                </p:childTnLst>
+              </p:cTn>
+              <p:prevCondLst>
+                <p:cond evt="onPrev" delay="0">
+                  <p:tgtEl>
+                    <p:sldTgt/>
+                  </p:tgtEl>
+                </p:cond>
+              </p:prevCondLst>
+              <p:nextCondLst>
+                <p:cond evt="onNext" delay="0">
+                  <p:tgtEl>
+                    <p:sldTgt/>
+                  </p:tgtEl>
+                </p:cond>
+              </p:nextCondLst>
+            </p:seq>
+          </p:childTnLst>
+        </p:cTn>
+      </p:par>
+    </p:tnLst>
+    <p:bldLst>
+      <p:bldP spid="6" grpId="0" animBg="1"/>
+    </p:bldLst>
+  </p:timing>
+</p:sld>
+</file>
+
+<file path=ppt/slides/slide3.xml><?xml version="1.0" encoding="utf-8"?>
+<p:sld xmlns:a="http://schemas.openxmlformats.org/drawingml/2006/main" xmlns:r="http://schemas.openxmlformats.org/officeDocument/2006/relationships" xmlns:p="http://schemas.openxmlformats.org/presentationml/2006/main">
+  <p:cSld>
+    <p:spTree>
+      <p:nvGrpSpPr>
+        <p:cNvPr id="1" name=""/>
+        <p:cNvGrpSpPr/>
+        <p:nvPr/>
+      </p:nvGrpSpPr>
+      <p:grpSpPr>
+        <a:xfrm>
+          <a:off x="0" y="0"/>
+          <a:ext cx="0" cy="0"/>
+          <a:chOff x="0" y="0"/>
+          <a:chExt cx="0" cy="0"/>
+        </a:xfrm>
+      </p:grpSpPr>
+      <p:sp>
+        <p:nvSpPr>
+          <p:cNvPr id="2" name="Title 1">
+            <a:extLst>
+              <a:ext uri="{FF2B5EF4-FFF2-40B4-BE49-F238E27FC236}">
+                <a16:creationId xmlns:a16="http://schemas.microsoft.com/office/drawing/2014/main" id="{28FF21C3-8FBB-4756-BF7C-FFD2E5CC2B06}"/>
+              </a:ext>
+            </a:extLst>
+          </p:cNvPr>
+          <p:cNvSpPr>
+            <a:spLocks noGrp="1"/>
+          </p:cNvSpPr>
+          <p:nvPr>
+            <p:ph type="title"/>
+          </p:nvPr>
+        </p:nvSpPr>
+        <p:spPr>
+          <a:xfrm>
+            <a:off x="0" y="440190"/>
+            <a:ext cx="12192000" cy="815404"/>
+          </a:xfrm>
+        </p:spPr>
+        <p:txBody>
+          <a:bodyPr>
+            <a:normAutofit/>
+          </a:bodyPr>
+          <a:lstStyle/>
+          <a:p>
+            <a:pPr algn="ctr"/>
+            <a:r>
+              <a:rPr lang="en-US" dirty="0">
+                <a:latin typeface="Palatino Linotype" panose="02040502050505030304" pitchFamily="18" charset="0"/>
+                <a:cs typeface="Segoe UI Light" panose="020B0502040204020203" pitchFamily="34" charset="0"/>
+              </a:rPr>
+              <a:t>Supervised Learning</a:t>
+            </a:r>
+          </a:p>
+        </p:txBody>
+      </p:sp>
+      <p:pic>
+        <p:nvPicPr>
+          <p:cNvPr id="7" name="Picture 6">
+            <a:extLst>
+              <a:ext uri="{FF2B5EF4-FFF2-40B4-BE49-F238E27FC236}">
+                <a16:creationId xmlns:a16="http://schemas.microsoft.com/office/drawing/2014/main" id="{10BCCF7B-0BA8-4F8D-98C9-A7AFC5076A57}"/>
+              </a:ext>
+            </a:extLst>
+          </p:cNvPr>
+          <p:cNvPicPr>
+            <a:picLocks noChangeAspect="1"/>
+          </p:cNvPicPr>
+          <p:nvPr/>
+        </p:nvPicPr>
+        <p:blipFill>
+          <a:blip r:embed="rId3"/>
+          <a:stretch>
+            <a:fillRect/>
+          </a:stretch>
+        </p:blipFill>
+        <p:spPr>
+          <a:xfrm>
+            <a:off x="4214812" y="2629213"/>
+            <a:ext cx="3762375" cy="2019300"/>
+          </a:xfrm>
+          <a:prstGeom prst="rect">
+            <a:avLst/>
+          </a:prstGeom>
+        </p:spPr>
+      </p:pic>
+      <p:sp>
+        <p:nvSpPr>
+          <p:cNvPr id="4" name="TextBox 3">
+            <a:extLst>
+              <a:ext uri="{FF2B5EF4-FFF2-40B4-BE49-F238E27FC236}">
+                <a16:creationId xmlns:a16="http://schemas.microsoft.com/office/drawing/2014/main" id="{1EEA7388-E6F9-44EA-B72A-A6BC799472BD}"/>
+              </a:ext>
+            </a:extLst>
+          </p:cNvPr>
+          <p:cNvSpPr txBox="1"/>
+          <p:nvPr/>
+        </p:nvSpPr>
+        <p:spPr>
+          <a:xfrm>
+            <a:off x="0" y="6550223"/>
+            <a:ext cx="12192000" cy="307777"/>
+          </a:xfrm>
+          <a:prstGeom prst="rect">
+            <a:avLst/>
+          </a:prstGeom>
+          <a:noFill/>
+        </p:spPr>
+        <p:txBody>
+          <a:bodyPr wrap="square" rtlCol="0">
+            <a:spAutoFit/>
+          </a:bodyPr>
+          <a:lstStyle/>
+          <a:p>
+            <a:r>
+              <a:rPr lang="en-US" sz="1400" dirty="0">
+                <a:solidFill>
+                  <a:schemeClr val="tx1">
+                    <a:lumMod val="65000"/>
+                    <a:lumOff val="35000"/>
+                  </a:schemeClr>
+                </a:solidFill>
+                <a:latin typeface="+mj-lt"/>
+                <a:ea typeface="Verdana" panose="020B0604030504040204" pitchFamily="34" charset="0"/>
+              </a:rPr>
+              <a:t>Source: Taylor, M. (2017). </a:t>
+            </a:r>
+            <a:r>
+              <a:rPr lang="en-US" sz="1400" i="1" dirty="0">
+                <a:solidFill>
+                  <a:schemeClr val="tx1">
+                    <a:lumMod val="65000"/>
+                    <a:lumOff val="35000"/>
+                  </a:schemeClr>
+                </a:solidFill>
+                <a:latin typeface="+mj-lt"/>
+                <a:ea typeface="Verdana" panose="020B0604030504040204" pitchFamily="34" charset="0"/>
+              </a:rPr>
+              <a:t>Neural Networks: A Visual Introduction for Beginners</a:t>
+            </a:r>
+            <a:r>
+              <a:rPr lang="en-US" sz="1400" dirty="0">
+                <a:solidFill>
+                  <a:schemeClr val="tx1">
+                    <a:lumMod val="65000"/>
+                    <a:lumOff val="35000"/>
+                  </a:schemeClr>
+                </a:solidFill>
+                <a:latin typeface="+mj-lt"/>
+                <a:ea typeface="Verdana" panose="020B0604030504040204" pitchFamily="34" charset="0"/>
+              </a:rPr>
+              <a:t>. </a:t>
+            </a:r>
+            <a:r>
+              <a:rPr lang="en-US" sz="1400" b="0" i="0" dirty="0">
+                <a:solidFill>
+                  <a:schemeClr val="tx1">
+                    <a:lumMod val="65000"/>
+                    <a:lumOff val="35000"/>
+                  </a:schemeClr>
+                </a:solidFill>
+                <a:effectLst/>
+                <a:latin typeface="+mj-lt"/>
+                <a:ea typeface="Verdana" panose="020B0604030504040204" pitchFamily="34" charset="0"/>
+              </a:rPr>
+              <a:t>Sebastopol, CA: Blue Windmill Media.</a:t>
+            </a:r>
+            <a:endParaRPr lang="en-US" sz="1400" dirty="0">
+              <a:solidFill>
+                <a:schemeClr val="tx1">
+                  <a:lumMod val="65000"/>
+                  <a:lumOff val="35000"/>
+                </a:schemeClr>
+              </a:solidFill>
+              <a:latin typeface="+mj-lt"/>
+              <a:ea typeface="Verdana" panose="020B0604030504040204" pitchFamily="34" charset="0"/>
+            </a:endParaRPr>
+          </a:p>
+        </p:txBody>
+      </p:sp>
+    </p:spTree>
+    <p:extLst>
+      <p:ext uri="{BB962C8B-B14F-4D97-AF65-F5344CB8AC3E}">
+        <p14:creationId xmlns:p14="http://schemas.microsoft.com/office/powerpoint/2010/main" val="1622845106"/>
+      </p:ext>
+    </p:extLst>
+  </p:cSld>
+  <p:clrMapOvr>
+    <a:masterClrMapping/>
+  </p:clrMapOvr>
+  <mc:AlternateContent xmlns:mc="http://schemas.openxmlformats.org/markup-compatibility/2006" xmlns:p14="http://schemas.microsoft.com/office/powerpoint/2010/main">
+    <mc:Choice Requires="p14">
+      <p:transition spd="med" p14:dur="700">
+        <p:fade/>
+      </p:transition>
+    </mc:Choice>
+    <mc:Fallback xmlns="">
+      <p:transition spd="med">
+        <p:fade/>
+      </p:transition>
+    </mc:Fallback>
+  </mc:AlternateContent>
+</p:sld>
+</file>
+
+<file path=ppt/slides/slide4.xml><?xml version="1.0" encoding="utf-8"?>
+<p:sld xmlns:a="http://schemas.openxmlformats.org/drawingml/2006/main" xmlns:r="http://schemas.openxmlformats.org/officeDocument/2006/relationships" xmlns:p="http://schemas.openxmlformats.org/presentationml/2006/main">
+  <p:cSld>
+    <p:spTree>
+      <p:nvGrpSpPr>
+        <p:cNvPr id="1" name=""/>
+        <p:cNvGrpSpPr/>
+        <p:nvPr/>
+      </p:nvGrpSpPr>
+      <p:grpSpPr>
+        <a:xfrm>
+          <a:off x="0" y="0"/>
+          <a:ext cx="0" cy="0"/>
+          <a:chOff x="0" y="0"/>
+          <a:chExt cx="0" cy="0"/>
+        </a:xfrm>
+      </p:grpSpPr>
+      <p:sp>
+        <p:nvSpPr>
+          <p:cNvPr id="2" name="Title 1">
+            <a:extLst>
+              <a:ext uri="{FF2B5EF4-FFF2-40B4-BE49-F238E27FC236}">
+                <a16:creationId xmlns:a16="http://schemas.microsoft.com/office/drawing/2014/main" id="{28FF21C3-8FBB-4756-BF7C-FFD2E5CC2B06}"/>
+              </a:ext>
+            </a:extLst>
+          </p:cNvPr>
+          <p:cNvSpPr>
+            <a:spLocks noGrp="1"/>
+          </p:cNvSpPr>
+          <p:nvPr>
+            <p:ph type="title"/>
+          </p:nvPr>
+        </p:nvSpPr>
+        <p:spPr>
+          <a:xfrm>
+            <a:off x="0" y="440190"/>
+            <a:ext cx="12192000" cy="815404"/>
+          </a:xfrm>
+        </p:spPr>
+        <p:txBody>
+          <a:bodyPr>
+            <a:normAutofit/>
+          </a:bodyPr>
+          <a:lstStyle/>
+          <a:p>
+            <a:pPr algn="ctr"/>
+            <a:r>
+              <a:rPr lang="en-US" dirty="0">
+                <a:latin typeface="Palatino Linotype" panose="02040502050505030304" pitchFamily="18" charset="0"/>
+                <a:cs typeface="Segoe UI Light" panose="020B0502040204020203" pitchFamily="34" charset="0"/>
+              </a:rPr>
+              <a:t>Supervised Learning</a:t>
+            </a:r>
+          </a:p>
+        </p:txBody>
+      </p:sp>
+      <p:pic>
+        <p:nvPicPr>
+          <p:cNvPr id="3" name="Picture 2">
+            <a:extLst>
+              <a:ext uri="{FF2B5EF4-FFF2-40B4-BE49-F238E27FC236}">
+                <a16:creationId xmlns:a16="http://schemas.microsoft.com/office/drawing/2014/main" id="{783729CF-DB62-41BE-BEA7-FAD770B63717}"/>
+              </a:ext>
+            </a:extLst>
+          </p:cNvPr>
+          <p:cNvPicPr>
+            <a:picLocks noChangeAspect="1"/>
+          </p:cNvPicPr>
+          <p:nvPr/>
+        </p:nvPicPr>
+        <p:blipFill>
+          <a:blip r:embed="rId3"/>
+          <a:stretch>
+            <a:fillRect/>
+          </a:stretch>
+        </p:blipFill>
+        <p:spPr>
+          <a:xfrm>
+            <a:off x="1801550" y="2379100"/>
+            <a:ext cx="8588899" cy="2743405"/>
+          </a:xfrm>
+          <a:prstGeom prst="rect">
+            <a:avLst/>
+          </a:prstGeom>
+        </p:spPr>
+      </p:pic>
+      <p:sp>
+        <p:nvSpPr>
+          <p:cNvPr id="7" name="TextBox 6">
+            <a:extLst>
+              <a:ext uri="{FF2B5EF4-FFF2-40B4-BE49-F238E27FC236}">
+                <a16:creationId xmlns:a16="http://schemas.microsoft.com/office/drawing/2014/main" id="{EECDF27D-83A7-47B8-91B2-09145046C104}"/>
+              </a:ext>
+            </a:extLst>
+          </p:cNvPr>
+          <p:cNvSpPr txBox="1"/>
+          <p:nvPr/>
+        </p:nvSpPr>
+        <p:spPr>
+          <a:xfrm>
+            <a:off x="1801550" y="5665458"/>
+            <a:ext cx="6419461" cy="371448"/>
+          </a:xfrm>
+          <a:prstGeom prst="rect">
+            <a:avLst/>
+          </a:prstGeom>
+          <a:noFill/>
+        </p:spPr>
+        <p:txBody>
+          <a:bodyPr wrap="square" rtlCol="0">
+            <a:spAutoFit/>
+          </a:bodyPr>
+          <a:lstStyle/>
+          <a:p>
+            <a:r>
+              <a:rPr lang="en-US" i="1" dirty="0">
+                <a:latin typeface="MinionPro-It"/>
+              </a:rPr>
+              <a:t>Figure 1-1. A labeled training set for spam classification.</a:t>
+            </a:r>
+            <a:endParaRPr lang="en-US" dirty="0">
+              <a:latin typeface="MinionPro-It"/>
+            </a:endParaRPr>
+          </a:p>
+        </p:txBody>
+      </p:sp>
+      <p:sp>
+        <p:nvSpPr>
+          <p:cNvPr id="6" name="TextBox 5">
+            <a:extLst>
+              <a:ext uri="{FF2B5EF4-FFF2-40B4-BE49-F238E27FC236}">
+                <a16:creationId xmlns:a16="http://schemas.microsoft.com/office/drawing/2014/main" id="{6F83D49F-5650-47A6-B07E-5A26511E4741}"/>
+              </a:ext>
+            </a:extLst>
+          </p:cNvPr>
+          <p:cNvSpPr txBox="1"/>
+          <p:nvPr/>
+        </p:nvSpPr>
+        <p:spPr>
+          <a:xfrm>
+            <a:off x="0" y="6550223"/>
+            <a:ext cx="12192000" cy="307777"/>
+          </a:xfrm>
+          <a:prstGeom prst="rect">
+            <a:avLst/>
+          </a:prstGeom>
+          <a:noFill/>
+        </p:spPr>
+        <p:txBody>
+          <a:bodyPr wrap="square" rtlCol="0">
+            <a:spAutoFit/>
+          </a:bodyPr>
+          <a:lstStyle/>
+          <a:p>
+            <a:r>
+              <a:rPr lang="en-US" sz="1400" dirty="0">
+                <a:solidFill>
+                  <a:schemeClr val="tx1">
+                    <a:lumMod val="65000"/>
+                    <a:lumOff val="35000"/>
+                  </a:schemeClr>
+                </a:solidFill>
+                <a:latin typeface="+mj-lt"/>
+                <a:ea typeface="Verdana" panose="020B0604030504040204" pitchFamily="34" charset="0"/>
+              </a:rPr>
+              <a:t>Source: Geron, A. (2019). </a:t>
+            </a:r>
+            <a:r>
+              <a:rPr lang="en-US" sz="1400" i="1" dirty="0">
+                <a:solidFill>
+                  <a:schemeClr val="tx1">
+                    <a:lumMod val="65000"/>
+                    <a:lumOff val="35000"/>
+                  </a:schemeClr>
+                </a:solidFill>
+                <a:latin typeface="+mj-lt"/>
+                <a:ea typeface="Verdana" panose="020B0604030504040204" pitchFamily="34" charset="0"/>
+              </a:rPr>
+              <a:t>Hands-On Machine Learning w/Scikit-Learn, Keras &amp; Tensorflow </a:t>
+            </a:r>
+            <a:r>
+              <a:rPr lang="en-US" sz="1400" dirty="0">
+                <a:solidFill>
+                  <a:schemeClr val="tx1">
+                    <a:lumMod val="65000"/>
+                    <a:lumOff val="35000"/>
+                  </a:schemeClr>
+                </a:solidFill>
+                <a:latin typeface="+mj-lt"/>
+                <a:ea typeface="Verdana" panose="020B0604030504040204" pitchFamily="34" charset="0"/>
+              </a:rPr>
+              <a:t>. </a:t>
+            </a:r>
+            <a:r>
+              <a:rPr lang="en-US" sz="1400" b="0" i="0" dirty="0">
+                <a:solidFill>
+                  <a:schemeClr val="tx1">
+                    <a:lumMod val="65000"/>
+                    <a:lumOff val="35000"/>
+                  </a:schemeClr>
+                </a:solidFill>
+                <a:effectLst/>
+                <a:latin typeface="+mj-lt"/>
+                <a:ea typeface="Verdana" panose="020B0604030504040204" pitchFamily="34" charset="0"/>
+              </a:rPr>
+              <a:t>Sebastopol, CA: O'Reilly Media, Inc. (Chapter 1)</a:t>
+            </a:r>
+            <a:endParaRPr lang="en-US" sz="1400" dirty="0">
+              <a:solidFill>
+                <a:schemeClr val="tx1">
+                  <a:lumMod val="65000"/>
+                  <a:lumOff val="35000"/>
+                </a:schemeClr>
+              </a:solidFill>
+              <a:latin typeface="+mj-lt"/>
+              <a:ea typeface="Verdana" panose="020B0604030504040204" pitchFamily="34" charset="0"/>
+            </a:endParaRPr>
+          </a:p>
+        </p:txBody>
+      </p:sp>
+    </p:spTree>
+    <p:extLst>
+      <p:ext uri="{BB962C8B-B14F-4D97-AF65-F5344CB8AC3E}">
+        <p14:creationId xmlns:p14="http://schemas.microsoft.com/office/powerpoint/2010/main" val="615087709"/>
+      </p:ext>
+    </p:extLst>
+  </p:cSld>
+  <p:clrMapOvr>
+    <a:masterClrMapping/>
+  </p:clrMapOvr>
+  <mc:AlternateContent xmlns:mc="http://schemas.openxmlformats.org/markup-compatibility/2006" xmlns:p14="http://schemas.microsoft.com/office/powerpoint/2010/main">
+    <mc:Choice Requires="p14">
+      <p:transition spd="med" p14:dur="700">
+        <p:fade/>
+      </p:transition>
+    </mc:Choice>
+    <mc:Fallback xmlns="">
+      <p:transition spd="med">
+        <p:fade/>
+      </p:transition>
+    </mc:Fallback>
+  </mc:AlternateContent>
+</p:sld>
+</file>
+
+<file path=ppt/slides/slide5.xml><?xml version="1.0" encoding="utf-8"?>
+<p:sld xmlns:a="http://schemas.openxmlformats.org/drawingml/2006/main" xmlns:r="http://schemas.openxmlformats.org/officeDocument/2006/relationships" xmlns:p="http://schemas.openxmlformats.org/presentationml/2006/main">
+  <p:cSld>
+    <p:spTree>
+      <p:nvGrpSpPr>
+        <p:cNvPr id="1" name=""/>
+        <p:cNvGrpSpPr/>
+        <p:nvPr/>
+      </p:nvGrpSpPr>
+      <p:grpSpPr>
+        <a:xfrm>
+          <a:off x="0" y="0"/>
+          <a:ext cx="0" cy="0"/>
+          <a:chOff x="0" y="0"/>
+          <a:chExt cx="0" cy="0"/>
+        </a:xfrm>
+      </p:grpSpPr>
+      <p:sp>
+        <p:nvSpPr>
+          <p:cNvPr id="2" name="Title 1">
+            <a:extLst>
+              <a:ext uri="{FF2B5EF4-FFF2-40B4-BE49-F238E27FC236}">
+                <a16:creationId xmlns:a16="http://schemas.microsoft.com/office/drawing/2014/main" id="{28FF21C3-8FBB-4756-BF7C-FFD2E5CC2B06}"/>
+              </a:ext>
+            </a:extLst>
+          </p:cNvPr>
+          <p:cNvSpPr>
+            <a:spLocks noGrp="1"/>
+          </p:cNvSpPr>
+          <p:nvPr>
+            <p:ph type="title"/>
+          </p:nvPr>
+        </p:nvSpPr>
+        <p:spPr>
+          <a:xfrm>
+            <a:off x="0" y="440190"/>
+            <a:ext cx="12192000" cy="815404"/>
+          </a:xfrm>
+        </p:spPr>
+        <p:txBody>
+          <a:bodyPr>
+            <a:normAutofit/>
+          </a:bodyPr>
+          <a:lstStyle/>
+          <a:p>
+            <a:pPr algn="ctr"/>
+            <a:r>
+              <a:rPr lang="en-US" dirty="0">
+                <a:latin typeface="Palatino Linotype" panose="02040502050505030304" pitchFamily="18" charset="0"/>
+                <a:cs typeface="Segoe UI Light" panose="020B0502040204020203" pitchFamily="34" charset="0"/>
+              </a:rPr>
+              <a:t>Supervised Learning</a:t>
+            </a:r>
+          </a:p>
+        </p:txBody>
+      </p:sp>
+      <p:pic>
+        <p:nvPicPr>
+          <p:cNvPr id="3" name="Picture 2">
+            <a:extLst>
+              <a:ext uri="{FF2B5EF4-FFF2-40B4-BE49-F238E27FC236}">
+                <a16:creationId xmlns:a16="http://schemas.microsoft.com/office/drawing/2014/main" id="{09795969-437A-4997-8374-F1E20DB6D276}"/>
+              </a:ext>
+            </a:extLst>
+          </p:cNvPr>
+          <p:cNvPicPr>
+            <a:picLocks noChangeAspect="1"/>
+          </p:cNvPicPr>
+          <p:nvPr/>
+        </p:nvPicPr>
+        <p:blipFill>
+          <a:blip r:embed="rId3"/>
+          <a:stretch>
+            <a:fillRect/>
+          </a:stretch>
+        </p:blipFill>
+        <p:spPr>
+          <a:xfrm>
+            <a:off x="3108110" y="2166567"/>
+            <a:ext cx="6558405" cy="3326295"/>
+          </a:xfrm>
+          <a:prstGeom prst="rect">
+            <a:avLst/>
+          </a:prstGeom>
+        </p:spPr>
+      </p:pic>
+      <p:sp>
+        <p:nvSpPr>
+          <p:cNvPr id="7" name="TextBox 6">
+            <a:extLst>
+              <a:ext uri="{FF2B5EF4-FFF2-40B4-BE49-F238E27FC236}">
+                <a16:creationId xmlns:a16="http://schemas.microsoft.com/office/drawing/2014/main" id="{27FA1CAB-D95C-4B75-935E-90398B1AB8D8}"/>
+              </a:ext>
+            </a:extLst>
+          </p:cNvPr>
+          <p:cNvSpPr txBox="1"/>
+          <p:nvPr/>
+        </p:nvSpPr>
+        <p:spPr>
+          <a:xfrm>
+            <a:off x="3108110" y="5756988"/>
+            <a:ext cx="7024935" cy="369332"/>
+          </a:xfrm>
+          <a:prstGeom prst="rect">
+            <a:avLst/>
+          </a:prstGeom>
+          <a:noFill/>
+        </p:spPr>
+        <p:txBody>
+          <a:bodyPr wrap="square" rtlCol="0">
+            <a:spAutoFit/>
+          </a:bodyPr>
+          <a:lstStyle/>
+          <a:p>
+            <a:r>
+              <a:rPr lang="en-US" i="1" dirty="0">
+                <a:latin typeface="MinionPro-It"/>
+              </a:rPr>
+              <a:t>Figure 1-2. A regression problem: predict a value, given an input feature.</a:t>
+            </a:r>
+            <a:endParaRPr lang="en-US" dirty="0">
+              <a:latin typeface="MinionPro-It"/>
+            </a:endParaRPr>
+          </a:p>
+        </p:txBody>
+      </p:sp>
+      <p:sp>
+        <p:nvSpPr>
+          <p:cNvPr id="5" name="TextBox 4">
+            <a:extLst>
+              <a:ext uri="{FF2B5EF4-FFF2-40B4-BE49-F238E27FC236}">
+                <a16:creationId xmlns:a16="http://schemas.microsoft.com/office/drawing/2014/main" id="{4BC007C6-6C34-4108-B6AF-232F6D5AB7CE}"/>
+              </a:ext>
+            </a:extLst>
+          </p:cNvPr>
+          <p:cNvSpPr txBox="1"/>
+          <p:nvPr/>
+        </p:nvSpPr>
+        <p:spPr>
+          <a:xfrm>
+            <a:off x="0" y="6550223"/>
+            <a:ext cx="12192000" cy="307777"/>
+          </a:xfrm>
+          <a:prstGeom prst="rect">
+            <a:avLst/>
+          </a:prstGeom>
+          <a:noFill/>
+        </p:spPr>
+        <p:txBody>
+          <a:bodyPr wrap="square" rtlCol="0">
+            <a:spAutoFit/>
+          </a:bodyPr>
+          <a:lstStyle/>
+          <a:p>
+            <a:r>
+              <a:rPr lang="en-US" sz="1400" dirty="0">
+                <a:solidFill>
+                  <a:schemeClr val="tx1">
+                    <a:lumMod val="65000"/>
+                    <a:lumOff val="35000"/>
+                  </a:schemeClr>
+                </a:solidFill>
+                <a:latin typeface="+mj-lt"/>
+                <a:ea typeface="Verdana" panose="020B0604030504040204" pitchFamily="34" charset="0"/>
+              </a:rPr>
+              <a:t>Source: Geron, A. (2019). </a:t>
+            </a:r>
+            <a:r>
+              <a:rPr lang="en-US" sz="1400" i="1" dirty="0">
+                <a:solidFill>
+                  <a:schemeClr val="tx1">
+                    <a:lumMod val="65000"/>
+                    <a:lumOff val="35000"/>
+                  </a:schemeClr>
+                </a:solidFill>
+                <a:latin typeface="+mj-lt"/>
+                <a:ea typeface="Verdana" panose="020B0604030504040204" pitchFamily="34" charset="0"/>
+              </a:rPr>
+              <a:t>Hands-On Machine Learning w/Scikit-Learn, Keras &amp; Tensorflow </a:t>
+            </a:r>
+            <a:r>
+              <a:rPr lang="en-US" sz="1400" dirty="0">
+                <a:solidFill>
+                  <a:schemeClr val="tx1">
+                    <a:lumMod val="65000"/>
+                    <a:lumOff val="35000"/>
+                  </a:schemeClr>
+                </a:solidFill>
+                <a:latin typeface="+mj-lt"/>
+                <a:ea typeface="Verdana" panose="020B0604030504040204" pitchFamily="34" charset="0"/>
+              </a:rPr>
+              <a:t>. </a:t>
+            </a:r>
+            <a:r>
+              <a:rPr lang="en-US" sz="1400" b="0" i="0" dirty="0">
+                <a:solidFill>
+                  <a:schemeClr val="tx1">
+                    <a:lumMod val="65000"/>
+                    <a:lumOff val="35000"/>
+                  </a:schemeClr>
+                </a:solidFill>
+                <a:effectLst/>
+                <a:latin typeface="+mj-lt"/>
+                <a:ea typeface="Verdana" panose="020B0604030504040204" pitchFamily="34" charset="0"/>
+              </a:rPr>
+              <a:t>Sebastopol, CA: O'Reilly Media, Inc. (Chapter 1)</a:t>
+            </a:r>
+            <a:endParaRPr lang="en-US" sz="1400" dirty="0">
+              <a:solidFill>
+                <a:schemeClr val="tx1">
+                  <a:lumMod val="65000"/>
+                  <a:lumOff val="35000"/>
+                </a:schemeClr>
+              </a:solidFill>
+              <a:latin typeface="+mj-lt"/>
+              <a:ea typeface="Verdana" panose="020B0604030504040204" pitchFamily="34" charset="0"/>
+            </a:endParaRPr>
+          </a:p>
+        </p:txBody>
+      </p:sp>
+    </p:spTree>
+    <p:extLst>
+      <p:ext uri="{BB962C8B-B14F-4D97-AF65-F5344CB8AC3E}">
+        <p14:creationId xmlns:p14="http://schemas.microsoft.com/office/powerpoint/2010/main" val="3605780104"/>
+      </p:ext>
+    </p:extLst>
+  </p:cSld>
+  <p:clrMapOvr>
+    <a:masterClrMapping/>
+  </p:clrMapOvr>
+  <mc:AlternateContent xmlns:mc="http://schemas.openxmlformats.org/markup-compatibility/2006" xmlns:p14="http://schemas.microsoft.com/office/powerpoint/2010/main">
+    <mc:Choice Requires="p14">
+      <p:transition spd="med" p14:dur="700">
+        <p:fade/>
+      </p:transition>
+    </mc:Choice>
+    <mc:Fallback xmlns="">
+      <p:transition spd="med">
+        <p:fade/>
+      </p:transition>
+    </mc:Fallback>
+  </mc:AlternateContent>
+</p:sld>
+</file>
+
 <file path=ppt/slides/slide6.xml><?xml version="1.0" encoding="utf-8"?>
 <p:sld xmlns:a="http://schemas.openxmlformats.org/drawingml/2006/main" xmlns:r="http://schemas.openxmlformats.org/officeDocument/2006/relationships" xmlns:p="http://schemas.openxmlformats.org/presentationml/2006/main">
   <p:cSld>
@@ -9193,10 +8617,10 @@
       </p:grpSpPr>
       <p:sp>
         <p:nvSpPr>
-          <p:cNvPr id="7" name="Title 6">
-            <a:extLst>
-              <a:ext uri="{FF2B5EF4-FFF2-40B4-BE49-F238E27FC236}">
-                <a16:creationId xmlns:a16="http://schemas.microsoft.com/office/drawing/2014/main" id="{BC039510-9FB4-4DE2-BBA1-1246681F0104}"/>
+          <p:cNvPr id="2" name="Title 1">
+            <a:extLst>
+              <a:ext uri="{FF2B5EF4-FFF2-40B4-BE49-F238E27FC236}">
+                <a16:creationId xmlns:a16="http://schemas.microsoft.com/office/drawing/2014/main" id="{28FF21C3-8FBB-4756-BF7C-FFD2E5CC2B06}"/>
               </a:ext>
             </a:extLst>
           </p:cNvPr>
@@ -9206,71 +8630,76 @@
           <p:nvPr>
             <p:ph type="title"/>
           </p:nvPr>
-        </p:nvSpPr>
-        <p:spPr/>
-        <p:txBody>
-          <a:bodyPr/>
-          <a:lstStyle/>
-          <a:p>
-            <a:pPr algn="ctr"/>
-            <a:endParaRPr lang="en-US" dirty="0">
-              <a:latin typeface="Palatino Linotype" panose="02040502050505030304" pitchFamily="18" charset="0"/>
-            </a:endParaRPr>
-          </a:p>
-        </p:txBody>
-      </p:sp>
-      <p:sp>
-        <p:nvSpPr>
-          <p:cNvPr id="3" name="Content Placeholder 2">
-            <a:extLst>
-              <a:ext uri="{FF2B5EF4-FFF2-40B4-BE49-F238E27FC236}">
-                <a16:creationId xmlns:a16="http://schemas.microsoft.com/office/drawing/2014/main" id="{5E3B4FD5-17E5-444B-94C8-CD1174E8FBB6}"/>
-              </a:ext>
-            </a:extLst>
-          </p:cNvPr>
-          <p:cNvSpPr>
-            <a:spLocks noGrp="1"/>
-          </p:cNvSpPr>
-          <p:nvPr>
-            <p:ph idx="1"/>
-          </p:nvPr>
-        </p:nvSpPr>
-        <p:spPr/>
-        <p:txBody>
-          <a:bodyPr/>
-          <a:lstStyle/>
-          <a:p>
-            <a:pPr marL="0" indent="0">
-              <a:buNone/>
-            </a:pPr>
-            <a:endParaRPr lang="en-US" dirty="0"/>
-          </a:p>
-          <a:p>
-            <a:pPr marL="0" indent="0">
-              <a:buNone/>
-            </a:pPr>
-            <a:endParaRPr lang="en-US" dirty="0"/>
-          </a:p>
-        </p:txBody>
-      </p:sp>
-      <p:sp>
-        <p:nvSpPr>
-          <p:cNvPr id="8" name="Title 1">
-            <a:extLst>
-              <a:ext uri="{FF2B5EF4-FFF2-40B4-BE49-F238E27FC236}">
-                <a16:creationId xmlns:a16="http://schemas.microsoft.com/office/drawing/2014/main" id="{17A758CD-2125-4598-B9A5-52FB7CBBAED3}"/>
-              </a:ext>
-            </a:extLst>
-          </p:cNvPr>
-          <p:cNvSpPr txBox="1">
-            <a:spLocks/>
-          </p:cNvSpPr>
-          <p:nvPr/>
         </p:nvSpPr>
         <p:spPr>
           <a:xfrm>
-            <a:off x="0" y="2678906"/>
-            <a:ext cx="12192000" cy="1500188"/>
+            <a:off x="0" y="440190"/>
+            <a:ext cx="12192000" cy="815404"/>
+          </a:xfrm>
+        </p:spPr>
+        <p:txBody>
+          <a:bodyPr>
+            <a:normAutofit/>
+          </a:bodyPr>
+          <a:lstStyle/>
+          <a:p>
+            <a:pPr algn="ctr"/>
+            <a:r>
+              <a:rPr lang="en-US" dirty="0">
+                <a:latin typeface="Palatino Linotype" panose="02040502050505030304" pitchFamily="18" charset="0"/>
+                <a:cs typeface="Segoe UI Light" panose="020B0502040204020203" pitchFamily="34" charset="0"/>
+              </a:rPr>
+              <a:t>Unsupervised Learning</a:t>
+            </a:r>
+          </a:p>
+        </p:txBody>
+      </p:sp>
+      <p:pic>
+        <p:nvPicPr>
+          <p:cNvPr id="4" name="Picture 3">
+            <a:extLst>
+              <a:ext uri="{FF2B5EF4-FFF2-40B4-BE49-F238E27FC236}">
+                <a16:creationId xmlns:a16="http://schemas.microsoft.com/office/drawing/2014/main" id="{020FE876-B9EF-492F-A22E-49EE94076E8B}"/>
+              </a:ext>
+            </a:extLst>
+          </p:cNvPr>
+          <p:cNvPicPr>
+            <a:picLocks noChangeAspect="1"/>
+          </p:cNvPicPr>
+          <p:nvPr/>
+        </p:nvPicPr>
+        <p:blipFill>
+          <a:blip r:embed="rId3"/>
+          <a:stretch>
+            <a:fillRect/>
+          </a:stretch>
+        </p:blipFill>
+        <p:spPr>
+          <a:xfrm>
+            <a:off x="4192778" y="2649667"/>
+            <a:ext cx="3781425" cy="2038350"/>
+          </a:xfrm>
+          <a:prstGeom prst="rect">
+            <a:avLst/>
+          </a:prstGeom>
+        </p:spPr>
+      </p:pic>
+      <p:sp>
+        <p:nvSpPr>
+          <p:cNvPr id="6" name="TextBox 5">
+            <a:extLst>
+              <a:ext uri="{FF2B5EF4-FFF2-40B4-BE49-F238E27FC236}">
+                <a16:creationId xmlns:a16="http://schemas.microsoft.com/office/drawing/2014/main" id="{6F22C904-9079-4644-A284-60042DE4638D}"/>
+              </a:ext>
+            </a:extLst>
+          </p:cNvPr>
+          <p:cNvSpPr txBox="1"/>
+          <p:nvPr/>
+        </p:nvSpPr>
+        <p:spPr>
+          <a:xfrm>
+            <a:off x="0" y="6550223"/>
+            <a:ext cx="12192000" cy="307777"/>
           </a:xfrm>
           <a:prstGeom prst="rect">
             <a:avLst/>
@@ -9278,47 +8707,81 @@
           <a:noFill/>
         </p:spPr>
         <p:txBody>
-          <a:bodyPr vert="horz" lIns="91440" tIns="45720" rIns="91440" bIns="45720" rtlCol="0" anchor="ctr">
-            <a:normAutofit/>
+          <a:bodyPr wrap="square" rtlCol="0">
+            <a:spAutoFit/>
           </a:bodyPr>
-          <a:lstStyle>
-            <a:lvl1pPr algn="l" defTabSz="914400" rtl="0" eaLnBrk="1" latinLnBrk="0" hangingPunct="1">
-              <a:lnSpc>
-                <a:spcPct val="90000"/>
-              </a:lnSpc>
-              <a:spcBef>
-                <a:spcPct val="0"/>
-              </a:spcBef>
-              <a:buNone/>
-              <a:defRPr sz="4400" kern="1200">
-                <a:solidFill>
-                  <a:schemeClr val="tx1"/>
+          <a:lstStyle/>
+          <a:p>
+            <a:r>
+              <a:rPr lang="en-US" sz="1400" dirty="0">
+                <a:solidFill>
+                  <a:schemeClr val="tx1">
+                    <a:lumMod val="65000"/>
+                    <a:lumOff val="35000"/>
+                  </a:schemeClr>
                 </a:solidFill>
                 <a:latin typeface="+mj-lt"/>
-                <a:ea typeface="+mj-ea"/>
-                <a:cs typeface="+mj-cs"/>
-              </a:defRPr>
-            </a:lvl1pPr>
-          </a:lstStyle>
-          <a:p>
-            <a:pPr algn="ctr"/>
-            <a:r>
-              <a:rPr lang="en-US" sz="4000" dirty="0">
-                <a:solidFill>
-                  <a:srgbClr val="4B83B5"/>
-                </a:solidFill>
-                <a:latin typeface="Palatino Linotype" panose="02040502050505030304" pitchFamily="18" charset="0"/>
-                <a:cs typeface="Segoe UI Light" panose="020B0502040204020203" pitchFamily="34" charset="0"/>
-              </a:rPr>
-              <a:t>https://teachablemachine.withgoogle.com/</a:t>
-            </a:r>
+                <a:ea typeface="Verdana" panose="020B0604030504040204" pitchFamily="34" charset="0"/>
+              </a:rPr>
+              <a:t>Source: Taylor, M. (2017). </a:t>
+            </a:r>
+            <a:r>
+              <a:rPr lang="en-US" sz="1400" i="1" dirty="0">
+                <a:solidFill>
+                  <a:schemeClr val="tx1">
+                    <a:lumMod val="65000"/>
+                    <a:lumOff val="35000"/>
+                  </a:schemeClr>
+                </a:solidFill>
+                <a:latin typeface="+mj-lt"/>
+                <a:ea typeface="Verdana" panose="020B0604030504040204" pitchFamily="34" charset="0"/>
+              </a:rPr>
+              <a:t>Neural Networks: A Visual Introduction for Beginners</a:t>
+            </a:r>
+            <a:r>
+              <a:rPr lang="en-US" sz="1400" dirty="0">
+                <a:solidFill>
+                  <a:schemeClr val="tx1">
+                    <a:lumMod val="65000"/>
+                    <a:lumOff val="35000"/>
+                  </a:schemeClr>
+                </a:solidFill>
+                <a:latin typeface="+mj-lt"/>
+                <a:ea typeface="Verdana" panose="020B0604030504040204" pitchFamily="34" charset="0"/>
+              </a:rPr>
+              <a:t>. </a:t>
+            </a:r>
+            <a:r>
+              <a:rPr lang="en-US" sz="1400" b="0" i="0" dirty="0">
+                <a:solidFill>
+                  <a:schemeClr val="tx1">
+                    <a:lumMod val="65000"/>
+                    <a:lumOff val="35000"/>
+                  </a:schemeClr>
+                </a:solidFill>
+                <a:effectLst/>
+                <a:latin typeface="+mj-lt"/>
+                <a:ea typeface="Verdana" panose="020B0604030504040204" pitchFamily="34" charset="0"/>
+              </a:rPr>
+              <a:t>Sebastopol, CA: Blue Windmill Media.</a:t>
+            </a:r>
+            <a:endParaRPr lang="en-US" sz="1400" dirty="0">
+              <a:solidFill>
+                <a:schemeClr val="tx1">
+                  <a:lumMod val="65000"/>
+                  <a:lumOff val="35000"/>
+                </a:schemeClr>
+              </a:solidFill>
+              <a:latin typeface="+mj-lt"/>
+              <a:ea typeface="Verdana" panose="020B0604030504040204" pitchFamily="34" charset="0"/>
+            </a:endParaRPr>
           </a:p>
         </p:txBody>
       </p:sp>
     </p:spTree>
     <p:extLst>
       <p:ext uri="{BB962C8B-B14F-4D97-AF65-F5344CB8AC3E}">
-        <p14:creationId xmlns:p14="http://schemas.microsoft.com/office/powerpoint/2010/main" val="1543091714"/>
+        <p14:creationId xmlns:p14="http://schemas.microsoft.com/office/powerpoint/2010/main" val="4005337452"/>
       </p:ext>
     </p:extLst>
   </p:cSld>
@@ -9362,7 +8825,7 @@
           <p:cNvPr id="2" name="Title 1">
             <a:extLst>
               <a:ext uri="{FF2B5EF4-FFF2-40B4-BE49-F238E27FC236}">
-                <a16:creationId xmlns:a16="http://schemas.microsoft.com/office/drawing/2014/main" id="{8306FF31-301F-43F0-8202-A782726E446A}"/>
+                <a16:creationId xmlns:a16="http://schemas.microsoft.com/office/drawing/2014/main" id="{28FF21C3-8FBB-4756-BF7C-FFD2E5CC2B06}"/>
               </a:ext>
             </a:extLst>
           </p:cNvPr>
@@ -9375,8 +8838,8 @@
         </p:nvSpPr>
         <p:spPr>
           <a:xfrm>
-            <a:off x="618695" y="484026"/>
-            <a:ext cx="10735103" cy="827416"/>
+            <a:off x="0" y="440190"/>
+            <a:ext cx="12192000" cy="815404"/>
           </a:xfrm>
         </p:spPr>
         <p:txBody>
@@ -9386,19 +8849,22 @@
           <a:lstStyle/>
           <a:p>
             <a:pPr algn="ctr"/>
-            <a:endParaRPr lang="en-US" sz="3600" dirty="0">
-              <a:latin typeface="Palatino Linotype" panose="02040502050505030304" pitchFamily="18" charset="0"/>
-              <a:cs typeface="Segoe UI Light" panose="020B0502040204020203" pitchFamily="34" charset="0"/>
-            </a:endParaRPr>
+            <a:r>
+              <a:rPr lang="en-US" dirty="0">
+                <a:latin typeface="Palatino Linotype" panose="02040502050505030304" pitchFamily="18" charset="0"/>
+                <a:cs typeface="Segoe UI Light" panose="020B0502040204020203" pitchFamily="34" charset="0"/>
+              </a:rPr>
+              <a:t>Unsupervised Learning</a:t>
+            </a:r>
           </a:p>
         </p:txBody>
       </p:sp>
       <p:pic>
         <p:nvPicPr>
-          <p:cNvPr id="19" name="Picture 18" descr="Chart, funnel chart&#10;&#10;Description automatically generated">
-            <a:extLst>
-              <a:ext uri="{FF2B5EF4-FFF2-40B4-BE49-F238E27FC236}">
-                <a16:creationId xmlns:a16="http://schemas.microsoft.com/office/drawing/2014/main" id="{0810DBA9-117D-4170-944A-E7155602F262}"/>
+          <p:cNvPr id="3" name="Picture 2">
+            <a:extLst>
+              <a:ext uri="{FF2B5EF4-FFF2-40B4-BE49-F238E27FC236}">
+                <a16:creationId xmlns:a16="http://schemas.microsoft.com/office/drawing/2014/main" id="{95A9097A-6FD6-4082-A3E5-B7346D9922A4}"/>
               </a:ext>
             </a:extLst>
           </p:cNvPr>
@@ -9408,21 +8874,15 @@
           <p:nvPr/>
         </p:nvPicPr>
         <p:blipFill>
-          <a:blip r:embed="rId3">
-            <a:extLst>
-              <a:ext uri="{28A0092B-C50C-407E-A947-70E740481C1C}">
-                <a14:useLocalDpi xmlns:a14="http://schemas.microsoft.com/office/drawing/2010/main" val="0"/>
-              </a:ext>
-            </a:extLst>
-          </a:blip>
+          <a:blip r:embed="rId3"/>
           <a:stretch>
             <a:fillRect/>
           </a:stretch>
         </p:blipFill>
         <p:spPr>
           <a:xfrm>
-            <a:off x="3103145" y="3309376"/>
-            <a:ext cx="6387521" cy="3548624"/>
+            <a:off x="2968150" y="2352345"/>
+            <a:ext cx="6087178" cy="2889070"/>
           </a:xfrm>
           <a:prstGeom prst="rect">
             <a:avLst/>
@@ -9431,10 +8891,10 @@
       </p:pic>
       <p:sp>
         <p:nvSpPr>
-          <p:cNvPr id="21" name="TextBox 20">
-            <a:extLst>
-              <a:ext uri="{FF2B5EF4-FFF2-40B4-BE49-F238E27FC236}">
-                <a16:creationId xmlns:a16="http://schemas.microsoft.com/office/drawing/2014/main" id="{8BC49554-8BCC-4463-BFEC-012DE8382E2C}"/>
+          <p:cNvPr id="4" name="TextBox 3">
+            <a:extLst>
+              <a:ext uri="{FF2B5EF4-FFF2-40B4-BE49-F238E27FC236}">
+                <a16:creationId xmlns:a16="http://schemas.microsoft.com/office/drawing/2014/main" id="{529ACE95-5368-4D6C-B36C-00E3E577D176}"/>
               </a:ext>
             </a:extLst>
           </p:cNvPr>
@@ -9442,9 +8902,9 @@
           <p:nvPr/>
         </p:nvSpPr>
         <p:spPr>
-          <a:xfrm rot="17969273">
-            <a:off x="3666379" y="2767355"/>
-            <a:ext cx="1460656" cy="400110"/>
+          <a:xfrm>
+            <a:off x="0" y="6550223"/>
+            <a:ext cx="12192000" cy="307777"/>
           </a:xfrm>
           <a:prstGeom prst="rect">
             <a:avLst/>
@@ -9452,135 +8912,81 @@
           <a:noFill/>
         </p:spPr>
         <p:txBody>
-          <a:bodyPr wrap="none" rtlCol="0">
+          <a:bodyPr wrap="square" rtlCol="0">
             <a:spAutoFit/>
           </a:bodyPr>
           <a:lstStyle/>
           <a:p>
             <a:r>
-              <a:rPr lang="en-US" sz="2000" dirty="0">
-                <a:latin typeface="Palatino Linotype" panose="02040502050505030304" pitchFamily="18" charset="0"/>
-              </a:rPr>
-              <a:t>Supervised</a:t>
-            </a:r>
-          </a:p>
-        </p:txBody>
-      </p:sp>
-      <p:sp>
-        <p:nvSpPr>
-          <p:cNvPr id="22" name="TextBox 21">
-            <a:extLst>
-              <a:ext uri="{FF2B5EF4-FFF2-40B4-BE49-F238E27FC236}">
-                <a16:creationId xmlns:a16="http://schemas.microsoft.com/office/drawing/2014/main" id="{CE8B938B-2F70-4932-88EC-09A1B892BEC5}"/>
-              </a:ext>
-            </a:extLst>
-          </p:cNvPr>
-          <p:cNvSpPr txBox="1"/>
-          <p:nvPr/>
-        </p:nvSpPr>
-        <p:spPr>
-          <a:xfrm rot="17844313">
-            <a:off x="6477977" y="2667895"/>
-            <a:ext cx="1782860" cy="400110"/>
-          </a:xfrm>
-          <a:prstGeom prst="rect">
-            <a:avLst/>
-          </a:prstGeom>
-          <a:noFill/>
-        </p:spPr>
-        <p:txBody>
-          <a:bodyPr wrap="none" rtlCol="0">
-            <a:spAutoFit/>
-          </a:bodyPr>
-          <a:lstStyle/>
-          <a:p>
-            <a:r>
-              <a:rPr lang="en-US" sz="2000" dirty="0">
-                <a:latin typeface="Palatino Linotype" panose="02040502050505030304" pitchFamily="18" charset="0"/>
-              </a:rPr>
-              <a:t>Unsupervised</a:t>
-            </a:r>
-          </a:p>
-        </p:txBody>
-      </p:sp>
-      <p:sp>
-        <p:nvSpPr>
-          <p:cNvPr id="23" name="TextBox 22">
-            <a:extLst>
-              <a:ext uri="{FF2B5EF4-FFF2-40B4-BE49-F238E27FC236}">
-                <a16:creationId xmlns:a16="http://schemas.microsoft.com/office/drawing/2014/main" id="{76FFCAF8-479C-4A65-94F0-044B0B2723F2}"/>
-              </a:ext>
-            </a:extLst>
-          </p:cNvPr>
-          <p:cNvSpPr txBox="1"/>
-          <p:nvPr/>
-        </p:nvSpPr>
-        <p:spPr>
-          <a:xfrm rot="17776781">
-            <a:off x="7890645" y="2667894"/>
-            <a:ext cx="1848583" cy="400110"/>
-          </a:xfrm>
-          <a:prstGeom prst="rect">
-            <a:avLst/>
-          </a:prstGeom>
-          <a:noFill/>
-        </p:spPr>
-        <p:txBody>
-          <a:bodyPr wrap="none" rtlCol="0">
-            <a:spAutoFit/>
-          </a:bodyPr>
-          <a:lstStyle/>
-          <a:p>
-            <a:r>
-              <a:rPr lang="en-US" sz="2000" dirty="0">
-                <a:latin typeface="Palatino Linotype" panose="02040502050505030304" pitchFamily="18" charset="0"/>
-              </a:rPr>
-              <a:t>Reinforcement</a:t>
-            </a:r>
-          </a:p>
-        </p:txBody>
-      </p:sp>
-      <p:sp>
-        <p:nvSpPr>
-          <p:cNvPr id="24" name="TextBox 23">
-            <a:extLst>
-              <a:ext uri="{FF2B5EF4-FFF2-40B4-BE49-F238E27FC236}">
-                <a16:creationId xmlns:a16="http://schemas.microsoft.com/office/drawing/2014/main" id="{2C01BC85-DB25-408E-9806-FCD01930EE09}"/>
-              </a:ext>
-            </a:extLst>
-          </p:cNvPr>
-          <p:cNvSpPr txBox="1"/>
-          <p:nvPr/>
-        </p:nvSpPr>
-        <p:spPr>
-          <a:xfrm rot="17944405">
-            <a:off x="4910435" y="2536296"/>
-            <a:ext cx="2105063" cy="400110"/>
-          </a:xfrm>
-          <a:prstGeom prst="rect">
-            <a:avLst/>
-          </a:prstGeom>
-          <a:noFill/>
-        </p:spPr>
-        <p:txBody>
-          <a:bodyPr wrap="none" rtlCol="0">
-            <a:spAutoFit/>
-          </a:bodyPr>
-          <a:lstStyle/>
-          <a:p>
-            <a:r>
-              <a:rPr lang="en-US" sz="2000" dirty="0">
-                <a:latin typeface="Palatino Linotype" panose="02040502050505030304" pitchFamily="18" charset="0"/>
-              </a:rPr>
-              <a:t>Semi-Supervised</a:t>
-            </a:r>
+              <a:rPr lang="en-US" sz="1400" dirty="0">
+                <a:solidFill>
+                  <a:schemeClr val="tx1">
+                    <a:lumMod val="65000"/>
+                    <a:lumOff val="35000"/>
+                  </a:schemeClr>
+                </a:solidFill>
+                <a:latin typeface="+mj-lt"/>
+                <a:ea typeface="Verdana" panose="020B0604030504040204" pitchFamily="34" charset="0"/>
+              </a:rPr>
+              <a:t>Source: Geron, A. (2019). </a:t>
+            </a:r>
+            <a:r>
+              <a:rPr lang="en-US" sz="1400" i="1" dirty="0">
+                <a:solidFill>
+                  <a:schemeClr val="tx1">
+                    <a:lumMod val="65000"/>
+                    <a:lumOff val="35000"/>
+                  </a:schemeClr>
+                </a:solidFill>
+                <a:latin typeface="+mj-lt"/>
+                <a:ea typeface="Verdana" panose="020B0604030504040204" pitchFamily="34" charset="0"/>
+              </a:rPr>
+              <a:t>Hands-On Machine Learning w/Scikit-Learn, Keras &amp; Tensorflow </a:t>
+            </a:r>
+            <a:r>
+              <a:rPr lang="en-US" sz="1400" dirty="0">
+                <a:solidFill>
+                  <a:schemeClr val="tx1">
+                    <a:lumMod val="65000"/>
+                    <a:lumOff val="35000"/>
+                  </a:schemeClr>
+                </a:solidFill>
+                <a:latin typeface="+mj-lt"/>
+                <a:ea typeface="Verdana" panose="020B0604030504040204" pitchFamily="34" charset="0"/>
+              </a:rPr>
+              <a:t>. </a:t>
+            </a:r>
+            <a:r>
+              <a:rPr lang="en-US" sz="1400" b="0" i="0" dirty="0">
+                <a:solidFill>
+                  <a:schemeClr val="tx1">
+                    <a:lumMod val="65000"/>
+                    <a:lumOff val="35000"/>
+                  </a:schemeClr>
+                </a:solidFill>
+                <a:effectLst/>
+                <a:latin typeface="+mj-lt"/>
+                <a:ea typeface="Verdana" panose="020B0604030504040204" pitchFamily="34" charset="0"/>
+              </a:rPr>
+              <a:t>Sebastopol, CA: O'Reilly Media, Inc. (Chapter 1)</a:t>
+            </a:r>
+            <a:endParaRPr lang="en-US" sz="1400" dirty="0">
+              <a:solidFill>
+                <a:schemeClr val="tx1">
+                  <a:lumMod val="65000"/>
+                  <a:lumOff val="35000"/>
+                </a:schemeClr>
+              </a:solidFill>
+              <a:latin typeface="+mj-lt"/>
+              <a:ea typeface="Verdana" panose="020B0604030504040204" pitchFamily="34" charset="0"/>
+            </a:endParaRPr>
           </a:p>
         </p:txBody>
       </p:sp>
     </p:spTree>
     <p:extLst>
       <p:ext uri="{BB962C8B-B14F-4D97-AF65-F5344CB8AC3E}">
-        <p14:creationId xmlns:p14="http://schemas.microsoft.com/office/powerpoint/2010/main" val="2487305750"/>
+        <p14:creationId xmlns:p14="http://schemas.microsoft.com/office/powerpoint/2010/main" val="720656846"/>
       </p:ext>
     </p:extLst>
   </p:cSld>
@@ -9624,7 +9030,7 @@
           <p:cNvPr id="2" name="Title 1">
             <a:extLst>
               <a:ext uri="{FF2B5EF4-FFF2-40B4-BE49-F238E27FC236}">
-                <a16:creationId xmlns:a16="http://schemas.microsoft.com/office/drawing/2014/main" id="{8306FF31-301F-43F0-8202-A782726E446A}"/>
+                <a16:creationId xmlns:a16="http://schemas.microsoft.com/office/drawing/2014/main" id="{28FF21C3-8FBB-4756-BF7C-FFD2E5CC2B06}"/>
               </a:ext>
             </a:extLst>
           </p:cNvPr>
@@ -9637,8 +9043,8 @@
         </p:nvSpPr>
         <p:spPr>
           <a:xfrm>
-            <a:off x="618695" y="484026"/>
-            <a:ext cx="10735103" cy="827416"/>
+            <a:off x="0" y="440190"/>
+            <a:ext cx="12192000" cy="815404"/>
           </a:xfrm>
         </p:spPr>
         <p:txBody>
@@ -9648,182 +9054,22 @@
           <a:lstStyle/>
           <a:p>
             <a:pPr algn="ctr"/>
-            <a:endParaRPr lang="en-US" sz="3600" dirty="0">
-              <a:latin typeface="Palatino Linotype" panose="02040502050505030304" pitchFamily="18" charset="0"/>
-              <a:cs typeface="Segoe UI Light" panose="020B0502040204020203" pitchFamily="34" charset="0"/>
-            </a:endParaRPr>
-          </a:p>
-        </p:txBody>
-      </p:sp>
-      <p:sp>
-        <p:nvSpPr>
-          <p:cNvPr id="5" name="Content Placeholder 3">
-            <a:extLst>
-              <a:ext uri="{FF2B5EF4-FFF2-40B4-BE49-F238E27FC236}">
-                <a16:creationId xmlns:a16="http://schemas.microsoft.com/office/drawing/2014/main" id="{9D8D7698-BDCF-4095-949B-D5767A9BDC29}"/>
-              </a:ext>
-            </a:extLst>
-          </p:cNvPr>
-          <p:cNvSpPr>
-            <a:spLocks noGrp="1"/>
-          </p:cNvSpPr>
-          <p:nvPr>
-            <p:ph idx="1"/>
-          </p:nvPr>
-        </p:nvSpPr>
-        <p:spPr>
-          <a:xfrm>
-            <a:off x="1920240" y="1490346"/>
-            <a:ext cx="9433560" cy="4351338"/>
-          </a:xfrm>
-        </p:spPr>
-        <p:txBody>
-          <a:bodyPr/>
-          <a:lstStyle/>
-          <a:p>
-            <a:pPr marL="0" indent="0">
-              <a:buNone/>
-            </a:pPr>
-            <a:endParaRPr lang="en-US" dirty="0">
-              <a:latin typeface="Palatino Linotype" panose="02040502050505030304" pitchFamily="18" charset="0"/>
-            </a:endParaRPr>
-          </a:p>
-          <a:p>
-            <a:pPr marL="0" indent="0">
-              <a:buNone/>
-            </a:pPr>
-            <a:r>
-              <a:rPr lang="en-US" sz="2400" dirty="0">
+            <a:r>
+              <a:rPr lang="en-US" dirty="0">
                 <a:latin typeface="Palatino Linotype" panose="02040502050505030304" pitchFamily="18" charset="0"/>
-              </a:rPr>
-              <a:t>Supervised Learning is </a:t>
-            </a:r>
-            <a:r>
-              <a:rPr lang="en-US" sz="2400" dirty="0">
-                <a:solidFill>
-                  <a:srgbClr val="80BE63"/>
-                </a:solidFill>
-                <a:latin typeface="Palatino Linotype" panose="02040502050505030304" pitchFamily="18" charset="0"/>
-              </a:rPr>
-              <a:t>Task Driven</a:t>
-            </a:r>
-            <a:r>
-              <a:rPr lang="en-US" sz="2400" dirty="0">
-                <a:solidFill>
-                  <a:srgbClr val="0021A5"/>
-                </a:solidFill>
-                <a:latin typeface="Palatino Linotype" panose="02040502050505030304" pitchFamily="18" charset="0"/>
-              </a:rPr>
-              <a:t> </a:t>
-            </a:r>
-            <a:r>
-              <a:rPr lang="en-US" sz="2400" dirty="0">
-                <a:latin typeface="Palatino Linotype" panose="02040502050505030304" pitchFamily="18" charset="0"/>
-              </a:rPr>
-              <a:t>(Predict next value)</a:t>
-            </a:r>
-          </a:p>
-          <a:p>
-            <a:pPr marL="0" indent="0">
-              <a:buNone/>
-            </a:pPr>
-            <a:endParaRPr lang="en-US" sz="2400" dirty="0">
-              <a:latin typeface="Palatino Linotype" panose="02040502050505030304" pitchFamily="18" charset="0"/>
-            </a:endParaRPr>
-          </a:p>
-          <a:p>
-            <a:pPr marL="0" indent="0">
-              <a:buNone/>
-            </a:pPr>
-            <a:endParaRPr lang="en-US" sz="2400" dirty="0">
-              <a:latin typeface="Palatino Linotype" panose="02040502050505030304" pitchFamily="18" charset="0"/>
-            </a:endParaRPr>
-          </a:p>
-          <a:p>
-            <a:pPr marL="0" indent="0">
-              <a:buNone/>
-            </a:pPr>
-            <a:r>
-              <a:rPr lang="en-US" sz="2400" dirty="0">
-                <a:latin typeface="Palatino Linotype" panose="02040502050505030304" pitchFamily="18" charset="0"/>
-              </a:rPr>
-              <a:t>Unsupervised Learning is </a:t>
-            </a:r>
-            <a:r>
-              <a:rPr lang="en-US" sz="2400" dirty="0">
-                <a:solidFill>
-                  <a:srgbClr val="80BE63"/>
-                </a:solidFill>
-                <a:latin typeface="Palatino Linotype" panose="02040502050505030304" pitchFamily="18" charset="0"/>
-              </a:rPr>
-              <a:t>Data Driven</a:t>
-            </a:r>
-            <a:r>
-              <a:rPr lang="en-US" sz="2400" dirty="0">
-                <a:solidFill>
-                  <a:srgbClr val="0021A5"/>
-                </a:solidFill>
-                <a:latin typeface="Palatino Linotype" panose="02040502050505030304" pitchFamily="18" charset="0"/>
-              </a:rPr>
-              <a:t> </a:t>
-            </a:r>
-            <a:r>
-              <a:rPr lang="en-US" sz="2400" dirty="0">
-                <a:latin typeface="Palatino Linotype" panose="02040502050505030304" pitchFamily="18" charset="0"/>
-              </a:rPr>
-              <a:t>(Identify Clusters)</a:t>
-            </a:r>
-          </a:p>
-          <a:p>
-            <a:pPr marL="0" indent="0">
-              <a:buNone/>
-            </a:pPr>
-            <a:endParaRPr lang="en-US" sz="2400" dirty="0">
-              <a:latin typeface="Palatino Linotype" panose="02040502050505030304" pitchFamily="18" charset="0"/>
-            </a:endParaRPr>
-          </a:p>
-          <a:p>
-            <a:pPr marL="0" indent="0">
-              <a:buNone/>
-            </a:pPr>
-            <a:endParaRPr lang="en-US" sz="2400" dirty="0">
-              <a:latin typeface="Palatino Linotype" panose="02040502050505030304" pitchFamily="18" charset="0"/>
-            </a:endParaRPr>
-          </a:p>
-          <a:p>
-            <a:pPr marL="0" indent="0">
-              <a:buNone/>
-            </a:pPr>
-            <a:r>
-              <a:rPr lang="en-US" sz="2400" dirty="0">
-                <a:latin typeface="Palatino Linotype" panose="02040502050505030304" pitchFamily="18" charset="0"/>
-              </a:rPr>
-              <a:t>Reinforcement Learning is </a:t>
-            </a:r>
-            <a:r>
-              <a:rPr lang="en-US" sz="2400" dirty="0">
-                <a:solidFill>
-                  <a:srgbClr val="80BE63"/>
-                </a:solidFill>
-                <a:latin typeface="Palatino Linotype" panose="02040502050505030304" pitchFamily="18" charset="0"/>
-              </a:rPr>
-              <a:t>Experience Driven </a:t>
-            </a:r>
-            <a:r>
-              <a:rPr lang="en-US" sz="2400" dirty="0">
-                <a:latin typeface="Palatino Linotype" panose="02040502050505030304" pitchFamily="18" charset="0"/>
-              </a:rPr>
-              <a:t>(Learn from Mistakes)</a:t>
+                <a:cs typeface="Segoe UI Light" panose="020B0502040204020203" pitchFamily="34" charset="0"/>
+              </a:rPr>
+              <a:t>Unsupervised Learning</a:t>
             </a:r>
           </a:p>
         </p:txBody>
       </p:sp>
       <p:pic>
         <p:nvPicPr>
-          <p:cNvPr id="4" name="Picture 3">
-            <a:extLst>
-              <a:ext uri="{FF2B5EF4-FFF2-40B4-BE49-F238E27FC236}">
-                <a16:creationId xmlns:a16="http://schemas.microsoft.com/office/drawing/2014/main" id="{E6993CE1-9F4D-4DF0-B5C3-034EBA6DF239}"/>
+          <p:cNvPr id="3" name="Picture 2">
+            <a:extLst>
+              <a:ext uri="{FF2B5EF4-FFF2-40B4-BE49-F238E27FC236}">
+                <a16:creationId xmlns:a16="http://schemas.microsoft.com/office/drawing/2014/main" id="{4FC615C4-0F52-42F0-AD58-8B5E167BA56B}"/>
               </a:ext>
             </a:extLst>
           </p:cNvPr>
@@ -9833,96 +9079,119 @@
           <p:nvPr/>
         </p:nvPicPr>
         <p:blipFill>
-          <a:blip r:embed="rId3">
-            <a:clrChange>
-              <a:clrFrom>
-                <a:srgbClr val="FAFAFA"/>
-              </a:clrFrom>
-              <a:clrTo>
-                <a:srgbClr val="FAFAFA">
-                  <a:alpha val="0"/>
-                </a:srgbClr>
-              </a:clrTo>
-            </a:clrChange>
-          </a:blip>
+          <a:blip r:embed="rId3"/>
           <a:stretch>
             <a:fillRect/>
           </a:stretch>
         </p:blipFill>
         <p:spPr>
           <a:xfrm>
-            <a:off x="618695" y="1732434"/>
-            <a:ext cx="1132253" cy="827416"/>
+            <a:off x="3004301" y="2496731"/>
+            <a:ext cx="6183398" cy="2981865"/>
           </a:xfrm>
           <a:prstGeom prst="rect">
             <a:avLst/>
           </a:prstGeom>
         </p:spPr>
       </p:pic>
-      <p:pic>
-        <p:nvPicPr>
-          <p:cNvPr id="7" name="Picture 6">
-            <a:extLst>
-              <a:ext uri="{FF2B5EF4-FFF2-40B4-BE49-F238E27FC236}">
-                <a16:creationId xmlns:a16="http://schemas.microsoft.com/office/drawing/2014/main" id="{14943B8E-9938-46EA-A784-8671AFFCB2B0}"/>
-              </a:ext>
-            </a:extLst>
-          </p:cNvPr>
-          <p:cNvPicPr>
-            <a:picLocks noChangeAspect="1"/>
-          </p:cNvPicPr>
+      <p:sp>
+        <p:nvSpPr>
+          <p:cNvPr id="4" name="TextBox 3">
+            <a:extLst>
+              <a:ext uri="{FF2B5EF4-FFF2-40B4-BE49-F238E27FC236}">
+                <a16:creationId xmlns:a16="http://schemas.microsoft.com/office/drawing/2014/main" id="{C31D6808-333A-40CF-A92F-A7555FD0B1F0}"/>
+              </a:ext>
+            </a:extLst>
+          </p:cNvPr>
+          <p:cNvSpPr txBox="1"/>
           <p:nvPr/>
-        </p:nvPicPr>
-        <p:blipFill>
-          <a:blip r:embed="rId4"/>
-          <a:stretch>
-            <a:fillRect/>
-          </a:stretch>
-        </p:blipFill>
+        </p:nvSpPr>
         <p:spPr>
           <a:xfrm>
-            <a:off x="618695" y="3151665"/>
-            <a:ext cx="1009650" cy="971550"/>
+            <a:off x="0" y="6550223"/>
+            <a:ext cx="12192000" cy="307777"/>
           </a:xfrm>
           <a:prstGeom prst="rect">
             <a:avLst/>
           </a:prstGeom>
+          <a:noFill/>
         </p:spPr>
-      </p:pic>
-      <p:pic>
-        <p:nvPicPr>
-          <p:cNvPr id="9" name="Picture 8">
-            <a:extLst>
-              <a:ext uri="{FF2B5EF4-FFF2-40B4-BE49-F238E27FC236}">
-                <a16:creationId xmlns:a16="http://schemas.microsoft.com/office/drawing/2014/main" id="{8607284E-0792-4515-AF06-F4972B1E9ACE}"/>
-              </a:ext>
-            </a:extLst>
-          </p:cNvPr>
-          <p:cNvPicPr>
-            <a:picLocks noChangeAspect="1"/>
-          </p:cNvPicPr>
-          <p:nvPr/>
-        </p:nvPicPr>
-        <p:blipFill>
-          <a:blip r:embed="rId5"/>
-          <a:stretch>
-            <a:fillRect/>
-          </a:stretch>
-        </p:blipFill>
-        <p:spPr>
-          <a:xfrm>
-            <a:off x="618695" y="4427220"/>
-            <a:ext cx="933450" cy="1143000"/>
-          </a:xfrm>
-          <a:prstGeom prst="rect">
-            <a:avLst/>
-          </a:prstGeom>
-        </p:spPr>
-      </p:pic>
+        <p:txBody>
+          <a:bodyPr wrap="square" rtlCol="0">
+            <a:spAutoFit/>
+          </a:bodyPr>
+          <a:lstStyle/>
+          <a:p>
+            <a:r>
+              <a:rPr lang="en-US" sz="1400" dirty="0">
+                <a:solidFill>
+                  <a:schemeClr val="tx1">
+                    <a:lumMod val="65000"/>
+                    <a:lumOff val="35000"/>
+                  </a:schemeClr>
+                </a:solidFill>
+                <a:latin typeface="+mj-lt"/>
+                <a:ea typeface="Verdana" panose="020B0604030504040204" pitchFamily="34" charset="0"/>
+              </a:rPr>
+              <a:t>Source: Geron, A. (2019). </a:t>
+            </a:r>
+            <a:r>
+              <a:rPr lang="en-US" sz="1400" i="1" dirty="0">
+                <a:solidFill>
+                  <a:schemeClr val="tx1">
+                    <a:lumMod val="65000"/>
+                    <a:lumOff val="35000"/>
+                  </a:schemeClr>
+                </a:solidFill>
+                <a:latin typeface="+mj-lt"/>
+                <a:ea typeface="Verdana" panose="020B0604030504040204" pitchFamily="34" charset="0"/>
+              </a:rPr>
+              <a:t>Hands-On Machine Learning w/Scikit-Learn, Keras &amp; Tensorflow </a:t>
+            </a:r>
+            <a:r>
+              <a:rPr lang="en-US" sz="1400" dirty="0">
+                <a:solidFill>
+                  <a:schemeClr val="tx1">
+                    <a:lumMod val="65000"/>
+                    <a:lumOff val="35000"/>
+                  </a:schemeClr>
+                </a:solidFill>
+                <a:latin typeface="+mj-lt"/>
+                <a:ea typeface="Verdana" panose="020B0604030504040204" pitchFamily="34" charset="0"/>
+              </a:rPr>
+              <a:t>. </a:t>
+            </a:r>
+            <a:r>
+              <a:rPr lang="en-US" sz="1400" b="0" i="0" dirty="0">
+                <a:solidFill>
+                  <a:schemeClr val="tx1">
+                    <a:lumMod val="65000"/>
+                    <a:lumOff val="35000"/>
+                  </a:schemeClr>
+                </a:solidFill>
+                <a:effectLst/>
+                <a:latin typeface="+mj-lt"/>
+                <a:ea typeface="Verdana" panose="020B0604030504040204" pitchFamily="34" charset="0"/>
+              </a:rPr>
+              <a:t>Sebastopol, CA: O'Reilly Media, Inc. (Chapter 1)</a:t>
+            </a:r>
+            <a:endParaRPr lang="en-US" sz="1400" dirty="0">
+              <a:solidFill>
+                <a:schemeClr val="tx1">
+                  <a:lumMod val="65000"/>
+                  <a:lumOff val="35000"/>
+                </a:schemeClr>
+              </a:solidFill>
+              <a:latin typeface="+mj-lt"/>
+              <a:ea typeface="Verdana" panose="020B0604030504040204" pitchFamily="34" charset="0"/>
+            </a:endParaRPr>
+          </a:p>
+        </p:txBody>
+      </p:sp>
     </p:spTree>
     <p:extLst>
       <p:ext uri="{BB962C8B-B14F-4D97-AF65-F5344CB8AC3E}">
-        <p14:creationId xmlns:p14="http://schemas.microsoft.com/office/powerpoint/2010/main" val="3276872480"/>
+        <p14:creationId xmlns:p14="http://schemas.microsoft.com/office/powerpoint/2010/main" val="4246940051"/>
       </p:ext>
     </p:extLst>
   </p:cSld>
@@ -9963,10 +9232,10 @@
       </p:grpSpPr>
       <p:sp>
         <p:nvSpPr>
-          <p:cNvPr id="2" name="Title 1">
-            <a:extLst>
-              <a:ext uri="{FF2B5EF4-FFF2-40B4-BE49-F238E27FC236}">
-                <a16:creationId xmlns:a16="http://schemas.microsoft.com/office/drawing/2014/main" id="{28FF21C3-8FBB-4756-BF7C-FFD2E5CC2B06}"/>
+          <p:cNvPr id="19" name="Title 1">
+            <a:extLst>
+              <a:ext uri="{FF2B5EF4-FFF2-40B4-BE49-F238E27FC236}">
+                <a16:creationId xmlns:a16="http://schemas.microsoft.com/office/drawing/2014/main" id="{1596E405-F35C-4BF5-AB4F-3B909D8A6505}"/>
               </a:ext>
             </a:extLst>
           </p:cNvPr>
@@ -9995,17 +9264,17 @@
                 <a:latin typeface="Palatino Linotype" panose="02040502050505030304" pitchFamily="18" charset="0"/>
                 <a:cs typeface="Segoe UI Light" panose="020B0502040204020203" pitchFamily="34" charset="0"/>
               </a:rPr>
-              <a:t>Supervised Learning</a:t>
+              <a:t>Unsupervised Learning</a:t>
             </a:r>
           </a:p>
         </p:txBody>
       </p:sp>
       <p:pic>
         <p:nvPicPr>
-          <p:cNvPr id="7" name="Picture 6">
-            <a:extLst>
-              <a:ext uri="{FF2B5EF4-FFF2-40B4-BE49-F238E27FC236}">
-                <a16:creationId xmlns:a16="http://schemas.microsoft.com/office/drawing/2014/main" id="{10BCCF7B-0BA8-4F8D-98C9-A7AFC5076A57}"/>
+          <p:cNvPr id="2" name="Picture 1">
+            <a:extLst>
+              <a:ext uri="{FF2B5EF4-FFF2-40B4-BE49-F238E27FC236}">
+                <a16:creationId xmlns:a16="http://schemas.microsoft.com/office/drawing/2014/main" id="{639E0481-B443-4707-A805-D590CBDB6169}"/>
               </a:ext>
             </a:extLst>
           </p:cNvPr>
@@ -10022,18 +9291,153 @@
         </p:blipFill>
         <p:spPr>
           <a:xfrm>
-            <a:off x="4214812" y="2629213"/>
-            <a:ext cx="3762375" cy="2019300"/>
+            <a:off x="2903254" y="1872039"/>
+            <a:ext cx="5484359" cy="3595699"/>
           </a:xfrm>
           <a:prstGeom prst="rect">
             <a:avLst/>
           </a:prstGeom>
         </p:spPr>
       </p:pic>
+      <p:sp>
+        <p:nvSpPr>
+          <p:cNvPr id="3" name="Rectangle 2">
+            <a:extLst>
+              <a:ext uri="{FF2B5EF4-FFF2-40B4-BE49-F238E27FC236}">
+                <a16:creationId xmlns:a16="http://schemas.microsoft.com/office/drawing/2014/main" id="{CFA9AEAA-2326-4C95-AA59-AC0DAD268854}"/>
+              </a:ext>
+            </a:extLst>
+          </p:cNvPr>
+          <p:cNvSpPr/>
+          <p:nvPr/>
+        </p:nvSpPr>
+        <p:spPr>
+          <a:xfrm>
+            <a:off x="2903254" y="5714851"/>
+            <a:ext cx="6096000" cy="369332"/>
+          </a:xfrm>
+          <a:prstGeom prst="rect">
+            <a:avLst/>
+          </a:prstGeom>
+        </p:spPr>
+        <p:txBody>
+          <a:bodyPr>
+            <a:spAutoFit/>
+          </a:bodyPr>
+          <a:lstStyle/>
+          <a:p>
+            <a:r>
+              <a:rPr lang="en-US" i="1" dirty="0">
+                <a:latin typeface="MinionPro-It"/>
+                <a:cs typeface="Calibri" panose="020F0502020204030204" pitchFamily="34" charset="0"/>
+              </a:rPr>
+              <a:t>Figure 1-6. Data visualization.</a:t>
+            </a:r>
+            <a:endParaRPr lang="en-US" dirty="0">
+              <a:latin typeface="MinionPro-It"/>
+              <a:cs typeface="Calibri" panose="020F0502020204030204" pitchFamily="34" charset="0"/>
+            </a:endParaRPr>
+          </a:p>
+        </p:txBody>
+      </p:sp>
+      <p:sp>
+        <p:nvSpPr>
+          <p:cNvPr id="5" name="TextBox 4">
+            <a:extLst>
+              <a:ext uri="{FF2B5EF4-FFF2-40B4-BE49-F238E27FC236}">
+                <a16:creationId xmlns:a16="http://schemas.microsoft.com/office/drawing/2014/main" id="{0316C9C8-EA23-4080-9153-3A9E4A2BEEF5}"/>
+              </a:ext>
+            </a:extLst>
+          </p:cNvPr>
+          <p:cNvSpPr txBox="1"/>
+          <p:nvPr/>
+        </p:nvSpPr>
+        <p:spPr>
+          <a:xfrm>
+            <a:off x="0" y="6550223"/>
+            <a:ext cx="12192000" cy="307777"/>
+          </a:xfrm>
+          <a:prstGeom prst="rect">
+            <a:avLst/>
+          </a:prstGeom>
+          <a:noFill/>
+        </p:spPr>
+        <p:txBody>
+          <a:bodyPr wrap="square" rtlCol="0">
+            <a:spAutoFit/>
+          </a:bodyPr>
+          <a:lstStyle/>
+          <a:p>
+            <a:r>
+              <a:rPr lang="en-US" sz="1400" dirty="0">
+                <a:solidFill>
+                  <a:schemeClr val="tx1">
+                    <a:lumMod val="65000"/>
+                    <a:lumOff val="35000"/>
+                  </a:schemeClr>
+                </a:solidFill>
+                <a:latin typeface="+mj-lt"/>
+                <a:ea typeface="Verdana" panose="020B0604030504040204" pitchFamily="34" charset="0"/>
+              </a:rPr>
+              <a:t>Source: Geron, A. (2019). </a:t>
+            </a:r>
+            <a:r>
+              <a:rPr lang="en-US" sz="1400" i="1" dirty="0">
+                <a:solidFill>
+                  <a:schemeClr val="tx1">
+                    <a:lumMod val="65000"/>
+                    <a:lumOff val="35000"/>
+                  </a:schemeClr>
+                </a:solidFill>
+                <a:latin typeface="+mj-lt"/>
+                <a:ea typeface="Verdana" panose="020B0604030504040204" pitchFamily="34" charset="0"/>
+              </a:rPr>
+              <a:t>Hands-On Machine Learning w/Scikit-Learn, Keras &amp; Tensorflow </a:t>
+            </a:r>
+            <a:r>
+              <a:rPr lang="en-US" sz="1400" dirty="0">
+                <a:solidFill>
+                  <a:schemeClr val="tx1">
+                    <a:lumMod val="65000"/>
+                    <a:lumOff val="35000"/>
+                  </a:schemeClr>
+                </a:solidFill>
+                <a:latin typeface="+mj-lt"/>
+                <a:ea typeface="Verdana" panose="020B0604030504040204" pitchFamily="34" charset="0"/>
+              </a:rPr>
+              <a:t>. </a:t>
+            </a:r>
+            <a:r>
+              <a:rPr lang="en-US" sz="1400" b="0" i="0" dirty="0">
+                <a:solidFill>
+                  <a:schemeClr val="tx1">
+                    <a:lumMod val="65000"/>
+                    <a:lumOff val="35000"/>
+                  </a:schemeClr>
+                </a:solidFill>
+                <a:effectLst/>
+                <a:latin typeface="+mj-lt"/>
+                <a:ea typeface="Verdana" panose="020B0604030504040204" pitchFamily="34" charset="0"/>
+              </a:rPr>
+              <a:t>Sebastopol, CA: O'Reilly Media, Inc. (Chapter 1)</a:t>
+            </a:r>
+            <a:endParaRPr lang="en-US" sz="1400" dirty="0">
+              <a:solidFill>
+                <a:schemeClr val="tx1">
+                  <a:lumMod val="65000"/>
+                  <a:lumOff val="35000"/>
+                </a:schemeClr>
+              </a:solidFill>
+              <a:latin typeface="+mj-lt"/>
+              <a:ea typeface="Verdana" panose="020B0604030504040204" pitchFamily="34" charset="0"/>
+            </a:endParaRPr>
+          </a:p>
+        </p:txBody>
+      </p:sp>
     </p:spTree>
     <p:extLst>
       <p:ext uri="{BB962C8B-B14F-4D97-AF65-F5344CB8AC3E}">
-        <p14:creationId xmlns:p14="http://schemas.microsoft.com/office/powerpoint/2010/main" val="1622845106"/>
+        <p14:creationId xmlns:p14="http://schemas.microsoft.com/office/powerpoint/2010/main" val="1859635518"/>
       </p:ext>
     </p:extLst>
   </p:cSld>
